--- a/ppt (2).pptx
+++ b/ppt (2).pptx
@@ -1,34 +1,34 @@
 
 <file path=ppt/presentation.xml><?xml version="1.0" encoding="utf-8"?>
-<p:presentation xmlns:a="http://schemas.openxmlformats.org/drawingml/2006/main" xmlns:r="http://schemas.openxmlformats.org/officeDocument/2006/relationships" xmlns:mc="http://schemas.openxmlformats.org/markup-compatibility/2006" xmlns:mv="urn:schemas-microsoft-com:mac:vml" xmlns:p="http://schemas.openxmlformats.org/presentationml/2006/main" xmlns:c="http://schemas.openxmlformats.org/drawingml/2006/chart" xmlns:dgm="http://schemas.openxmlformats.org/drawingml/2006/diagram" xmlns:o="urn:schemas-microsoft-com:office:office" xmlns:v="urn:schemas-microsoft-com:vml" xmlns:pvml="urn:schemas-microsoft-com:office:powerpoint" xmlns:com="http://schemas.openxmlformats.org/drawingml/2006/compatibility" xmlns:p14="http://schemas.microsoft.com/office/powerpoint/2010/main" xmlns:p15="http://schemas.microsoft.com/office/powerpoint/2012/main" xmlns:ahyp="http://schemas.microsoft.com/office/drawing/2018/hyperlinkcolor" autoCompressPictures="0" embedTrueTypeFonts="1" strictFirstAndLastChars="0" saveSubsetFonts="1">
+<p:presentation xmlns:a="http://schemas.openxmlformats.org/drawingml/2006/main" xmlns:r="http://schemas.openxmlformats.org/officeDocument/2006/relationships" xmlns:p="http://schemas.openxmlformats.org/presentationml/2006/main" strictFirstAndLastChars="0" embedTrueTypeFonts="1" saveSubsetFonts="1" autoCompressPictures="0">
   <p:sldMasterIdLst>
-    <p:sldMasterId id="2147483659" r:id="rId4"/>
+    <p:sldMasterId id="2147483659" r:id="rId1"/>
   </p:sldMasterIdLst>
   <p:notesMasterIdLst>
-    <p:notesMasterId r:id="rId5"/>
+    <p:notesMasterId r:id="rId9"/>
   </p:notesMasterIdLst>
   <p:sldIdLst>
-    <p:sldId id="256" r:id="rId6"/>
-    <p:sldId id="257" r:id="rId7"/>
-    <p:sldId id="258" r:id="rId8"/>
-    <p:sldId id="259" r:id="rId9"/>
-    <p:sldId id="260" r:id="rId10"/>
-    <p:sldId id="261" r:id="rId11"/>
-    <p:sldId id="262" r:id="rId12"/>
+    <p:sldId id="256" r:id="rId2"/>
+    <p:sldId id="257" r:id="rId3"/>
+    <p:sldId id="258" r:id="rId4"/>
+    <p:sldId id="259" r:id="rId5"/>
+    <p:sldId id="260" r:id="rId6"/>
+    <p:sldId id="261" r:id="rId7"/>
+    <p:sldId id="262" r:id="rId8"/>
   </p:sldIdLst>
-  <p:sldSz cy="5143500" cx="9144000"/>
+  <p:sldSz cx="9144000" cy="5143500" type="screen16x9"/>
   <p:notesSz cx="6858000" cy="9144000"/>
   <p:embeddedFontLst>
     <p:embeddedFont>
-      <p:font typeface="Roboto Mono"/>
-      <p:regular r:id="rId13"/>
-      <p:bold r:id="rId14"/>
-      <p:italic r:id="rId15"/>
-      <p:boldItalic r:id="rId16"/>
+      <p:font typeface="Roboto Mono" panose="020B0604020202020204" charset="0"/>
+      <p:regular r:id="rId10"/>
+      <p:bold r:id="rId11"/>
+      <p:italic r:id="rId12"/>
+      <p:boldItalic r:id="rId13"/>
     </p:embeddedFont>
   </p:embeddedFontLst>
   <p:defaultTextStyle>
-    <a:defPPr lvl="0" marR="0" rtl="0" algn="l">
+    <a:defPPr marR="0" lvl="0" algn="l" rtl="0">
       <a:lnSpc>
         <a:spcPct val="100000"/>
       </a:lnSpc>
@@ -39,7 +39,7 @@
         <a:spcPts val="0"/>
       </a:spcAft>
     </a:defPPr>
-    <a:lvl1pPr lvl="0" marR="0" rtl="0" algn="l">
+    <a:lvl1pPr marR="0" lvl="0" algn="l" rtl="0">
       <a:lnSpc>
         <a:spcPct val="100000"/>
       </a:lnSpc>
@@ -53,7 +53,7 @@
         <a:srgbClr val="000000"/>
       </a:buClr>
       <a:buFont typeface="Arial"/>
-      <a:defRPr b="0" i="0" sz="1400" u="none" cap="none" strike="noStrike">
+      <a:defRPr sz="1400" b="0" i="0" u="none" strike="noStrike" cap="none">
         <a:solidFill>
           <a:srgbClr val="000000"/>
         </a:solidFill>
@@ -63,7 +63,7 @@
         <a:sym typeface="Arial"/>
       </a:defRPr>
     </a:lvl1pPr>
-    <a:lvl2pPr lvl="1" marR="0" rtl="0" algn="l">
+    <a:lvl2pPr marR="0" lvl="1" algn="l" rtl="0">
       <a:lnSpc>
         <a:spcPct val="100000"/>
       </a:lnSpc>
@@ -77,7 +77,7 @@
         <a:srgbClr val="000000"/>
       </a:buClr>
       <a:buFont typeface="Arial"/>
-      <a:defRPr b="0" i="0" sz="1400" u="none" cap="none" strike="noStrike">
+      <a:defRPr sz="1400" b="0" i="0" u="none" strike="noStrike" cap="none">
         <a:solidFill>
           <a:srgbClr val="000000"/>
         </a:solidFill>
@@ -87,7 +87,7 @@
         <a:sym typeface="Arial"/>
       </a:defRPr>
     </a:lvl2pPr>
-    <a:lvl3pPr lvl="2" marR="0" rtl="0" algn="l">
+    <a:lvl3pPr marR="0" lvl="2" algn="l" rtl="0">
       <a:lnSpc>
         <a:spcPct val="100000"/>
       </a:lnSpc>
@@ -101,7 +101,7 @@
         <a:srgbClr val="000000"/>
       </a:buClr>
       <a:buFont typeface="Arial"/>
-      <a:defRPr b="0" i="0" sz="1400" u="none" cap="none" strike="noStrike">
+      <a:defRPr sz="1400" b="0" i="0" u="none" strike="noStrike" cap="none">
         <a:solidFill>
           <a:srgbClr val="000000"/>
         </a:solidFill>
@@ -111,7 +111,7 @@
         <a:sym typeface="Arial"/>
       </a:defRPr>
     </a:lvl3pPr>
-    <a:lvl4pPr lvl="3" marR="0" rtl="0" algn="l">
+    <a:lvl4pPr marR="0" lvl="3" algn="l" rtl="0">
       <a:lnSpc>
         <a:spcPct val="100000"/>
       </a:lnSpc>
@@ -125,7 +125,7 @@
         <a:srgbClr val="000000"/>
       </a:buClr>
       <a:buFont typeface="Arial"/>
-      <a:defRPr b="0" i="0" sz="1400" u="none" cap="none" strike="noStrike">
+      <a:defRPr sz="1400" b="0" i="0" u="none" strike="noStrike" cap="none">
         <a:solidFill>
           <a:srgbClr val="000000"/>
         </a:solidFill>
@@ -135,7 +135,7 @@
         <a:sym typeface="Arial"/>
       </a:defRPr>
     </a:lvl4pPr>
-    <a:lvl5pPr lvl="4" marR="0" rtl="0" algn="l">
+    <a:lvl5pPr marR="0" lvl="4" algn="l" rtl="0">
       <a:lnSpc>
         <a:spcPct val="100000"/>
       </a:lnSpc>
@@ -149,7 +149,7 @@
         <a:srgbClr val="000000"/>
       </a:buClr>
       <a:buFont typeface="Arial"/>
-      <a:defRPr b="0" i="0" sz="1400" u="none" cap="none" strike="noStrike">
+      <a:defRPr sz="1400" b="0" i="0" u="none" strike="noStrike" cap="none">
         <a:solidFill>
           <a:srgbClr val="000000"/>
         </a:solidFill>
@@ -159,7 +159,7 @@
         <a:sym typeface="Arial"/>
       </a:defRPr>
     </a:lvl5pPr>
-    <a:lvl6pPr lvl="5" marR="0" rtl="0" algn="l">
+    <a:lvl6pPr marR="0" lvl="5" algn="l" rtl="0">
       <a:lnSpc>
         <a:spcPct val="100000"/>
       </a:lnSpc>
@@ -173,7 +173,7 @@
         <a:srgbClr val="000000"/>
       </a:buClr>
       <a:buFont typeface="Arial"/>
-      <a:defRPr b="0" i="0" sz="1400" u="none" cap="none" strike="noStrike">
+      <a:defRPr sz="1400" b="0" i="0" u="none" strike="noStrike" cap="none">
         <a:solidFill>
           <a:srgbClr val="000000"/>
         </a:solidFill>
@@ -183,7 +183,7 @@
         <a:sym typeface="Arial"/>
       </a:defRPr>
     </a:lvl6pPr>
-    <a:lvl7pPr lvl="6" marR="0" rtl="0" algn="l">
+    <a:lvl7pPr marR="0" lvl="6" algn="l" rtl="0">
       <a:lnSpc>
         <a:spcPct val="100000"/>
       </a:lnSpc>
@@ -197,7 +197,7 @@
         <a:srgbClr val="000000"/>
       </a:buClr>
       <a:buFont typeface="Arial"/>
-      <a:defRPr b="0" i="0" sz="1400" u="none" cap="none" strike="noStrike">
+      <a:defRPr sz="1400" b="0" i="0" u="none" strike="noStrike" cap="none">
         <a:solidFill>
           <a:srgbClr val="000000"/>
         </a:solidFill>
@@ -207,7 +207,7 @@
         <a:sym typeface="Arial"/>
       </a:defRPr>
     </a:lvl7pPr>
-    <a:lvl8pPr lvl="7" marR="0" rtl="0" algn="l">
+    <a:lvl8pPr marR="0" lvl="7" algn="l" rtl="0">
       <a:lnSpc>
         <a:spcPct val="100000"/>
       </a:lnSpc>
@@ -221,7 +221,7 @@
         <a:srgbClr val="000000"/>
       </a:buClr>
       <a:buFont typeface="Arial"/>
-      <a:defRPr b="0" i="0" sz="1400" u="none" cap="none" strike="noStrike">
+      <a:defRPr sz="1400" b="0" i="0" u="none" strike="noStrike" cap="none">
         <a:solidFill>
           <a:srgbClr val="000000"/>
         </a:solidFill>
@@ -231,7 +231,7 @@
         <a:sym typeface="Arial"/>
       </a:defRPr>
     </a:lvl8pPr>
-    <a:lvl9pPr lvl="8" marR="0" rtl="0" algn="l">
+    <a:lvl9pPr marR="0" lvl="8" algn="l" rtl="0">
       <a:lnSpc>
         <a:spcPct val="100000"/>
       </a:lnSpc>
@@ -245,7 +245,7 @@
         <a:srgbClr val="000000"/>
       </a:buClr>
       <a:buFont typeface="Arial"/>
-      <a:defRPr b="0" i="0" sz="1400" u="none" cap="none" strike="noStrike">
+      <a:defRPr sz="1400" b="0" i="0" u="none" strike="noStrike" cap="none">
         <a:solidFill>
           <a:srgbClr val="000000"/>
         </a:solidFill>
@@ -258,7 +258,7 @@
   </p:defaultTextStyle>
   <p:extLst>
     <p:ext uri="{EFAFB233-063F-42B5-8137-9DF3F51BA10A}">
-      <p15:sldGuideLst>
+      <p15:sldGuideLst xmlns:p15="http://schemas.microsoft.com/office/powerpoint/2012/main">
         <p15:guide id="1" orient="horz" pos="1620">
           <p15:clr>
             <a:srgbClr val="747775"/>
@@ -276,11 +276,16 @@
 </file>
 
 <file path=ppt/notesMasters/notesMaster1.xml><?xml version="1.0" encoding="utf-8"?>
-<p:notesMaster xmlns:a="http://schemas.openxmlformats.org/drawingml/2006/main" xmlns:r="http://schemas.openxmlformats.org/officeDocument/2006/relationships" xmlns:mc="http://schemas.openxmlformats.org/markup-compatibility/2006" xmlns:mv="urn:schemas-microsoft-com:mac:vml" xmlns:p="http://schemas.openxmlformats.org/presentationml/2006/main" xmlns:c="http://schemas.openxmlformats.org/drawingml/2006/chart" xmlns:dgm="http://schemas.openxmlformats.org/drawingml/2006/diagram" xmlns:o="urn:schemas-microsoft-com:office:office" xmlns:v="urn:schemas-microsoft-com:vml" xmlns:pvml="urn:schemas-microsoft-com:office:powerpoint" xmlns:com="http://schemas.openxmlformats.org/drawingml/2006/compatibility" xmlns:p14="http://schemas.microsoft.com/office/powerpoint/2010/main" xmlns:p15="http://schemas.microsoft.com/office/powerpoint/2012/main" xmlns:ahyp="http://schemas.microsoft.com/office/drawing/2018/hyperlinkcolor">
+<p:notesMaster xmlns:a="http://schemas.openxmlformats.org/drawingml/2006/main" xmlns:r="http://schemas.openxmlformats.org/officeDocument/2006/relationships" xmlns:p="http://schemas.openxmlformats.org/presentationml/2006/main">
   <p:cSld>
+    <p:bg>
+      <p:bgRef idx="1001">
+        <a:schemeClr val="bg1"/>
+      </p:bgRef>
+    </p:bg>
     <p:spTree>
       <p:nvGrpSpPr>
-        <p:cNvPr id="2" name="Shape 2"/>
+        <p:cNvPr id="1" name="Shape 2"/>
         <p:cNvGrpSpPr/>
         <p:nvPr/>
       </p:nvGrpSpPr>
@@ -295,9 +300,11 @@
       <p:sp>
         <p:nvSpPr>
           <p:cNvPr id="3" name="Google Shape;3;n"/>
-          <p:cNvSpPr/>
+          <p:cNvSpPr>
+            <a:spLocks noGrp="1" noRot="1" noChangeAspect="1"/>
+          </p:cNvSpPr>
           <p:nvPr>
-            <p:ph idx="2" type="sldImg"/>
+            <p:ph type="sldImg" idx="2"/>
           </p:nvPr>
         </p:nvSpPr>
         <p:spPr>
@@ -306,9 +313,13 @@
             <a:ext cx="6096075" cy="3429000"/>
           </a:xfrm>
           <a:custGeom>
-            <a:rect b="b" l="l" r="r" t="t"/>
+            <a:avLst/>
+            <a:gdLst/>
+            <a:ahLst/>
+            <a:cxnLst/>
+            <a:rect l="l" t="t" r="r" b="b"/>
             <a:pathLst>
-              <a:path extrusionOk="0" h="120000" w="120000">
+              <a:path w="120000" h="120000" extrusionOk="0">
                 <a:moveTo>
                   <a:pt x="0" y="0"/>
                 </a:moveTo>
@@ -326,23 +337,25 @@
             </a:pathLst>
           </a:custGeom>
           <a:noFill/>
-          <a:ln cap="flat" cmpd="sng" w="9525">
+          <a:ln w="9525" cap="flat" cmpd="sng">
             <a:solidFill>
               <a:srgbClr val="000000"/>
             </a:solidFill>
             <a:prstDash val="solid"/>
             <a:round/>
-            <a:headEnd len="sm" w="sm" type="none"/>
-            <a:tailEnd len="sm" w="sm" type="none"/>
+            <a:headEnd type="none" w="sm" len="sm"/>
+            <a:tailEnd type="none" w="sm" len="sm"/>
           </a:ln>
         </p:spPr>
       </p:sp>
       <p:sp>
         <p:nvSpPr>
           <p:cNvPr id="4" name="Google Shape;4;n"/>
-          <p:cNvSpPr txBox="1"/>
+          <p:cNvSpPr txBox="1">
+            <a:spLocks noGrp="1"/>
+          </p:cNvSpPr>
           <p:nvPr>
-            <p:ph idx="1" type="body"/>
+            <p:ph type="body" idx="1"/>
           </p:nvPr>
         </p:nvSpPr>
         <p:spPr>
@@ -359,11 +372,11 @@
           </a:ln>
         </p:spPr>
         <p:txBody>
-          <a:bodyPr anchorCtr="0" anchor="t" bIns="91425" lIns="91425" spcFirstLastPara="1" rIns="91425" wrap="square" tIns="91425">
+          <a:bodyPr spcFirstLastPara="1" wrap="square" lIns="91425" tIns="91425" rIns="91425" bIns="91425" anchor="t" anchorCtr="0">
             <a:noAutofit/>
           </a:bodyPr>
           <a:lstStyle>
-            <a:lvl1pPr indent="-298450" lvl="0" marL="457200">
+            <a:lvl1pPr marL="457200" lvl="0" indent="-298450">
               <a:spcBef>
                 <a:spcPts val="0"/>
               </a:spcBef>
@@ -374,7 +387,7 @@
               <a:buChar char="●"/>
               <a:defRPr sz="1100"/>
             </a:lvl1pPr>
-            <a:lvl2pPr indent="-298450" lvl="1" marL="914400">
+            <a:lvl2pPr marL="914400" lvl="1" indent="-298450">
               <a:spcBef>
                 <a:spcPts val="0"/>
               </a:spcBef>
@@ -385,7 +398,7 @@
               <a:buChar char="○"/>
               <a:defRPr sz="1100"/>
             </a:lvl2pPr>
-            <a:lvl3pPr indent="-298450" lvl="2" marL="1371600">
+            <a:lvl3pPr marL="1371600" lvl="2" indent="-298450">
               <a:spcBef>
                 <a:spcPts val="0"/>
               </a:spcBef>
@@ -396,7 +409,7 @@
               <a:buChar char="■"/>
               <a:defRPr sz="1100"/>
             </a:lvl3pPr>
-            <a:lvl4pPr indent="-298450" lvl="3" marL="1828800">
+            <a:lvl4pPr marL="1828800" lvl="3" indent="-298450">
               <a:spcBef>
                 <a:spcPts val="0"/>
               </a:spcBef>
@@ -407,7 +420,7 @@
               <a:buChar char="●"/>
               <a:defRPr sz="1100"/>
             </a:lvl4pPr>
-            <a:lvl5pPr indent="-298450" lvl="4" marL="2286000">
+            <a:lvl5pPr marL="2286000" lvl="4" indent="-298450">
               <a:spcBef>
                 <a:spcPts val="0"/>
               </a:spcBef>
@@ -418,7 +431,7 @@
               <a:buChar char="○"/>
               <a:defRPr sz="1100"/>
             </a:lvl5pPr>
-            <a:lvl6pPr indent="-298450" lvl="5" marL="2743200">
+            <a:lvl6pPr marL="2743200" lvl="5" indent="-298450">
               <a:spcBef>
                 <a:spcPts val="0"/>
               </a:spcBef>
@@ -429,7 +442,7 @@
               <a:buChar char="■"/>
               <a:defRPr sz="1100"/>
             </a:lvl6pPr>
-            <a:lvl7pPr indent="-298450" lvl="6" marL="3200400">
+            <a:lvl7pPr marL="3200400" lvl="6" indent="-298450">
               <a:spcBef>
                 <a:spcPts val="0"/>
               </a:spcBef>
@@ -440,7 +453,7 @@
               <a:buChar char="●"/>
               <a:defRPr sz="1100"/>
             </a:lvl7pPr>
-            <a:lvl8pPr indent="-298450" lvl="7" marL="3657600">
+            <a:lvl8pPr marL="3657600" lvl="7" indent="-298450">
               <a:spcBef>
                 <a:spcPts val="0"/>
               </a:spcBef>
@@ -451,7 +464,7 @@
               <a:buChar char="○"/>
               <a:defRPr sz="1100"/>
             </a:lvl8pPr>
-            <a:lvl9pPr indent="-298450" lvl="8" marL="4114800">
+            <a:lvl9pPr marL="4114800" lvl="8" indent="-298450">
               <a:spcBef>
                 <a:spcPts val="0"/>
               </a:spcBef>
@@ -463,14 +476,16 @@
               <a:defRPr sz="1100"/>
             </a:lvl9pPr>
           </a:lstStyle>
-          <a:p/>
+          <a:p>
+            <a:endParaRPr/>
+          </a:p>
         </p:txBody>
       </p:sp>
     </p:spTree>
   </p:cSld>
-  <p:clrMap accent1="accent1" accent2="accent2" accent3="accent3" accent4="accent4" accent5="accent5" accent6="accent6" bg1="lt1" bg2="dk2" tx1="dk1" tx2="lt2" folHlink="folHlink" hlink="hlink"/>
+  <p:clrMap bg1="lt1" tx1="dk1" bg2="dk2" tx2="lt2" accent1="accent1" accent2="accent2" accent3="accent3" accent4="accent4" accent5="accent5" accent6="accent6" hlink="hlink" folHlink="folHlink"/>
   <p:notesStyle>
-    <a:defPPr lvl="0" marR="0" rtl="0" algn="l">
+    <a:defPPr marR="0" lvl="0" algn="l" rtl="0">
       <a:lnSpc>
         <a:spcPct val="100000"/>
       </a:lnSpc>
@@ -481,7 +496,7 @@
         <a:spcPts val="0"/>
       </a:spcAft>
     </a:defPPr>
-    <a:lvl1pPr lvl="0" marR="0" rtl="0" algn="l">
+    <a:lvl1pPr marR="0" lvl="0" algn="l" rtl="0">
       <a:lnSpc>
         <a:spcPct val="100000"/>
       </a:lnSpc>
@@ -495,7 +510,7 @@
         <a:srgbClr val="000000"/>
       </a:buClr>
       <a:buFont typeface="Arial"/>
-      <a:defRPr b="0" i="0" sz="1400" u="none" cap="none" strike="noStrike">
+      <a:defRPr sz="1400" b="0" i="0" u="none" strike="noStrike" cap="none">
         <a:solidFill>
           <a:srgbClr val="000000"/>
         </a:solidFill>
@@ -505,7 +520,7 @@
         <a:sym typeface="Arial"/>
       </a:defRPr>
     </a:lvl1pPr>
-    <a:lvl2pPr lvl="1" marR="0" rtl="0" algn="l">
+    <a:lvl2pPr marR="0" lvl="1" algn="l" rtl="0">
       <a:lnSpc>
         <a:spcPct val="100000"/>
       </a:lnSpc>
@@ -519,7 +534,7 @@
         <a:srgbClr val="000000"/>
       </a:buClr>
       <a:buFont typeface="Arial"/>
-      <a:defRPr b="0" i="0" sz="1400" u="none" cap="none" strike="noStrike">
+      <a:defRPr sz="1400" b="0" i="0" u="none" strike="noStrike" cap="none">
         <a:solidFill>
           <a:srgbClr val="000000"/>
         </a:solidFill>
@@ -529,7 +544,7 @@
         <a:sym typeface="Arial"/>
       </a:defRPr>
     </a:lvl2pPr>
-    <a:lvl3pPr lvl="2" marR="0" rtl="0" algn="l">
+    <a:lvl3pPr marR="0" lvl="2" algn="l" rtl="0">
       <a:lnSpc>
         <a:spcPct val="100000"/>
       </a:lnSpc>
@@ -543,7 +558,7 @@
         <a:srgbClr val="000000"/>
       </a:buClr>
       <a:buFont typeface="Arial"/>
-      <a:defRPr b="0" i="0" sz="1400" u="none" cap="none" strike="noStrike">
+      <a:defRPr sz="1400" b="0" i="0" u="none" strike="noStrike" cap="none">
         <a:solidFill>
           <a:srgbClr val="000000"/>
         </a:solidFill>
@@ -553,7 +568,7 @@
         <a:sym typeface="Arial"/>
       </a:defRPr>
     </a:lvl3pPr>
-    <a:lvl4pPr lvl="3" marR="0" rtl="0" algn="l">
+    <a:lvl4pPr marR="0" lvl="3" algn="l" rtl="0">
       <a:lnSpc>
         <a:spcPct val="100000"/>
       </a:lnSpc>
@@ -567,7 +582,7 @@
         <a:srgbClr val="000000"/>
       </a:buClr>
       <a:buFont typeface="Arial"/>
-      <a:defRPr b="0" i="0" sz="1400" u="none" cap="none" strike="noStrike">
+      <a:defRPr sz="1400" b="0" i="0" u="none" strike="noStrike" cap="none">
         <a:solidFill>
           <a:srgbClr val="000000"/>
         </a:solidFill>
@@ -577,7 +592,7 @@
         <a:sym typeface="Arial"/>
       </a:defRPr>
     </a:lvl4pPr>
-    <a:lvl5pPr lvl="4" marR="0" rtl="0" algn="l">
+    <a:lvl5pPr marR="0" lvl="4" algn="l" rtl="0">
       <a:lnSpc>
         <a:spcPct val="100000"/>
       </a:lnSpc>
@@ -591,7 +606,7 @@
         <a:srgbClr val="000000"/>
       </a:buClr>
       <a:buFont typeface="Arial"/>
-      <a:defRPr b="0" i="0" sz="1400" u="none" cap="none" strike="noStrike">
+      <a:defRPr sz="1400" b="0" i="0" u="none" strike="noStrike" cap="none">
         <a:solidFill>
           <a:srgbClr val="000000"/>
         </a:solidFill>
@@ -601,7 +616,7 @@
         <a:sym typeface="Arial"/>
       </a:defRPr>
     </a:lvl5pPr>
-    <a:lvl6pPr lvl="5" marR="0" rtl="0" algn="l">
+    <a:lvl6pPr marR="0" lvl="5" algn="l" rtl="0">
       <a:lnSpc>
         <a:spcPct val="100000"/>
       </a:lnSpc>
@@ -615,7 +630,7 @@
         <a:srgbClr val="000000"/>
       </a:buClr>
       <a:buFont typeface="Arial"/>
-      <a:defRPr b="0" i="0" sz="1400" u="none" cap="none" strike="noStrike">
+      <a:defRPr sz="1400" b="0" i="0" u="none" strike="noStrike" cap="none">
         <a:solidFill>
           <a:srgbClr val="000000"/>
         </a:solidFill>
@@ -625,7 +640,7 @@
         <a:sym typeface="Arial"/>
       </a:defRPr>
     </a:lvl6pPr>
-    <a:lvl7pPr lvl="6" marR="0" rtl="0" algn="l">
+    <a:lvl7pPr marR="0" lvl="6" algn="l" rtl="0">
       <a:lnSpc>
         <a:spcPct val="100000"/>
       </a:lnSpc>
@@ -639,7 +654,7 @@
         <a:srgbClr val="000000"/>
       </a:buClr>
       <a:buFont typeface="Arial"/>
-      <a:defRPr b="0" i="0" sz="1400" u="none" cap="none" strike="noStrike">
+      <a:defRPr sz="1400" b="0" i="0" u="none" strike="noStrike" cap="none">
         <a:solidFill>
           <a:srgbClr val="000000"/>
         </a:solidFill>
@@ -649,7 +664,7 @@
         <a:sym typeface="Arial"/>
       </a:defRPr>
     </a:lvl7pPr>
-    <a:lvl8pPr lvl="7" marR="0" rtl="0" algn="l">
+    <a:lvl8pPr marR="0" lvl="7" algn="l" rtl="0">
       <a:lnSpc>
         <a:spcPct val="100000"/>
       </a:lnSpc>
@@ -663,7 +678,7 @@
         <a:srgbClr val="000000"/>
       </a:buClr>
       <a:buFont typeface="Arial"/>
-      <a:defRPr b="0" i="0" sz="1400" u="none" cap="none" strike="noStrike">
+      <a:defRPr sz="1400" b="0" i="0" u="none" strike="noStrike" cap="none">
         <a:solidFill>
           <a:srgbClr val="000000"/>
         </a:solidFill>
@@ -673,7 +688,7 @@
         <a:sym typeface="Arial"/>
       </a:defRPr>
     </a:lvl8pPr>
-    <a:lvl9pPr lvl="8" marR="0" rtl="0" algn="l">
+    <a:lvl9pPr marR="0" lvl="8" algn="l" rtl="0">
       <a:lnSpc>
         <a:spcPct val="100000"/>
       </a:lnSpc>
@@ -687,7 +702,7 @@
         <a:srgbClr val="000000"/>
       </a:buClr>
       <a:buFont typeface="Arial"/>
-      <a:defRPr b="0" i="0" sz="1400" u="none" cap="none" strike="noStrike">
+      <a:defRPr sz="1400" b="0" i="0" u="none" strike="noStrike" cap="none">
         <a:solidFill>
           <a:srgbClr val="000000"/>
         </a:solidFill>
@@ -702,11 +717,11 @@
 </file>
 
 <file path=ppt/notesSlides/notesSlide1.xml><?xml version="1.0" encoding="utf-8"?>
-<p:notes xmlns:a="http://schemas.openxmlformats.org/drawingml/2006/main" xmlns:r="http://schemas.openxmlformats.org/officeDocument/2006/relationships" xmlns:mc="http://schemas.openxmlformats.org/markup-compatibility/2006" xmlns:mv="urn:schemas-microsoft-com:mac:vml" xmlns:p="http://schemas.openxmlformats.org/presentationml/2006/main" xmlns:c="http://schemas.openxmlformats.org/drawingml/2006/chart" xmlns:dgm="http://schemas.openxmlformats.org/drawingml/2006/diagram" xmlns:o="urn:schemas-microsoft-com:office:office" xmlns:v="urn:schemas-microsoft-com:vml" xmlns:pvml="urn:schemas-microsoft-com:office:powerpoint" xmlns:com="http://schemas.openxmlformats.org/drawingml/2006/compatibility" xmlns:p14="http://schemas.microsoft.com/office/powerpoint/2010/main" xmlns:p15="http://schemas.microsoft.com/office/powerpoint/2012/main" xmlns:ahyp="http://schemas.microsoft.com/office/drawing/2018/hyperlinkcolor" showMasterPhAnim="0" showMasterSp="0">
+<p:notes xmlns:a="http://schemas.openxmlformats.org/drawingml/2006/main" xmlns:r="http://schemas.openxmlformats.org/officeDocument/2006/relationships" xmlns:p="http://schemas.openxmlformats.org/presentationml/2006/main" showMasterSp="0" showMasterPhAnim="0">
   <p:cSld>
     <p:spTree>
       <p:nvGrpSpPr>
-        <p:cNvPr id="50" name="Shape 50"/>
+        <p:cNvPr id="1" name="Shape 50"/>
         <p:cNvGrpSpPr/>
         <p:nvPr/>
       </p:nvGrpSpPr>
@@ -721,20 +736,26 @@
       <p:sp>
         <p:nvSpPr>
           <p:cNvPr id="51" name="Google Shape;51;p:notes"/>
-          <p:cNvSpPr/>
+          <p:cNvSpPr>
+            <a:spLocks noGrp="1" noRot="1" noChangeAspect="1"/>
+          </p:cNvSpPr>
           <p:nvPr>
-            <p:ph idx="2" type="sldImg"/>
+            <p:ph type="sldImg" idx="2"/>
           </p:nvPr>
         </p:nvSpPr>
         <p:spPr>
           <a:xfrm>
-            <a:off x="381300" y="685800"/>
-            <a:ext cx="6096075" cy="3429000"/>
+            <a:off x="381000" y="685800"/>
+            <a:ext cx="6096000" cy="3429000"/>
           </a:xfrm>
           <a:custGeom>
-            <a:rect b="b" l="l" r="r" t="t"/>
+            <a:avLst/>
+            <a:gdLst/>
+            <a:ahLst/>
+            <a:cxnLst/>
+            <a:rect l="l" t="t" r="r" b="b"/>
             <a:pathLst>
-              <a:path extrusionOk="0" h="120000" w="120000">
+              <a:path w="120000" h="120000" extrusionOk="0">
                 <a:moveTo>
                   <a:pt x="0" y="0"/>
                 </a:moveTo>
@@ -756,9 +777,11 @@
       <p:sp>
         <p:nvSpPr>
           <p:cNvPr id="52" name="Google Shape;52;p:notes"/>
-          <p:cNvSpPr txBox="1"/>
+          <p:cNvSpPr txBox="1">
+            <a:spLocks noGrp="1"/>
+          </p:cNvSpPr>
           <p:nvPr>
-            <p:ph idx="1" type="body"/>
+            <p:ph type="body" idx="1"/>
           </p:nvPr>
         </p:nvSpPr>
         <p:spPr>
@@ -771,12 +794,12 @@
           </a:prstGeom>
         </p:spPr>
         <p:txBody>
-          <a:bodyPr anchorCtr="0" anchor="t" bIns="91425" lIns="91425" spcFirstLastPara="1" rIns="91425" wrap="square" tIns="91425">
+          <a:bodyPr spcFirstLastPara="1" wrap="square" lIns="91425" tIns="91425" rIns="91425" bIns="91425" anchor="t" anchorCtr="0">
             <a:noAutofit/>
           </a:bodyPr>
           <a:lstStyle/>
           <a:p>
-            <a:pPr indent="0" lvl="0" marL="0" rtl="0" algn="l">
+            <a:pPr marL="0" lvl="0" indent="0" algn="l" rtl="0">
               <a:spcBef>
                 <a:spcPts val="0"/>
               </a:spcBef>
@@ -785,9 +808,6 @@
               </a:spcAft>
               <a:buNone/>
             </a:pPr>
-            <a:r>
-              <a:t/>
-            </a:r>
             <a:endParaRPr/>
           </a:p>
         </p:txBody>
@@ -801,11 +821,11 @@
 </file>
 
 <file path=ppt/notesSlides/notesSlide2.xml><?xml version="1.0" encoding="utf-8"?>
-<p:notes xmlns:a="http://schemas.openxmlformats.org/drawingml/2006/main" xmlns:r="http://schemas.openxmlformats.org/officeDocument/2006/relationships" xmlns:mc="http://schemas.openxmlformats.org/markup-compatibility/2006" xmlns:mv="urn:schemas-microsoft-com:mac:vml" xmlns:p="http://schemas.openxmlformats.org/presentationml/2006/main" xmlns:c="http://schemas.openxmlformats.org/drawingml/2006/chart" xmlns:dgm="http://schemas.openxmlformats.org/drawingml/2006/diagram" xmlns:o="urn:schemas-microsoft-com:office:office" xmlns:v="urn:schemas-microsoft-com:vml" xmlns:pvml="urn:schemas-microsoft-com:office:powerpoint" xmlns:com="http://schemas.openxmlformats.org/drawingml/2006/compatibility" xmlns:p14="http://schemas.microsoft.com/office/powerpoint/2010/main" xmlns:p15="http://schemas.microsoft.com/office/powerpoint/2012/main" xmlns:ahyp="http://schemas.microsoft.com/office/drawing/2018/hyperlinkcolor" showMasterPhAnim="0" showMasterSp="0">
+<p:notes xmlns:a="http://schemas.openxmlformats.org/drawingml/2006/main" xmlns:r="http://schemas.openxmlformats.org/officeDocument/2006/relationships" xmlns:p="http://schemas.openxmlformats.org/presentationml/2006/main" showMasterSp="0" showMasterPhAnim="0">
   <p:cSld>
     <p:spTree>
       <p:nvGrpSpPr>
-        <p:cNvPr id="56" name="Shape 56"/>
+        <p:cNvPr id="1" name="Shape 56"/>
         <p:cNvGrpSpPr/>
         <p:nvPr/>
       </p:nvGrpSpPr>
@@ -820,20 +840,26 @@
       <p:sp>
         <p:nvSpPr>
           <p:cNvPr id="57" name="Google Shape;57;g343a49a9c2d_0_0:notes"/>
-          <p:cNvSpPr/>
+          <p:cNvSpPr>
+            <a:spLocks noGrp="1" noRot="1" noChangeAspect="1"/>
+          </p:cNvSpPr>
           <p:nvPr>
-            <p:ph idx="2" type="sldImg"/>
+            <p:ph type="sldImg" idx="2"/>
           </p:nvPr>
         </p:nvSpPr>
         <p:spPr>
           <a:xfrm>
-            <a:off x="381300" y="685800"/>
+            <a:off x="381000" y="685800"/>
             <a:ext cx="6096000" cy="3429000"/>
           </a:xfrm>
           <a:custGeom>
-            <a:rect b="b" l="l" r="r" t="t"/>
+            <a:avLst/>
+            <a:gdLst/>
+            <a:ahLst/>
+            <a:cxnLst/>
+            <a:rect l="l" t="t" r="r" b="b"/>
             <a:pathLst>
-              <a:path extrusionOk="0" h="120000" w="120000">
+              <a:path w="120000" h="120000" extrusionOk="0">
                 <a:moveTo>
                   <a:pt x="0" y="0"/>
                 </a:moveTo>
@@ -855,9 +881,11 @@
       <p:sp>
         <p:nvSpPr>
           <p:cNvPr id="58" name="Google Shape;58;g343a49a9c2d_0_0:notes"/>
-          <p:cNvSpPr txBox="1"/>
+          <p:cNvSpPr txBox="1">
+            <a:spLocks noGrp="1"/>
+          </p:cNvSpPr>
           <p:nvPr>
-            <p:ph idx="1" type="body"/>
+            <p:ph type="body" idx="1"/>
           </p:nvPr>
         </p:nvSpPr>
         <p:spPr>
@@ -870,12 +898,12 @@
           </a:prstGeom>
         </p:spPr>
         <p:txBody>
-          <a:bodyPr anchorCtr="0" anchor="t" bIns="91425" lIns="91425" spcFirstLastPara="1" rIns="91425" wrap="square" tIns="91425">
+          <a:bodyPr spcFirstLastPara="1" wrap="square" lIns="91425" tIns="91425" rIns="91425" bIns="91425" anchor="t" anchorCtr="0">
             <a:noAutofit/>
           </a:bodyPr>
           <a:lstStyle/>
           <a:p>
-            <a:pPr indent="0" lvl="0" marL="0" rtl="0" algn="l">
+            <a:pPr marL="0" lvl="0" indent="0" algn="l" rtl="0">
               <a:spcBef>
                 <a:spcPts val="0"/>
               </a:spcBef>
@@ -884,9 +912,6 @@
               </a:spcAft>
               <a:buNone/>
             </a:pPr>
-            <a:r>
-              <a:t/>
-            </a:r>
             <a:endParaRPr/>
           </a:p>
         </p:txBody>
@@ -900,11 +925,11 @@
 </file>
 
 <file path=ppt/notesSlides/notesSlide3.xml><?xml version="1.0" encoding="utf-8"?>
-<p:notes xmlns:a="http://schemas.openxmlformats.org/drawingml/2006/main" xmlns:r="http://schemas.openxmlformats.org/officeDocument/2006/relationships" xmlns:mc="http://schemas.openxmlformats.org/markup-compatibility/2006" xmlns:mv="urn:schemas-microsoft-com:mac:vml" xmlns:p="http://schemas.openxmlformats.org/presentationml/2006/main" xmlns:c="http://schemas.openxmlformats.org/drawingml/2006/chart" xmlns:dgm="http://schemas.openxmlformats.org/drawingml/2006/diagram" xmlns:o="urn:schemas-microsoft-com:office:office" xmlns:v="urn:schemas-microsoft-com:vml" xmlns:pvml="urn:schemas-microsoft-com:office:powerpoint" xmlns:com="http://schemas.openxmlformats.org/drawingml/2006/compatibility" xmlns:p14="http://schemas.microsoft.com/office/powerpoint/2010/main" xmlns:p15="http://schemas.microsoft.com/office/powerpoint/2012/main" xmlns:ahyp="http://schemas.microsoft.com/office/drawing/2018/hyperlinkcolor" showMasterPhAnim="0" showMasterSp="0">
+<p:notes xmlns:a="http://schemas.openxmlformats.org/drawingml/2006/main" xmlns:r="http://schemas.openxmlformats.org/officeDocument/2006/relationships" xmlns:p="http://schemas.openxmlformats.org/presentationml/2006/main" showMasterSp="0" showMasterPhAnim="0">
   <p:cSld>
     <p:spTree>
       <p:nvGrpSpPr>
-        <p:cNvPr id="67" name="Shape 67"/>
+        <p:cNvPr id="1" name="Shape 67"/>
         <p:cNvGrpSpPr/>
         <p:nvPr/>
       </p:nvGrpSpPr>
@@ -919,20 +944,26 @@
       <p:sp>
         <p:nvSpPr>
           <p:cNvPr id="68" name="Google Shape;68;g343a49a9c2d_0_5:notes"/>
-          <p:cNvSpPr/>
+          <p:cNvSpPr>
+            <a:spLocks noGrp="1" noRot="1" noChangeAspect="1"/>
+          </p:cNvSpPr>
           <p:nvPr>
-            <p:ph idx="2" type="sldImg"/>
+            <p:ph type="sldImg" idx="2"/>
           </p:nvPr>
         </p:nvSpPr>
         <p:spPr>
           <a:xfrm>
-            <a:off x="381300" y="685800"/>
+            <a:off x="381000" y="685800"/>
             <a:ext cx="6096000" cy="3429000"/>
           </a:xfrm>
           <a:custGeom>
-            <a:rect b="b" l="l" r="r" t="t"/>
+            <a:avLst/>
+            <a:gdLst/>
+            <a:ahLst/>
+            <a:cxnLst/>
+            <a:rect l="l" t="t" r="r" b="b"/>
             <a:pathLst>
-              <a:path extrusionOk="0" h="120000" w="120000">
+              <a:path w="120000" h="120000" extrusionOk="0">
                 <a:moveTo>
                   <a:pt x="0" y="0"/>
                 </a:moveTo>
@@ -954,9 +985,11 @@
       <p:sp>
         <p:nvSpPr>
           <p:cNvPr id="69" name="Google Shape;69;g343a49a9c2d_0_5:notes"/>
-          <p:cNvSpPr txBox="1"/>
+          <p:cNvSpPr txBox="1">
+            <a:spLocks noGrp="1"/>
+          </p:cNvSpPr>
           <p:nvPr>
-            <p:ph idx="1" type="body"/>
+            <p:ph type="body" idx="1"/>
           </p:nvPr>
         </p:nvSpPr>
         <p:spPr>
@@ -969,12 +1002,12 @@
           </a:prstGeom>
         </p:spPr>
         <p:txBody>
-          <a:bodyPr anchorCtr="0" anchor="t" bIns="91425" lIns="91425" spcFirstLastPara="1" rIns="91425" wrap="square" tIns="91425">
+          <a:bodyPr spcFirstLastPara="1" wrap="square" lIns="91425" tIns="91425" rIns="91425" bIns="91425" anchor="t" anchorCtr="0">
             <a:noAutofit/>
           </a:bodyPr>
           <a:lstStyle/>
           <a:p>
-            <a:pPr indent="0" lvl="0" marL="0" rtl="0" algn="l">
+            <a:pPr marL="0" lvl="0" indent="0" algn="l" rtl="0">
               <a:spcBef>
                 <a:spcPts val="0"/>
               </a:spcBef>
@@ -983,9 +1016,6 @@
               </a:spcAft>
               <a:buNone/>
             </a:pPr>
-            <a:r>
-              <a:t/>
-            </a:r>
             <a:endParaRPr/>
           </a:p>
         </p:txBody>
@@ -999,11 +1029,11 @@
 </file>
 
 <file path=ppt/notesSlides/notesSlide4.xml><?xml version="1.0" encoding="utf-8"?>
-<p:notes xmlns:a="http://schemas.openxmlformats.org/drawingml/2006/main" xmlns:r="http://schemas.openxmlformats.org/officeDocument/2006/relationships" xmlns:mc="http://schemas.openxmlformats.org/markup-compatibility/2006" xmlns:mv="urn:schemas-microsoft-com:mac:vml" xmlns:p="http://schemas.openxmlformats.org/presentationml/2006/main" xmlns:c="http://schemas.openxmlformats.org/drawingml/2006/chart" xmlns:dgm="http://schemas.openxmlformats.org/drawingml/2006/diagram" xmlns:o="urn:schemas-microsoft-com:office:office" xmlns:v="urn:schemas-microsoft-com:vml" xmlns:pvml="urn:schemas-microsoft-com:office:powerpoint" xmlns:com="http://schemas.openxmlformats.org/drawingml/2006/compatibility" xmlns:p14="http://schemas.microsoft.com/office/powerpoint/2010/main" xmlns:p15="http://schemas.microsoft.com/office/powerpoint/2012/main" xmlns:ahyp="http://schemas.microsoft.com/office/drawing/2018/hyperlinkcolor" showMasterPhAnim="0" showMasterSp="0">
+<p:notes xmlns:a="http://schemas.openxmlformats.org/drawingml/2006/main" xmlns:r="http://schemas.openxmlformats.org/officeDocument/2006/relationships" xmlns:p="http://schemas.openxmlformats.org/presentationml/2006/main" showMasterSp="0" showMasterPhAnim="0">
   <p:cSld>
     <p:spTree>
       <p:nvGrpSpPr>
-        <p:cNvPr id="74" name="Shape 74"/>
+        <p:cNvPr id="1" name="Shape 74"/>
         <p:cNvGrpSpPr/>
         <p:nvPr/>
       </p:nvGrpSpPr>
@@ -1018,20 +1048,26 @@
       <p:sp>
         <p:nvSpPr>
           <p:cNvPr id="75" name="Google Shape;75;g343a49a9c2d_0_10:notes"/>
-          <p:cNvSpPr/>
+          <p:cNvSpPr>
+            <a:spLocks noGrp="1" noRot="1" noChangeAspect="1"/>
+          </p:cNvSpPr>
           <p:nvPr>
-            <p:ph idx="2" type="sldImg"/>
+            <p:ph type="sldImg" idx="2"/>
           </p:nvPr>
         </p:nvSpPr>
         <p:spPr>
           <a:xfrm>
-            <a:off x="381300" y="685800"/>
+            <a:off x="381000" y="685800"/>
             <a:ext cx="6096000" cy="3429000"/>
           </a:xfrm>
           <a:custGeom>
-            <a:rect b="b" l="l" r="r" t="t"/>
+            <a:avLst/>
+            <a:gdLst/>
+            <a:ahLst/>
+            <a:cxnLst/>
+            <a:rect l="l" t="t" r="r" b="b"/>
             <a:pathLst>
-              <a:path extrusionOk="0" h="120000" w="120000">
+              <a:path w="120000" h="120000" extrusionOk="0">
                 <a:moveTo>
                   <a:pt x="0" y="0"/>
                 </a:moveTo>
@@ -1053,9 +1089,11 @@
       <p:sp>
         <p:nvSpPr>
           <p:cNvPr id="76" name="Google Shape;76;g343a49a9c2d_0_10:notes"/>
-          <p:cNvSpPr txBox="1"/>
+          <p:cNvSpPr txBox="1">
+            <a:spLocks noGrp="1"/>
+          </p:cNvSpPr>
           <p:nvPr>
-            <p:ph idx="1" type="body"/>
+            <p:ph type="body" idx="1"/>
           </p:nvPr>
         </p:nvSpPr>
         <p:spPr>
@@ -1068,12 +1106,12 @@
           </a:prstGeom>
         </p:spPr>
         <p:txBody>
-          <a:bodyPr anchorCtr="0" anchor="t" bIns="91425" lIns="91425" spcFirstLastPara="1" rIns="91425" wrap="square" tIns="91425">
+          <a:bodyPr spcFirstLastPara="1" wrap="square" lIns="91425" tIns="91425" rIns="91425" bIns="91425" anchor="t" anchorCtr="0">
             <a:noAutofit/>
           </a:bodyPr>
           <a:lstStyle/>
           <a:p>
-            <a:pPr indent="0" lvl="0" marL="0" rtl="0" algn="l">
+            <a:pPr marL="0" lvl="0" indent="0" algn="l" rtl="0">
               <a:spcBef>
                 <a:spcPts val="0"/>
               </a:spcBef>
@@ -1082,9 +1120,6 @@
               </a:spcAft>
               <a:buNone/>
             </a:pPr>
-            <a:r>
-              <a:t/>
-            </a:r>
             <a:endParaRPr/>
           </a:p>
         </p:txBody>
@@ -1098,11 +1133,11 @@
 </file>
 
 <file path=ppt/notesSlides/notesSlide5.xml><?xml version="1.0" encoding="utf-8"?>
-<p:notes xmlns:a="http://schemas.openxmlformats.org/drawingml/2006/main" xmlns:r="http://schemas.openxmlformats.org/officeDocument/2006/relationships" xmlns:mc="http://schemas.openxmlformats.org/markup-compatibility/2006" xmlns:mv="urn:schemas-microsoft-com:mac:vml" xmlns:p="http://schemas.openxmlformats.org/presentationml/2006/main" xmlns:c="http://schemas.openxmlformats.org/drawingml/2006/chart" xmlns:dgm="http://schemas.openxmlformats.org/drawingml/2006/diagram" xmlns:o="urn:schemas-microsoft-com:office:office" xmlns:v="urn:schemas-microsoft-com:vml" xmlns:pvml="urn:schemas-microsoft-com:office:powerpoint" xmlns:com="http://schemas.openxmlformats.org/drawingml/2006/compatibility" xmlns:p14="http://schemas.microsoft.com/office/powerpoint/2010/main" xmlns:p15="http://schemas.microsoft.com/office/powerpoint/2012/main" xmlns:ahyp="http://schemas.microsoft.com/office/drawing/2018/hyperlinkcolor" showMasterPhAnim="0" showMasterSp="0">
+<p:notes xmlns:a="http://schemas.openxmlformats.org/drawingml/2006/main" xmlns:r="http://schemas.openxmlformats.org/officeDocument/2006/relationships" xmlns:p="http://schemas.openxmlformats.org/presentationml/2006/main" showMasterSp="0" showMasterPhAnim="0">
   <p:cSld>
     <p:spTree>
       <p:nvGrpSpPr>
-        <p:cNvPr id="82" name="Shape 82"/>
+        <p:cNvPr id="1" name="Shape 82"/>
         <p:cNvGrpSpPr/>
         <p:nvPr/>
       </p:nvGrpSpPr>
@@ -1117,20 +1152,26 @@
       <p:sp>
         <p:nvSpPr>
           <p:cNvPr id="83" name="Google Shape;83;g343a49a9c2d_0_15:notes"/>
-          <p:cNvSpPr/>
+          <p:cNvSpPr>
+            <a:spLocks noGrp="1" noRot="1" noChangeAspect="1"/>
+          </p:cNvSpPr>
           <p:nvPr>
-            <p:ph idx="2" type="sldImg"/>
+            <p:ph type="sldImg" idx="2"/>
           </p:nvPr>
         </p:nvSpPr>
         <p:spPr>
           <a:xfrm>
-            <a:off x="381300" y="685800"/>
+            <a:off x="381000" y="685800"/>
             <a:ext cx="6096000" cy="3429000"/>
           </a:xfrm>
           <a:custGeom>
-            <a:rect b="b" l="l" r="r" t="t"/>
+            <a:avLst/>
+            <a:gdLst/>
+            <a:ahLst/>
+            <a:cxnLst/>
+            <a:rect l="l" t="t" r="r" b="b"/>
             <a:pathLst>
-              <a:path extrusionOk="0" h="120000" w="120000">
+              <a:path w="120000" h="120000" extrusionOk="0">
                 <a:moveTo>
                   <a:pt x="0" y="0"/>
                 </a:moveTo>
@@ -1152,9 +1193,11 @@
       <p:sp>
         <p:nvSpPr>
           <p:cNvPr id="84" name="Google Shape;84;g343a49a9c2d_0_15:notes"/>
-          <p:cNvSpPr txBox="1"/>
+          <p:cNvSpPr txBox="1">
+            <a:spLocks noGrp="1"/>
+          </p:cNvSpPr>
           <p:nvPr>
-            <p:ph idx="1" type="body"/>
+            <p:ph type="body" idx="1"/>
           </p:nvPr>
         </p:nvSpPr>
         <p:spPr>
@@ -1167,12 +1210,12 @@
           </a:prstGeom>
         </p:spPr>
         <p:txBody>
-          <a:bodyPr anchorCtr="0" anchor="t" bIns="91425" lIns="91425" spcFirstLastPara="1" rIns="91425" wrap="square" tIns="91425">
+          <a:bodyPr spcFirstLastPara="1" wrap="square" lIns="91425" tIns="91425" rIns="91425" bIns="91425" anchor="t" anchorCtr="0">
             <a:noAutofit/>
           </a:bodyPr>
           <a:lstStyle/>
           <a:p>
-            <a:pPr indent="0" lvl="0" marL="0" rtl="0" algn="l">
+            <a:pPr marL="0" lvl="0" indent="0" algn="l" rtl="0">
               <a:spcBef>
                 <a:spcPts val="0"/>
               </a:spcBef>
@@ -1181,9 +1224,6 @@
               </a:spcAft>
               <a:buNone/>
             </a:pPr>
-            <a:r>
-              <a:t/>
-            </a:r>
             <a:endParaRPr/>
           </a:p>
         </p:txBody>
@@ -1197,11 +1237,11 @@
 </file>
 
 <file path=ppt/notesSlides/notesSlide6.xml><?xml version="1.0" encoding="utf-8"?>
-<p:notes xmlns:a="http://schemas.openxmlformats.org/drawingml/2006/main" xmlns:r="http://schemas.openxmlformats.org/officeDocument/2006/relationships" xmlns:mc="http://schemas.openxmlformats.org/markup-compatibility/2006" xmlns:mv="urn:schemas-microsoft-com:mac:vml" xmlns:p="http://schemas.openxmlformats.org/presentationml/2006/main" xmlns:c="http://schemas.openxmlformats.org/drawingml/2006/chart" xmlns:dgm="http://schemas.openxmlformats.org/drawingml/2006/diagram" xmlns:o="urn:schemas-microsoft-com:office:office" xmlns:v="urn:schemas-microsoft-com:vml" xmlns:pvml="urn:schemas-microsoft-com:office:powerpoint" xmlns:com="http://schemas.openxmlformats.org/drawingml/2006/compatibility" xmlns:p14="http://schemas.microsoft.com/office/powerpoint/2010/main" xmlns:p15="http://schemas.microsoft.com/office/powerpoint/2012/main" xmlns:ahyp="http://schemas.microsoft.com/office/drawing/2018/hyperlinkcolor" showMasterPhAnim="0" showMasterSp="0">
+<p:notes xmlns:a="http://schemas.openxmlformats.org/drawingml/2006/main" xmlns:r="http://schemas.openxmlformats.org/officeDocument/2006/relationships" xmlns:p="http://schemas.openxmlformats.org/presentationml/2006/main" showMasterSp="0" showMasterPhAnim="0">
   <p:cSld>
     <p:spTree>
       <p:nvGrpSpPr>
-        <p:cNvPr id="89" name="Shape 89"/>
+        <p:cNvPr id="1" name="Shape 89"/>
         <p:cNvGrpSpPr/>
         <p:nvPr/>
       </p:nvGrpSpPr>
@@ -1216,20 +1256,26 @@
       <p:sp>
         <p:nvSpPr>
           <p:cNvPr id="90" name="Google Shape;90;g343a49a9c2d_0_20:notes"/>
-          <p:cNvSpPr/>
+          <p:cNvSpPr>
+            <a:spLocks noGrp="1" noRot="1" noChangeAspect="1"/>
+          </p:cNvSpPr>
           <p:nvPr>
-            <p:ph idx="2" type="sldImg"/>
+            <p:ph type="sldImg" idx="2"/>
           </p:nvPr>
         </p:nvSpPr>
         <p:spPr>
           <a:xfrm>
-            <a:off x="381300" y="685800"/>
+            <a:off x="381000" y="685800"/>
             <a:ext cx="6096000" cy="3429000"/>
           </a:xfrm>
           <a:custGeom>
-            <a:rect b="b" l="l" r="r" t="t"/>
+            <a:avLst/>
+            <a:gdLst/>
+            <a:ahLst/>
+            <a:cxnLst/>
+            <a:rect l="l" t="t" r="r" b="b"/>
             <a:pathLst>
-              <a:path extrusionOk="0" h="120000" w="120000">
+              <a:path w="120000" h="120000" extrusionOk="0">
                 <a:moveTo>
                   <a:pt x="0" y="0"/>
                 </a:moveTo>
@@ -1251,9 +1297,11 @@
       <p:sp>
         <p:nvSpPr>
           <p:cNvPr id="91" name="Google Shape;91;g343a49a9c2d_0_20:notes"/>
-          <p:cNvSpPr txBox="1"/>
+          <p:cNvSpPr txBox="1">
+            <a:spLocks noGrp="1"/>
+          </p:cNvSpPr>
           <p:nvPr>
-            <p:ph idx="1" type="body"/>
+            <p:ph type="body" idx="1"/>
           </p:nvPr>
         </p:nvSpPr>
         <p:spPr>
@@ -1266,12 +1314,12 @@
           </a:prstGeom>
         </p:spPr>
         <p:txBody>
-          <a:bodyPr anchorCtr="0" anchor="t" bIns="91425" lIns="91425" spcFirstLastPara="1" rIns="91425" wrap="square" tIns="91425">
+          <a:bodyPr spcFirstLastPara="1" wrap="square" lIns="91425" tIns="91425" rIns="91425" bIns="91425" anchor="t" anchorCtr="0">
             <a:noAutofit/>
           </a:bodyPr>
           <a:lstStyle/>
           <a:p>
-            <a:pPr indent="0" lvl="0" marL="0" rtl="0" algn="l">
+            <a:pPr marL="0" lvl="0" indent="0" algn="l" rtl="0">
               <a:spcBef>
                 <a:spcPts val="0"/>
               </a:spcBef>
@@ -1280,9 +1328,6 @@
               </a:spcAft>
               <a:buNone/>
             </a:pPr>
-            <a:r>
-              <a:t/>
-            </a:r>
             <a:endParaRPr/>
           </a:p>
         </p:txBody>
@@ -1296,11 +1341,11 @@
 </file>
 
 <file path=ppt/notesSlides/notesSlide7.xml><?xml version="1.0" encoding="utf-8"?>
-<p:notes xmlns:a="http://schemas.openxmlformats.org/drawingml/2006/main" xmlns:r="http://schemas.openxmlformats.org/officeDocument/2006/relationships" xmlns:mc="http://schemas.openxmlformats.org/markup-compatibility/2006" xmlns:mv="urn:schemas-microsoft-com:mac:vml" xmlns:p="http://schemas.openxmlformats.org/presentationml/2006/main" xmlns:c="http://schemas.openxmlformats.org/drawingml/2006/chart" xmlns:dgm="http://schemas.openxmlformats.org/drawingml/2006/diagram" xmlns:o="urn:schemas-microsoft-com:office:office" xmlns:v="urn:schemas-microsoft-com:vml" xmlns:pvml="urn:schemas-microsoft-com:office:powerpoint" xmlns:com="http://schemas.openxmlformats.org/drawingml/2006/compatibility" xmlns:p14="http://schemas.microsoft.com/office/powerpoint/2010/main" xmlns:p15="http://schemas.microsoft.com/office/powerpoint/2012/main" xmlns:ahyp="http://schemas.microsoft.com/office/drawing/2018/hyperlinkcolor" showMasterPhAnim="0" showMasterSp="0">
+<p:notes xmlns:a="http://schemas.openxmlformats.org/drawingml/2006/main" xmlns:r="http://schemas.openxmlformats.org/officeDocument/2006/relationships" xmlns:p="http://schemas.openxmlformats.org/presentationml/2006/main" showMasterSp="0" showMasterPhAnim="0">
   <p:cSld>
     <p:spTree>
       <p:nvGrpSpPr>
-        <p:cNvPr id="96" name="Shape 96"/>
+        <p:cNvPr id="1" name="Shape 96"/>
         <p:cNvGrpSpPr/>
         <p:nvPr/>
       </p:nvGrpSpPr>
@@ -1315,20 +1360,26 @@
       <p:sp>
         <p:nvSpPr>
           <p:cNvPr id="97" name="Google Shape;97;g343a49a9c2d_0_25:notes"/>
-          <p:cNvSpPr/>
+          <p:cNvSpPr>
+            <a:spLocks noGrp="1" noRot="1" noChangeAspect="1"/>
+          </p:cNvSpPr>
           <p:nvPr>
-            <p:ph idx="2" type="sldImg"/>
+            <p:ph type="sldImg" idx="2"/>
           </p:nvPr>
         </p:nvSpPr>
         <p:spPr>
           <a:xfrm>
-            <a:off x="381300" y="685800"/>
+            <a:off x="381000" y="685800"/>
             <a:ext cx="6096000" cy="3429000"/>
           </a:xfrm>
           <a:custGeom>
-            <a:rect b="b" l="l" r="r" t="t"/>
+            <a:avLst/>
+            <a:gdLst/>
+            <a:ahLst/>
+            <a:cxnLst/>
+            <a:rect l="l" t="t" r="r" b="b"/>
             <a:pathLst>
-              <a:path extrusionOk="0" h="120000" w="120000">
+              <a:path w="120000" h="120000" extrusionOk="0">
                 <a:moveTo>
                   <a:pt x="0" y="0"/>
                 </a:moveTo>
@@ -1350,9 +1401,11 @@
       <p:sp>
         <p:nvSpPr>
           <p:cNvPr id="98" name="Google Shape;98;g343a49a9c2d_0_25:notes"/>
-          <p:cNvSpPr txBox="1"/>
+          <p:cNvSpPr txBox="1">
+            <a:spLocks noGrp="1"/>
+          </p:cNvSpPr>
           <p:nvPr>
-            <p:ph idx="1" type="body"/>
+            <p:ph type="body" idx="1"/>
           </p:nvPr>
         </p:nvSpPr>
         <p:spPr>
@@ -1365,12 +1418,12 @@
           </a:prstGeom>
         </p:spPr>
         <p:txBody>
-          <a:bodyPr anchorCtr="0" anchor="t" bIns="91425" lIns="91425" spcFirstLastPara="1" rIns="91425" wrap="square" tIns="91425">
+          <a:bodyPr spcFirstLastPara="1" wrap="square" lIns="91425" tIns="91425" rIns="91425" bIns="91425" anchor="t" anchorCtr="0">
             <a:noAutofit/>
           </a:bodyPr>
           <a:lstStyle/>
           <a:p>
-            <a:pPr indent="0" lvl="0" marL="0" rtl="0" algn="l">
+            <a:pPr marL="0" lvl="0" indent="0" algn="l" rtl="0">
               <a:spcBef>
                 <a:spcPts val="0"/>
               </a:spcBef>
@@ -1379,9 +1432,6 @@
               </a:spcAft>
               <a:buNone/>
             </a:pPr>
-            <a:r>
-              <a:t/>
-            </a:r>
             <a:endParaRPr/>
           </a:p>
         </p:txBody>
@@ -1395,11 +1445,11 @@
 </file>
 
 <file path=ppt/slideLayouts/slideLayout1.xml><?xml version="1.0" encoding="utf-8"?>
-<p:sldLayout xmlns:a="http://schemas.openxmlformats.org/drawingml/2006/main" xmlns:r="http://schemas.openxmlformats.org/officeDocument/2006/relationships" xmlns:mc="http://schemas.openxmlformats.org/markup-compatibility/2006" xmlns:mv="urn:schemas-microsoft-com:mac:vml" xmlns:p="http://schemas.openxmlformats.org/presentationml/2006/main" xmlns:c="http://schemas.openxmlformats.org/drawingml/2006/chart" xmlns:dgm="http://schemas.openxmlformats.org/drawingml/2006/diagram" xmlns:o="urn:schemas-microsoft-com:office:office" xmlns:v="urn:schemas-microsoft-com:vml" xmlns:pvml="urn:schemas-microsoft-com:office:powerpoint" xmlns:com="http://schemas.openxmlformats.org/drawingml/2006/compatibility" xmlns:p14="http://schemas.microsoft.com/office/powerpoint/2010/main" xmlns:p15="http://schemas.microsoft.com/office/powerpoint/2012/main" xmlns:ahyp="http://schemas.microsoft.com/office/drawing/2018/hyperlinkcolor" matchingName="Title slide" type="title">
+<p:sldLayout xmlns:a="http://schemas.openxmlformats.org/drawingml/2006/main" xmlns:r="http://schemas.openxmlformats.org/officeDocument/2006/relationships" xmlns:p="http://schemas.openxmlformats.org/presentationml/2006/main" matchingName="Title slide" type="title">
   <p:cSld name="TITLE">
     <p:spTree>
       <p:nvGrpSpPr>
-        <p:cNvPr id="9" name="Shape 9"/>
+        <p:cNvPr id="1" name="Shape 9"/>
         <p:cNvGrpSpPr/>
         <p:nvPr/>
       </p:nvGrpSpPr>
@@ -1414,7 +1464,9 @@
       <p:sp>
         <p:nvSpPr>
           <p:cNvPr id="10" name="Google Shape;10;p2"/>
-          <p:cNvSpPr txBox="1"/>
+          <p:cNvSpPr txBox="1">
+            <a:spLocks noGrp="1"/>
+          </p:cNvSpPr>
           <p:nvPr>
             <p:ph type="ctrTitle"/>
           </p:nvPr>
@@ -1429,7 +1481,7 @@
           </a:prstGeom>
         </p:spPr>
         <p:txBody>
-          <a:bodyPr anchorCtr="0" anchor="b" bIns="91425" lIns="91425" spcFirstLastPara="1" rIns="91425" wrap="square" tIns="91425">
+          <a:bodyPr spcFirstLastPara="1" wrap="square" lIns="91425" tIns="91425" rIns="91425" bIns="91425" anchor="b" anchorCtr="0">
             <a:normAutofit/>
           </a:bodyPr>
           <a:lstStyle>
@@ -1533,15 +1585,19 @@
               <a:defRPr sz="5200"/>
             </a:lvl9pPr>
           </a:lstStyle>
-          <a:p/>
+          <a:p>
+            <a:endParaRPr/>
+          </a:p>
         </p:txBody>
       </p:sp>
       <p:sp>
         <p:nvSpPr>
           <p:cNvPr id="11" name="Google Shape;11;p2"/>
-          <p:cNvSpPr txBox="1"/>
+          <p:cNvSpPr txBox="1">
+            <a:spLocks noGrp="1"/>
+          </p:cNvSpPr>
           <p:nvPr>
-            <p:ph idx="1" type="subTitle"/>
+            <p:ph type="subTitle" idx="1"/>
           </p:nvPr>
         </p:nvSpPr>
         <p:spPr>
@@ -1554,7 +1610,7 @@
           </a:prstGeom>
         </p:spPr>
         <p:txBody>
-          <a:bodyPr anchorCtr="0" anchor="t" bIns="91425" lIns="91425" spcFirstLastPara="1" rIns="91425" wrap="square" tIns="91425">
+          <a:bodyPr spcFirstLastPara="1" wrap="square" lIns="91425" tIns="91425" rIns="91425" bIns="91425" anchor="t" anchorCtr="0">
             <a:normAutofit/>
           </a:bodyPr>
           <a:lstStyle>
@@ -1685,15 +1741,19 @@
               <a:defRPr sz="2800"/>
             </a:lvl9pPr>
           </a:lstStyle>
-          <a:p/>
+          <a:p>
+            <a:endParaRPr/>
+          </a:p>
         </p:txBody>
       </p:sp>
       <p:sp>
         <p:nvSpPr>
           <p:cNvPr id="12" name="Google Shape;12;p2"/>
-          <p:cNvSpPr txBox="1"/>
+          <p:cNvSpPr txBox="1">
+            <a:spLocks noGrp="1"/>
+          </p:cNvSpPr>
           <p:nvPr>
-            <p:ph idx="12" type="sldNum"/>
+            <p:ph type="sldNum" idx="12"/>
           </p:nvPr>
         </p:nvSpPr>
         <p:spPr>
@@ -1706,7 +1766,7 @@
           </a:prstGeom>
         </p:spPr>
         <p:txBody>
-          <a:bodyPr anchorCtr="0" anchor="ctr" bIns="91425" lIns="91425" spcFirstLastPara="1" rIns="91425" wrap="square" tIns="91425">
+          <a:bodyPr spcFirstLastPara="1" wrap="square" lIns="91425" tIns="91425" rIns="91425" bIns="91425" anchor="ctr" anchorCtr="0">
             <a:normAutofit/>
           </a:bodyPr>
           <a:lstStyle>
@@ -1748,7 +1808,7 @@
             </a:lvl9pPr>
           </a:lstStyle>
           <a:p>
-            <a:pPr indent="0" lvl="0" marL="0" rtl="0" algn="r">
+            <a:pPr marL="0" lvl="0" indent="0" algn="r" rtl="0">
               <a:spcBef>
                 <a:spcPts val="0"/>
               </a:spcBef>
@@ -1774,11 +1834,11 @@
 </file>
 
 <file path=ppt/slideLayouts/slideLayout10.xml><?xml version="1.0" encoding="utf-8"?>
-<p:sldLayout xmlns:a="http://schemas.openxmlformats.org/drawingml/2006/main" xmlns:r="http://schemas.openxmlformats.org/officeDocument/2006/relationships" xmlns:mc="http://schemas.openxmlformats.org/markup-compatibility/2006" xmlns:mv="urn:schemas-microsoft-com:mac:vml" xmlns:p="http://schemas.openxmlformats.org/presentationml/2006/main" xmlns:c="http://schemas.openxmlformats.org/drawingml/2006/chart" xmlns:dgm="http://schemas.openxmlformats.org/drawingml/2006/diagram" xmlns:o="urn:schemas-microsoft-com:office:office" xmlns:v="urn:schemas-microsoft-com:vml" xmlns:pvml="urn:schemas-microsoft-com:office:powerpoint" xmlns:com="http://schemas.openxmlformats.org/drawingml/2006/compatibility" xmlns:p14="http://schemas.microsoft.com/office/powerpoint/2010/main" xmlns:p15="http://schemas.microsoft.com/office/powerpoint/2012/main" xmlns:ahyp="http://schemas.microsoft.com/office/drawing/2018/hyperlinkcolor" matchingName="Big number">
+<p:sldLayout xmlns:a="http://schemas.openxmlformats.org/drawingml/2006/main" xmlns:r="http://schemas.openxmlformats.org/officeDocument/2006/relationships" xmlns:p="http://schemas.openxmlformats.org/presentationml/2006/main" matchingName="Big number">
   <p:cSld name="BIG_NUMBER">
     <p:spTree>
       <p:nvGrpSpPr>
-        <p:cNvPr id="44" name="Shape 44"/>
+        <p:cNvPr id="1" name="Shape 44"/>
         <p:cNvGrpSpPr/>
         <p:nvPr/>
       </p:nvGrpSpPr>
@@ -1793,9 +1853,11 @@
       <p:sp>
         <p:nvSpPr>
           <p:cNvPr id="45" name="Google Shape;45;p11"/>
-          <p:cNvSpPr txBox="1"/>
+          <p:cNvSpPr txBox="1">
+            <a:spLocks noGrp="1"/>
+          </p:cNvSpPr>
           <p:nvPr>
-            <p:ph hasCustomPrompt="1" type="title"/>
+            <p:ph type="title" hasCustomPrompt="1"/>
           </p:nvPr>
         </p:nvSpPr>
         <p:spPr>
@@ -1808,7 +1870,7 @@
           </a:prstGeom>
         </p:spPr>
         <p:txBody>
-          <a:bodyPr anchorCtr="0" anchor="b" bIns="91425" lIns="91425" spcFirstLastPara="1" rIns="91425" wrap="square" tIns="91425">
+          <a:bodyPr spcFirstLastPara="1" wrap="square" lIns="91425" tIns="91425" rIns="91425" bIns="91425" anchor="b" anchorCtr="0">
             <a:normAutofit/>
           </a:bodyPr>
           <a:lstStyle>
@@ -1922,9 +1984,11 @@
       <p:sp>
         <p:nvSpPr>
           <p:cNvPr id="46" name="Google Shape;46;p11"/>
-          <p:cNvSpPr txBox="1"/>
+          <p:cNvSpPr txBox="1">
+            <a:spLocks noGrp="1"/>
+          </p:cNvSpPr>
           <p:nvPr>
-            <p:ph idx="1" type="body"/>
+            <p:ph type="body" idx="1"/>
           </p:nvPr>
         </p:nvSpPr>
         <p:spPr>
@@ -1937,11 +2001,11 @@
           </a:prstGeom>
         </p:spPr>
         <p:txBody>
-          <a:bodyPr anchorCtr="0" anchor="t" bIns="91425" lIns="91425" spcFirstLastPara="1" rIns="91425" wrap="square" tIns="91425">
+          <a:bodyPr spcFirstLastPara="1" wrap="square" lIns="91425" tIns="91425" rIns="91425" bIns="91425" anchor="t" anchorCtr="0">
             <a:normAutofit/>
           </a:bodyPr>
           <a:lstStyle>
-            <a:lvl1pPr indent="-342900" lvl="0" marL="457200" algn="ctr">
+            <a:lvl1pPr marL="457200" lvl="0" indent="-342900" algn="ctr">
               <a:spcBef>
                 <a:spcPts val="0"/>
               </a:spcBef>
@@ -1952,7 +2016,7 @@
               <a:buChar char="●"/>
               <a:defRPr/>
             </a:lvl1pPr>
-            <a:lvl2pPr indent="-317500" lvl="1" marL="914400" algn="ctr">
+            <a:lvl2pPr marL="914400" lvl="1" indent="-317500" algn="ctr">
               <a:spcBef>
                 <a:spcPts val="0"/>
               </a:spcBef>
@@ -1963,7 +2027,7 @@
               <a:buChar char="○"/>
               <a:defRPr/>
             </a:lvl2pPr>
-            <a:lvl3pPr indent="-317500" lvl="2" marL="1371600" algn="ctr">
+            <a:lvl3pPr marL="1371600" lvl="2" indent="-317500" algn="ctr">
               <a:spcBef>
                 <a:spcPts val="0"/>
               </a:spcBef>
@@ -1974,7 +2038,7 @@
               <a:buChar char="■"/>
               <a:defRPr/>
             </a:lvl3pPr>
-            <a:lvl4pPr indent="-317500" lvl="3" marL="1828800" algn="ctr">
+            <a:lvl4pPr marL="1828800" lvl="3" indent="-317500" algn="ctr">
               <a:spcBef>
                 <a:spcPts val="0"/>
               </a:spcBef>
@@ -1985,7 +2049,7 @@
               <a:buChar char="●"/>
               <a:defRPr/>
             </a:lvl4pPr>
-            <a:lvl5pPr indent="-317500" lvl="4" marL="2286000" algn="ctr">
+            <a:lvl5pPr marL="2286000" lvl="4" indent="-317500" algn="ctr">
               <a:spcBef>
                 <a:spcPts val="0"/>
               </a:spcBef>
@@ -1996,7 +2060,7 @@
               <a:buChar char="○"/>
               <a:defRPr/>
             </a:lvl5pPr>
-            <a:lvl6pPr indent="-317500" lvl="5" marL="2743200" algn="ctr">
+            <a:lvl6pPr marL="2743200" lvl="5" indent="-317500" algn="ctr">
               <a:spcBef>
                 <a:spcPts val="0"/>
               </a:spcBef>
@@ -2007,7 +2071,7 @@
               <a:buChar char="■"/>
               <a:defRPr/>
             </a:lvl6pPr>
-            <a:lvl7pPr indent="-317500" lvl="6" marL="3200400" algn="ctr">
+            <a:lvl7pPr marL="3200400" lvl="6" indent="-317500" algn="ctr">
               <a:spcBef>
                 <a:spcPts val="0"/>
               </a:spcBef>
@@ -2018,7 +2082,7 @@
               <a:buChar char="●"/>
               <a:defRPr/>
             </a:lvl7pPr>
-            <a:lvl8pPr indent="-317500" lvl="7" marL="3657600" algn="ctr">
+            <a:lvl8pPr marL="3657600" lvl="7" indent="-317500" algn="ctr">
               <a:spcBef>
                 <a:spcPts val="0"/>
               </a:spcBef>
@@ -2029,7 +2093,7 @@
               <a:buChar char="○"/>
               <a:defRPr/>
             </a:lvl8pPr>
-            <a:lvl9pPr indent="-317500" lvl="8" marL="4114800" algn="ctr">
+            <a:lvl9pPr marL="4114800" lvl="8" indent="-317500" algn="ctr">
               <a:spcBef>
                 <a:spcPts val="0"/>
               </a:spcBef>
@@ -2041,15 +2105,19 @@
               <a:defRPr/>
             </a:lvl9pPr>
           </a:lstStyle>
-          <a:p/>
+          <a:p>
+            <a:endParaRPr/>
+          </a:p>
         </p:txBody>
       </p:sp>
       <p:sp>
         <p:nvSpPr>
           <p:cNvPr id="47" name="Google Shape;47;p11"/>
-          <p:cNvSpPr txBox="1"/>
+          <p:cNvSpPr txBox="1">
+            <a:spLocks noGrp="1"/>
+          </p:cNvSpPr>
           <p:nvPr>
-            <p:ph idx="12" type="sldNum"/>
+            <p:ph type="sldNum" idx="12"/>
           </p:nvPr>
         </p:nvSpPr>
         <p:spPr>
@@ -2062,7 +2130,7 @@
           </a:prstGeom>
         </p:spPr>
         <p:txBody>
-          <a:bodyPr anchorCtr="0" anchor="ctr" bIns="91425" lIns="91425" spcFirstLastPara="1" rIns="91425" wrap="square" tIns="91425">
+          <a:bodyPr spcFirstLastPara="1" wrap="square" lIns="91425" tIns="91425" rIns="91425" bIns="91425" anchor="ctr" anchorCtr="0">
             <a:normAutofit/>
           </a:bodyPr>
           <a:lstStyle>
@@ -2104,7 +2172,7 @@
             </a:lvl9pPr>
           </a:lstStyle>
           <a:p>
-            <a:pPr indent="0" lvl="0" marL="0" rtl="0" algn="r">
+            <a:pPr marL="0" lvl="0" indent="0" algn="r" rtl="0">
               <a:spcBef>
                 <a:spcPts val="0"/>
               </a:spcBef>
@@ -2130,11 +2198,11 @@
 </file>
 
 <file path=ppt/slideLayouts/slideLayout11.xml><?xml version="1.0" encoding="utf-8"?>
-<p:sldLayout xmlns:a="http://schemas.openxmlformats.org/drawingml/2006/main" xmlns:r="http://schemas.openxmlformats.org/officeDocument/2006/relationships" xmlns:mc="http://schemas.openxmlformats.org/markup-compatibility/2006" xmlns:mv="urn:schemas-microsoft-com:mac:vml" xmlns:p="http://schemas.openxmlformats.org/presentationml/2006/main" xmlns:c="http://schemas.openxmlformats.org/drawingml/2006/chart" xmlns:dgm="http://schemas.openxmlformats.org/drawingml/2006/diagram" xmlns:o="urn:schemas-microsoft-com:office:office" xmlns:v="urn:schemas-microsoft-com:vml" xmlns:pvml="urn:schemas-microsoft-com:office:powerpoint" xmlns:com="http://schemas.openxmlformats.org/drawingml/2006/compatibility" xmlns:p14="http://schemas.microsoft.com/office/powerpoint/2010/main" xmlns:p15="http://schemas.microsoft.com/office/powerpoint/2012/main" xmlns:ahyp="http://schemas.microsoft.com/office/drawing/2018/hyperlinkcolor" matchingName="Blank" type="blank">
+<p:sldLayout xmlns:a="http://schemas.openxmlformats.org/drawingml/2006/main" xmlns:r="http://schemas.openxmlformats.org/officeDocument/2006/relationships" xmlns:p="http://schemas.openxmlformats.org/presentationml/2006/main" matchingName="Blank" type="blank">
   <p:cSld name="BLANK">
     <p:spTree>
       <p:nvGrpSpPr>
-        <p:cNvPr id="48" name="Shape 48"/>
+        <p:cNvPr id="1" name="Shape 48"/>
         <p:cNvGrpSpPr/>
         <p:nvPr/>
       </p:nvGrpSpPr>
@@ -2149,9 +2217,11 @@
       <p:sp>
         <p:nvSpPr>
           <p:cNvPr id="49" name="Google Shape;49;p12"/>
-          <p:cNvSpPr txBox="1"/>
+          <p:cNvSpPr txBox="1">
+            <a:spLocks noGrp="1"/>
+          </p:cNvSpPr>
           <p:nvPr>
-            <p:ph idx="12" type="sldNum"/>
+            <p:ph type="sldNum" idx="12"/>
           </p:nvPr>
         </p:nvSpPr>
         <p:spPr>
@@ -2164,7 +2234,7 @@
           </a:prstGeom>
         </p:spPr>
         <p:txBody>
-          <a:bodyPr anchorCtr="0" anchor="ctr" bIns="91425" lIns="91425" spcFirstLastPara="1" rIns="91425" wrap="square" tIns="91425">
+          <a:bodyPr spcFirstLastPara="1" wrap="square" lIns="91425" tIns="91425" rIns="91425" bIns="91425" anchor="ctr" anchorCtr="0">
             <a:normAutofit/>
           </a:bodyPr>
           <a:lstStyle>
@@ -2206,7 +2276,7 @@
             </a:lvl9pPr>
           </a:lstStyle>
           <a:p>
-            <a:pPr indent="0" lvl="0" marL="0" rtl="0" algn="r">
+            <a:pPr marL="0" lvl="0" indent="0" algn="r" rtl="0">
               <a:spcBef>
                 <a:spcPts val="0"/>
               </a:spcBef>
@@ -2232,11 +2302,11 @@
 </file>
 
 <file path=ppt/slideLayouts/slideLayout2.xml><?xml version="1.0" encoding="utf-8"?>
-<p:sldLayout xmlns:a="http://schemas.openxmlformats.org/drawingml/2006/main" xmlns:r="http://schemas.openxmlformats.org/officeDocument/2006/relationships" xmlns:mc="http://schemas.openxmlformats.org/markup-compatibility/2006" xmlns:mv="urn:schemas-microsoft-com:mac:vml" xmlns:p="http://schemas.openxmlformats.org/presentationml/2006/main" xmlns:c="http://schemas.openxmlformats.org/drawingml/2006/chart" xmlns:dgm="http://schemas.openxmlformats.org/drawingml/2006/diagram" xmlns:o="urn:schemas-microsoft-com:office:office" xmlns:v="urn:schemas-microsoft-com:vml" xmlns:pvml="urn:schemas-microsoft-com:office:powerpoint" xmlns:com="http://schemas.openxmlformats.org/drawingml/2006/compatibility" xmlns:p14="http://schemas.microsoft.com/office/powerpoint/2010/main" xmlns:p15="http://schemas.microsoft.com/office/powerpoint/2012/main" xmlns:ahyp="http://schemas.microsoft.com/office/drawing/2018/hyperlinkcolor" matchingName="Section header" type="secHead">
+<p:sldLayout xmlns:a="http://schemas.openxmlformats.org/drawingml/2006/main" xmlns:r="http://schemas.openxmlformats.org/officeDocument/2006/relationships" xmlns:p="http://schemas.openxmlformats.org/presentationml/2006/main" matchingName="Section header" type="secHead">
   <p:cSld name="SECTION_HEADER">
     <p:spTree>
       <p:nvGrpSpPr>
-        <p:cNvPr id="13" name="Shape 13"/>
+        <p:cNvPr id="1" name="Shape 13"/>
         <p:cNvGrpSpPr/>
         <p:nvPr/>
       </p:nvGrpSpPr>
@@ -2251,7 +2321,9 @@
       <p:sp>
         <p:nvSpPr>
           <p:cNvPr id="14" name="Google Shape;14;p3"/>
-          <p:cNvSpPr txBox="1"/>
+          <p:cNvSpPr txBox="1">
+            <a:spLocks noGrp="1"/>
+          </p:cNvSpPr>
           <p:nvPr>
             <p:ph type="title"/>
           </p:nvPr>
@@ -2266,7 +2338,7 @@
           </a:prstGeom>
         </p:spPr>
         <p:txBody>
-          <a:bodyPr anchorCtr="0" anchor="ctr" bIns="91425" lIns="91425" spcFirstLastPara="1" rIns="91425" wrap="square" tIns="91425">
+          <a:bodyPr spcFirstLastPara="1" wrap="square" lIns="91425" tIns="91425" rIns="91425" bIns="91425" anchor="ctr" anchorCtr="0">
             <a:normAutofit/>
           </a:bodyPr>
           <a:lstStyle>
@@ -2370,15 +2442,19 @@
               <a:defRPr sz="3600"/>
             </a:lvl9pPr>
           </a:lstStyle>
-          <a:p/>
+          <a:p>
+            <a:endParaRPr/>
+          </a:p>
         </p:txBody>
       </p:sp>
       <p:sp>
         <p:nvSpPr>
           <p:cNvPr id="15" name="Google Shape;15;p3"/>
-          <p:cNvSpPr txBox="1"/>
+          <p:cNvSpPr txBox="1">
+            <a:spLocks noGrp="1"/>
+          </p:cNvSpPr>
           <p:nvPr>
-            <p:ph idx="12" type="sldNum"/>
+            <p:ph type="sldNum" idx="12"/>
           </p:nvPr>
         </p:nvSpPr>
         <p:spPr>
@@ -2391,7 +2467,7 @@
           </a:prstGeom>
         </p:spPr>
         <p:txBody>
-          <a:bodyPr anchorCtr="0" anchor="ctr" bIns="91425" lIns="91425" spcFirstLastPara="1" rIns="91425" wrap="square" tIns="91425">
+          <a:bodyPr spcFirstLastPara="1" wrap="square" lIns="91425" tIns="91425" rIns="91425" bIns="91425" anchor="ctr" anchorCtr="0">
             <a:normAutofit/>
           </a:bodyPr>
           <a:lstStyle>
@@ -2433,7 +2509,7 @@
             </a:lvl9pPr>
           </a:lstStyle>
           <a:p>
-            <a:pPr indent="0" lvl="0" marL="0" rtl="0" algn="r">
+            <a:pPr marL="0" lvl="0" indent="0" algn="r" rtl="0">
               <a:spcBef>
                 <a:spcPts val="0"/>
               </a:spcBef>
@@ -2459,11 +2535,11 @@
 </file>
 
 <file path=ppt/slideLayouts/slideLayout3.xml><?xml version="1.0" encoding="utf-8"?>
-<p:sldLayout xmlns:a="http://schemas.openxmlformats.org/drawingml/2006/main" xmlns:r="http://schemas.openxmlformats.org/officeDocument/2006/relationships" xmlns:mc="http://schemas.openxmlformats.org/markup-compatibility/2006" xmlns:mv="urn:schemas-microsoft-com:mac:vml" xmlns:p="http://schemas.openxmlformats.org/presentationml/2006/main" xmlns:c="http://schemas.openxmlformats.org/drawingml/2006/chart" xmlns:dgm="http://schemas.openxmlformats.org/drawingml/2006/diagram" xmlns:o="urn:schemas-microsoft-com:office:office" xmlns:v="urn:schemas-microsoft-com:vml" xmlns:pvml="urn:schemas-microsoft-com:office:powerpoint" xmlns:com="http://schemas.openxmlformats.org/drawingml/2006/compatibility" xmlns:p14="http://schemas.microsoft.com/office/powerpoint/2010/main" xmlns:p15="http://schemas.microsoft.com/office/powerpoint/2012/main" xmlns:ahyp="http://schemas.microsoft.com/office/drawing/2018/hyperlinkcolor" matchingName="Title and body" type="tx">
+<p:sldLayout xmlns:a="http://schemas.openxmlformats.org/drawingml/2006/main" xmlns:r="http://schemas.openxmlformats.org/officeDocument/2006/relationships" xmlns:p="http://schemas.openxmlformats.org/presentationml/2006/main" matchingName="Title and body" type="tx">
   <p:cSld name="TITLE_AND_BODY">
     <p:spTree>
       <p:nvGrpSpPr>
-        <p:cNvPr id="16" name="Shape 16"/>
+        <p:cNvPr id="1" name="Shape 16"/>
         <p:cNvGrpSpPr/>
         <p:nvPr/>
       </p:nvGrpSpPr>
@@ -2478,7 +2554,9 @@
       <p:sp>
         <p:nvSpPr>
           <p:cNvPr id="17" name="Google Shape;17;p4"/>
-          <p:cNvSpPr txBox="1"/>
+          <p:cNvSpPr txBox="1">
+            <a:spLocks noGrp="1"/>
+          </p:cNvSpPr>
           <p:nvPr>
             <p:ph type="title"/>
           </p:nvPr>
@@ -2493,7 +2571,7 @@
           </a:prstGeom>
         </p:spPr>
         <p:txBody>
-          <a:bodyPr anchorCtr="0" anchor="t" bIns="91425" lIns="91425" spcFirstLastPara="1" rIns="91425" wrap="square" tIns="91425">
+          <a:bodyPr spcFirstLastPara="1" wrap="square" lIns="91425" tIns="91425" rIns="91425" bIns="91425" anchor="t" anchorCtr="0">
             <a:normAutofit/>
           </a:bodyPr>
           <a:lstStyle>
@@ -2597,15 +2675,19 @@
               <a:defRPr/>
             </a:lvl9pPr>
           </a:lstStyle>
-          <a:p/>
+          <a:p>
+            <a:endParaRPr/>
+          </a:p>
         </p:txBody>
       </p:sp>
       <p:sp>
         <p:nvSpPr>
           <p:cNvPr id="18" name="Google Shape;18;p4"/>
-          <p:cNvSpPr txBox="1"/>
+          <p:cNvSpPr txBox="1">
+            <a:spLocks noGrp="1"/>
+          </p:cNvSpPr>
           <p:nvPr>
-            <p:ph idx="1" type="body"/>
+            <p:ph type="body" idx="1"/>
           </p:nvPr>
         </p:nvSpPr>
         <p:spPr>
@@ -2618,11 +2700,11 @@
           </a:prstGeom>
         </p:spPr>
         <p:txBody>
-          <a:bodyPr anchorCtr="0" anchor="t" bIns="91425" lIns="91425" spcFirstLastPara="1" rIns="91425" wrap="square" tIns="91425">
+          <a:bodyPr spcFirstLastPara="1" wrap="square" lIns="91425" tIns="91425" rIns="91425" bIns="91425" anchor="t" anchorCtr="0">
             <a:normAutofit/>
           </a:bodyPr>
           <a:lstStyle>
-            <a:lvl1pPr indent="-342900" lvl="0" marL="457200">
+            <a:lvl1pPr marL="457200" lvl="0" indent="-342900">
               <a:spcBef>
                 <a:spcPts val="0"/>
               </a:spcBef>
@@ -2633,7 +2715,7 @@
               <a:buChar char="●"/>
               <a:defRPr/>
             </a:lvl1pPr>
-            <a:lvl2pPr indent="-317500" lvl="1" marL="914400">
+            <a:lvl2pPr marL="914400" lvl="1" indent="-317500">
               <a:spcBef>
                 <a:spcPts val="0"/>
               </a:spcBef>
@@ -2644,7 +2726,7 @@
               <a:buChar char="○"/>
               <a:defRPr/>
             </a:lvl2pPr>
-            <a:lvl3pPr indent="-317500" lvl="2" marL="1371600">
+            <a:lvl3pPr marL="1371600" lvl="2" indent="-317500">
               <a:spcBef>
                 <a:spcPts val="0"/>
               </a:spcBef>
@@ -2655,7 +2737,7 @@
               <a:buChar char="■"/>
               <a:defRPr/>
             </a:lvl3pPr>
-            <a:lvl4pPr indent="-317500" lvl="3" marL="1828800">
+            <a:lvl4pPr marL="1828800" lvl="3" indent="-317500">
               <a:spcBef>
                 <a:spcPts val="0"/>
               </a:spcBef>
@@ -2666,7 +2748,7 @@
               <a:buChar char="●"/>
               <a:defRPr/>
             </a:lvl4pPr>
-            <a:lvl5pPr indent="-317500" lvl="4" marL="2286000">
+            <a:lvl5pPr marL="2286000" lvl="4" indent="-317500">
               <a:spcBef>
                 <a:spcPts val="0"/>
               </a:spcBef>
@@ -2677,7 +2759,7 @@
               <a:buChar char="○"/>
               <a:defRPr/>
             </a:lvl5pPr>
-            <a:lvl6pPr indent="-317500" lvl="5" marL="2743200">
+            <a:lvl6pPr marL="2743200" lvl="5" indent="-317500">
               <a:spcBef>
                 <a:spcPts val="0"/>
               </a:spcBef>
@@ -2688,7 +2770,7 @@
               <a:buChar char="■"/>
               <a:defRPr/>
             </a:lvl6pPr>
-            <a:lvl7pPr indent="-317500" lvl="6" marL="3200400">
+            <a:lvl7pPr marL="3200400" lvl="6" indent="-317500">
               <a:spcBef>
                 <a:spcPts val="0"/>
               </a:spcBef>
@@ -2699,7 +2781,7 @@
               <a:buChar char="●"/>
               <a:defRPr/>
             </a:lvl7pPr>
-            <a:lvl8pPr indent="-317500" lvl="7" marL="3657600">
+            <a:lvl8pPr marL="3657600" lvl="7" indent="-317500">
               <a:spcBef>
                 <a:spcPts val="0"/>
               </a:spcBef>
@@ -2710,7 +2792,7 @@
               <a:buChar char="○"/>
               <a:defRPr/>
             </a:lvl8pPr>
-            <a:lvl9pPr indent="-317500" lvl="8" marL="4114800">
+            <a:lvl9pPr marL="4114800" lvl="8" indent="-317500">
               <a:spcBef>
                 <a:spcPts val="0"/>
               </a:spcBef>
@@ -2722,15 +2804,19 @@
               <a:defRPr/>
             </a:lvl9pPr>
           </a:lstStyle>
-          <a:p/>
+          <a:p>
+            <a:endParaRPr/>
+          </a:p>
         </p:txBody>
       </p:sp>
       <p:sp>
         <p:nvSpPr>
           <p:cNvPr id="19" name="Google Shape;19;p4"/>
-          <p:cNvSpPr txBox="1"/>
+          <p:cNvSpPr txBox="1">
+            <a:spLocks noGrp="1"/>
+          </p:cNvSpPr>
           <p:nvPr>
-            <p:ph idx="12" type="sldNum"/>
+            <p:ph type="sldNum" idx="12"/>
           </p:nvPr>
         </p:nvSpPr>
         <p:spPr>
@@ -2743,7 +2829,7 @@
           </a:prstGeom>
         </p:spPr>
         <p:txBody>
-          <a:bodyPr anchorCtr="0" anchor="ctr" bIns="91425" lIns="91425" spcFirstLastPara="1" rIns="91425" wrap="square" tIns="91425">
+          <a:bodyPr spcFirstLastPara="1" wrap="square" lIns="91425" tIns="91425" rIns="91425" bIns="91425" anchor="ctr" anchorCtr="0">
             <a:normAutofit/>
           </a:bodyPr>
           <a:lstStyle>
@@ -2785,7 +2871,7 @@
             </a:lvl9pPr>
           </a:lstStyle>
           <a:p>
-            <a:pPr indent="0" lvl="0" marL="0" rtl="0" algn="r">
+            <a:pPr marL="0" lvl="0" indent="0" algn="r" rtl="0">
               <a:spcBef>
                 <a:spcPts val="0"/>
               </a:spcBef>
@@ -2811,11 +2897,11 @@
 </file>
 
 <file path=ppt/slideLayouts/slideLayout4.xml><?xml version="1.0" encoding="utf-8"?>
-<p:sldLayout xmlns:a="http://schemas.openxmlformats.org/drawingml/2006/main" xmlns:r="http://schemas.openxmlformats.org/officeDocument/2006/relationships" xmlns:mc="http://schemas.openxmlformats.org/markup-compatibility/2006" xmlns:mv="urn:schemas-microsoft-com:mac:vml" xmlns:p="http://schemas.openxmlformats.org/presentationml/2006/main" xmlns:c="http://schemas.openxmlformats.org/drawingml/2006/chart" xmlns:dgm="http://schemas.openxmlformats.org/drawingml/2006/diagram" xmlns:o="urn:schemas-microsoft-com:office:office" xmlns:v="urn:schemas-microsoft-com:vml" xmlns:pvml="urn:schemas-microsoft-com:office:powerpoint" xmlns:com="http://schemas.openxmlformats.org/drawingml/2006/compatibility" xmlns:p14="http://schemas.microsoft.com/office/powerpoint/2010/main" xmlns:p15="http://schemas.microsoft.com/office/powerpoint/2012/main" xmlns:ahyp="http://schemas.microsoft.com/office/drawing/2018/hyperlinkcolor" matchingName="Title and two columns" type="twoColTx">
+<p:sldLayout xmlns:a="http://schemas.openxmlformats.org/drawingml/2006/main" xmlns:r="http://schemas.openxmlformats.org/officeDocument/2006/relationships" xmlns:p="http://schemas.openxmlformats.org/presentationml/2006/main" matchingName="Title and two columns" type="twoColTx">
   <p:cSld name="TITLE_AND_TWO_COLUMNS">
     <p:spTree>
       <p:nvGrpSpPr>
-        <p:cNvPr id="20" name="Shape 20"/>
+        <p:cNvPr id="1" name="Shape 20"/>
         <p:cNvGrpSpPr/>
         <p:nvPr/>
       </p:nvGrpSpPr>
@@ -2830,7 +2916,9 @@
       <p:sp>
         <p:nvSpPr>
           <p:cNvPr id="21" name="Google Shape;21;p5"/>
-          <p:cNvSpPr txBox="1"/>
+          <p:cNvSpPr txBox="1">
+            <a:spLocks noGrp="1"/>
+          </p:cNvSpPr>
           <p:nvPr>
             <p:ph type="title"/>
           </p:nvPr>
@@ -2845,7 +2933,7 @@
           </a:prstGeom>
         </p:spPr>
         <p:txBody>
-          <a:bodyPr anchorCtr="0" anchor="t" bIns="91425" lIns="91425" spcFirstLastPara="1" rIns="91425" wrap="square" tIns="91425">
+          <a:bodyPr spcFirstLastPara="1" wrap="square" lIns="91425" tIns="91425" rIns="91425" bIns="91425" anchor="t" anchorCtr="0">
             <a:normAutofit/>
           </a:bodyPr>
           <a:lstStyle>
@@ -2949,15 +3037,19 @@
               <a:defRPr/>
             </a:lvl9pPr>
           </a:lstStyle>
-          <a:p/>
+          <a:p>
+            <a:endParaRPr/>
+          </a:p>
         </p:txBody>
       </p:sp>
       <p:sp>
         <p:nvSpPr>
           <p:cNvPr id="22" name="Google Shape;22;p5"/>
-          <p:cNvSpPr txBox="1"/>
+          <p:cNvSpPr txBox="1">
+            <a:spLocks noGrp="1"/>
+          </p:cNvSpPr>
           <p:nvPr>
-            <p:ph idx="1" type="body"/>
+            <p:ph type="body" idx="1"/>
           </p:nvPr>
         </p:nvSpPr>
         <p:spPr>
@@ -2970,11 +3062,11 @@
           </a:prstGeom>
         </p:spPr>
         <p:txBody>
-          <a:bodyPr anchorCtr="0" anchor="t" bIns="91425" lIns="91425" spcFirstLastPara="1" rIns="91425" wrap="square" tIns="91425">
+          <a:bodyPr spcFirstLastPara="1" wrap="square" lIns="91425" tIns="91425" rIns="91425" bIns="91425" anchor="t" anchorCtr="0">
             <a:normAutofit/>
           </a:bodyPr>
           <a:lstStyle>
-            <a:lvl1pPr indent="-317500" lvl="0" marL="457200">
+            <a:lvl1pPr marL="457200" lvl="0" indent="-317500">
               <a:spcBef>
                 <a:spcPts val="0"/>
               </a:spcBef>
@@ -2985,7 +3077,7 @@
               <a:buChar char="●"/>
               <a:defRPr sz="1400"/>
             </a:lvl1pPr>
-            <a:lvl2pPr indent="-304800" lvl="1" marL="914400">
+            <a:lvl2pPr marL="914400" lvl="1" indent="-304800">
               <a:spcBef>
                 <a:spcPts val="0"/>
               </a:spcBef>
@@ -2996,7 +3088,7 @@
               <a:buChar char="○"/>
               <a:defRPr sz="1200"/>
             </a:lvl2pPr>
-            <a:lvl3pPr indent="-304800" lvl="2" marL="1371600">
+            <a:lvl3pPr marL="1371600" lvl="2" indent="-304800">
               <a:spcBef>
                 <a:spcPts val="0"/>
               </a:spcBef>
@@ -3007,7 +3099,7 @@
               <a:buChar char="■"/>
               <a:defRPr sz="1200"/>
             </a:lvl3pPr>
-            <a:lvl4pPr indent="-304800" lvl="3" marL="1828800">
+            <a:lvl4pPr marL="1828800" lvl="3" indent="-304800">
               <a:spcBef>
                 <a:spcPts val="0"/>
               </a:spcBef>
@@ -3018,7 +3110,7 @@
               <a:buChar char="●"/>
               <a:defRPr sz="1200"/>
             </a:lvl4pPr>
-            <a:lvl5pPr indent="-304800" lvl="4" marL="2286000">
+            <a:lvl5pPr marL="2286000" lvl="4" indent="-304800">
               <a:spcBef>
                 <a:spcPts val="0"/>
               </a:spcBef>
@@ -3029,7 +3121,7 @@
               <a:buChar char="○"/>
               <a:defRPr sz="1200"/>
             </a:lvl5pPr>
-            <a:lvl6pPr indent="-304800" lvl="5" marL="2743200">
+            <a:lvl6pPr marL="2743200" lvl="5" indent="-304800">
               <a:spcBef>
                 <a:spcPts val="0"/>
               </a:spcBef>
@@ -3040,7 +3132,7 @@
               <a:buChar char="■"/>
               <a:defRPr sz="1200"/>
             </a:lvl6pPr>
-            <a:lvl7pPr indent="-304800" lvl="6" marL="3200400">
+            <a:lvl7pPr marL="3200400" lvl="6" indent="-304800">
               <a:spcBef>
                 <a:spcPts val="0"/>
               </a:spcBef>
@@ -3051,7 +3143,7 @@
               <a:buChar char="●"/>
               <a:defRPr sz="1200"/>
             </a:lvl7pPr>
-            <a:lvl8pPr indent="-304800" lvl="7" marL="3657600">
+            <a:lvl8pPr marL="3657600" lvl="7" indent="-304800">
               <a:spcBef>
                 <a:spcPts val="0"/>
               </a:spcBef>
@@ -3062,7 +3154,7 @@
               <a:buChar char="○"/>
               <a:defRPr sz="1200"/>
             </a:lvl8pPr>
-            <a:lvl9pPr indent="-304800" lvl="8" marL="4114800">
+            <a:lvl9pPr marL="4114800" lvl="8" indent="-304800">
               <a:spcBef>
                 <a:spcPts val="0"/>
               </a:spcBef>
@@ -3074,15 +3166,19 @@
               <a:defRPr sz="1200"/>
             </a:lvl9pPr>
           </a:lstStyle>
-          <a:p/>
+          <a:p>
+            <a:endParaRPr/>
+          </a:p>
         </p:txBody>
       </p:sp>
       <p:sp>
         <p:nvSpPr>
           <p:cNvPr id="23" name="Google Shape;23;p5"/>
-          <p:cNvSpPr txBox="1"/>
+          <p:cNvSpPr txBox="1">
+            <a:spLocks noGrp="1"/>
+          </p:cNvSpPr>
           <p:nvPr>
-            <p:ph idx="2" type="body"/>
+            <p:ph type="body" idx="2"/>
           </p:nvPr>
         </p:nvSpPr>
         <p:spPr>
@@ -3095,11 +3191,11 @@
           </a:prstGeom>
         </p:spPr>
         <p:txBody>
-          <a:bodyPr anchorCtr="0" anchor="t" bIns="91425" lIns="91425" spcFirstLastPara="1" rIns="91425" wrap="square" tIns="91425">
+          <a:bodyPr spcFirstLastPara="1" wrap="square" lIns="91425" tIns="91425" rIns="91425" bIns="91425" anchor="t" anchorCtr="0">
             <a:normAutofit/>
           </a:bodyPr>
           <a:lstStyle>
-            <a:lvl1pPr indent="-317500" lvl="0" marL="457200">
+            <a:lvl1pPr marL="457200" lvl="0" indent="-317500">
               <a:spcBef>
                 <a:spcPts val="0"/>
               </a:spcBef>
@@ -3110,7 +3206,7 @@
               <a:buChar char="●"/>
               <a:defRPr sz="1400"/>
             </a:lvl1pPr>
-            <a:lvl2pPr indent="-304800" lvl="1" marL="914400">
+            <a:lvl2pPr marL="914400" lvl="1" indent="-304800">
               <a:spcBef>
                 <a:spcPts val="0"/>
               </a:spcBef>
@@ -3121,7 +3217,7 @@
               <a:buChar char="○"/>
               <a:defRPr sz="1200"/>
             </a:lvl2pPr>
-            <a:lvl3pPr indent="-304800" lvl="2" marL="1371600">
+            <a:lvl3pPr marL="1371600" lvl="2" indent="-304800">
               <a:spcBef>
                 <a:spcPts val="0"/>
               </a:spcBef>
@@ -3132,7 +3228,7 @@
               <a:buChar char="■"/>
               <a:defRPr sz="1200"/>
             </a:lvl3pPr>
-            <a:lvl4pPr indent="-304800" lvl="3" marL="1828800">
+            <a:lvl4pPr marL="1828800" lvl="3" indent="-304800">
               <a:spcBef>
                 <a:spcPts val="0"/>
               </a:spcBef>
@@ -3143,7 +3239,7 @@
               <a:buChar char="●"/>
               <a:defRPr sz="1200"/>
             </a:lvl4pPr>
-            <a:lvl5pPr indent="-304800" lvl="4" marL="2286000">
+            <a:lvl5pPr marL="2286000" lvl="4" indent="-304800">
               <a:spcBef>
                 <a:spcPts val="0"/>
               </a:spcBef>
@@ -3154,7 +3250,7 @@
               <a:buChar char="○"/>
               <a:defRPr sz="1200"/>
             </a:lvl5pPr>
-            <a:lvl6pPr indent="-304800" lvl="5" marL="2743200">
+            <a:lvl6pPr marL="2743200" lvl="5" indent="-304800">
               <a:spcBef>
                 <a:spcPts val="0"/>
               </a:spcBef>
@@ -3165,7 +3261,7 @@
               <a:buChar char="■"/>
               <a:defRPr sz="1200"/>
             </a:lvl6pPr>
-            <a:lvl7pPr indent="-304800" lvl="6" marL="3200400">
+            <a:lvl7pPr marL="3200400" lvl="6" indent="-304800">
               <a:spcBef>
                 <a:spcPts val="0"/>
               </a:spcBef>
@@ -3176,7 +3272,7 @@
               <a:buChar char="●"/>
               <a:defRPr sz="1200"/>
             </a:lvl7pPr>
-            <a:lvl8pPr indent="-304800" lvl="7" marL="3657600">
+            <a:lvl8pPr marL="3657600" lvl="7" indent="-304800">
               <a:spcBef>
                 <a:spcPts val="0"/>
               </a:spcBef>
@@ -3187,7 +3283,7 @@
               <a:buChar char="○"/>
               <a:defRPr sz="1200"/>
             </a:lvl8pPr>
-            <a:lvl9pPr indent="-304800" lvl="8" marL="4114800">
+            <a:lvl9pPr marL="4114800" lvl="8" indent="-304800">
               <a:spcBef>
                 <a:spcPts val="0"/>
               </a:spcBef>
@@ -3199,15 +3295,19 @@
               <a:defRPr sz="1200"/>
             </a:lvl9pPr>
           </a:lstStyle>
-          <a:p/>
+          <a:p>
+            <a:endParaRPr/>
+          </a:p>
         </p:txBody>
       </p:sp>
       <p:sp>
         <p:nvSpPr>
           <p:cNvPr id="24" name="Google Shape;24;p5"/>
-          <p:cNvSpPr txBox="1"/>
+          <p:cNvSpPr txBox="1">
+            <a:spLocks noGrp="1"/>
+          </p:cNvSpPr>
           <p:nvPr>
-            <p:ph idx="12" type="sldNum"/>
+            <p:ph type="sldNum" idx="12"/>
           </p:nvPr>
         </p:nvSpPr>
         <p:spPr>
@@ -3220,7 +3320,7 @@
           </a:prstGeom>
         </p:spPr>
         <p:txBody>
-          <a:bodyPr anchorCtr="0" anchor="ctr" bIns="91425" lIns="91425" spcFirstLastPara="1" rIns="91425" wrap="square" tIns="91425">
+          <a:bodyPr spcFirstLastPara="1" wrap="square" lIns="91425" tIns="91425" rIns="91425" bIns="91425" anchor="ctr" anchorCtr="0">
             <a:normAutofit/>
           </a:bodyPr>
           <a:lstStyle>
@@ -3262,7 +3362,7 @@
             </a:lvl9pPr>
           </a:lstStyle>
           <a:p>
-            <a:pPr indent="0" lvl="0" marL="0" rtl="0" algn="r">
+            <a:pPr marL="0" lvl="0" indent="0" algn="r" rtl="0">
               <a:spcBef>
                 <a:spcPts val="0"/>
               </a:spcBef>
@@ -3288,11 +3388,11 @@
 </file>
 
 <file path=ppt/slideLayouts/slideLayout5.xml><?xml version="1.0" encoding="utf-8"?>
-<p:sldLayout xmlns:a="http://schemas.openxmlformats.org/drawingml/2006/main" xmlns:r="http://schemas.openxmlformats.org/officeDocument/2006/relationships" xmlns:mc="http://schemas.openxmlformats.org/markup-compatibility/2006" xmlns:mv="urn:schemas-microsoft-com:mac:vml" xmlns:p="http://schemas.openxmlformats.org/presentationml/2006/main" xmlns:c="http://schemas.openxmlformats.org/drawingml/2006/chart" xmlns:dgm="http://schemas.openxmlformats.org/drawingml/2006/diagram" xmlns:o="urn:schemas-microsoft-com:office:office" xmlns:v="urn:schemas-microsoft-com:vml" xmlns:pvml="urn:schemas-microsoft-com:office:powerpoint" xmlns:com="http://schemas.openxmlformats.org/drawingml/2006/compatibility" xmlns:p14="http://schemas.microsoft.com/office/powerpoint/2010/main" xmlns:p15="http://schemas.microsoft.com/office/powerpoint/2012/main" xmlns:ahyp="http://schemas.microsoft.com/office/drawing/2018/hyperlinkcolor" matchingName="Title only" type="titleOnly">
+<p:sldLayout xmlns:a="http://schemas.openxmlformats.org/drawingml/2006/main" xmlns:r="http://schemas.openxmlformats.org/officeDocument/2006/relationships" xmlns:p="http://schemas.openxmlformats.org/presentationml/2006/main" matchingName="Title only" type="titleOnly">
   <p:cSld name="TITLE_ONLY">
     <p:spTree>
       <p:nvGrpSpPr>
-        <p:cNvPr id="25" name="Shape 25"/>
+        <p:cNvPr id="1" name="Shape 25"/>
         <p:cNvGrpSpPr/>
         <p:nvPr/>
       </p:nvGrpSpPr>
@@ -3307,7 +3407,9 @@
       <p:sp>
         <p:nvSpPr>
           <p:cNvPr id="26" name="Google Shape;26;p6"/>
-          <p:cNvSpPr txBox="1"/>
+          <p:cNvSpPr txBox="1">
+            <a:spLocks noGrp="1"/>
+          </p:cNvSpPr>
           <p:nvPr>
             <p:ph type="title"/>
           </p:nvPr>
@@ -3322,7 +3424,7 @@
           </a:prstGeom>
         </p:spPr>
         <p:txBody>
-          <a:bodyPr anchorCtr="0" anchor="t" bIns="91425" lIns="91425" spcFirstLastPara="1" rIns="91425" wrap="square" tIns="91425">
+          <a:bodyPr spcFirstLastPara="1" wrap="square" lIns="91425" tIns="91425" rIns="91425" bIns="91425" anchor="t" anchorCtr="0">
             <a:normAutofit/>
           </a:bodyPr>
           <a:lstStyle>
@@ -3426,15 +3528,19 @@
               <a:defRPr/>
             </a:lvl9pPr>
           </a:lstStyle>
-          <a:p/>
+          <a:p>
+            <a:endParaRPr/>
+          </a:p>
         </p:txBody>
       </p:sp>
       <p:sp>
         <p:nvSpPr>
           <p:cNvPr id="27" name="Google Shape;27;p6"/>
-          <p:cNvSpPr txBox="1"/>
+          <p:cNvSpPr txBox="1">
+            <a:spLocks noGrp="1"/>
+          </p:cNvSpPr>
           <p:nvPr>
-            <p:ph idx="12" type="sldNum"/>
+            <p:ph type="sldNum" idx="12"/>
           </p:nvPr>
         </p:nvSpPr>
         <p:spPr>
@@ -3447,7 +3553,7 @@
           </a:prstGeom>
         </p:spPr>
         <p:txBody>
-          <a:bodyPr anchorCtr="0" anchor="ctr" bIns="91425" lIns="91425" spcFirstLastPara="1" rIns="91425" wrap="square" tIns="91425">
+          <a:bodyPr spcFirstLastPara="1" wrap="square" lIns="91425" tIns="91425" rIns="91425" bIns="91425" anchor="ctr" anchorCtr="0">
             <a:normAutofit/>
           </a:bodyPr>
           <a:lstStyle>
@@ -3489,7 +3595,7 @@
             </a:lvl9pPr>
           </a:lstStyle>
           <a:p>
-            <a:pPr indent="0" lvl="0" marL="0" rtl="0" algn="r">
+            <a:pPr marL="0" lvl="0" indent="0" algn="r" rtl="0">
               <a:spcBef>
                 <a:spcPts val="0"/>
               </a:spcBef>
@@ -3515,11 +3621,11 @@
 </file>
 
 <file path=ppt/slideLayouts/slideLayout6.xml><?xml version="1.0" encoding="utf-8"?>
-<p:sldLayout xmlns:a="http://schemas.openxmlformats.org/drawingml/2006/main" xmlns:r="http://schemas.openxmlformats.org/officeDocument/2006/relationships" xmlns:mc="http://schemas.openxmlformats.org/markup-compatibility/2006" xmlns:mv="urn:schemas-microsoft-com:mac:vml" xmlns:p="http://schemas.openxmlformats.org/presentationml/2006/main" xmlns:c="http://schemas.openxmlformats.org/drawingml/2006/chart" xmlns:dgm="http://schemas.openxmlformats.org/drawingml/2006/diagram" xmlns:o="urn:schemas-microsoft-com:office:office" xmlns:v="urn:schemas-microsoft-com:vml" xmlns:pvml="urn:schemas-microsoft-com:office:powerpoint" xmlns:com="http://schemas.openxmlformats.org/drawingml/2006/compatibility" xmlns:p14="http://schemas.microsoft.com/office/powerpoint/2010/main" xmlns:p15="http://schemas.microsoft.com/office/powerpoint/2012/main" xmlns:ahyp="http://schemas.microsoft.com/office/drawing/2018/hyperlinkcolor" matchingName="One column text">
+<p:sldLayout xmlns:a="http://schemas.openxmlformats.org/drawingml/2006/main" xmlns:r="http://schemas.openxmlformats.org/officeDocument/2006/relationships" xmlns:p="http://schemas.openxmlformats.org/presentationml/2006/main" matchingName="One column text">
   <p:cSld name="ONE_COLUMN_TEXT">
     <p:spTree>
       <p:nvGrpSpPr>
-        <p:cNvPr id="28" name="Shape 28"/>
+        <p:cNvPr id="1" name="Shape 28"/>
         <p:cNvGrpSpPr/>
         <p:nvPr/>
       </p:nvGrpSpPr>
@@ -3534,7 +3640,9 @@
       <p:sp>
         <p:nvSpPr>
           <p:cNvPr id="29" name="Google Shape;29;p7"/>
-          <p:cNvSpPr txBox="1"/>
+          <p:cNvSpPr txBox="1">
+            <a:spLocks noGrp="1"/>
+          </p:cNvSpPr>
           <p:nvPr>
             <p:ph type="title"/>
           </p:nvPr>
@@ -3549,7 +3657,7 @@
           </a:prstGeom>
         </p:spPr>
         <p:txBody>
-          <a:bodyPr anchorCtr="0" anchor="b" bIns="91425" lIns="91425" spcFirstLastPara="1" rIns="91425" wrap="square" tIns="91425">
+          <a:bodyPr spcFirstLastPara="1" wrap="square" lIns="91425" tIns="91425" rIns="91425" bIns="91425" anchor="b" anchorCtr="0">
             <a:normAutofit/>
           </a:bodyPr>
           <a:lstStyle>
@@ -3653,15 +3761,19 @@
               <a:defRPr sz="2400"/>
             </a:lvl9pPr>
           </a:lstStyle>
-          <a:p/>
+          <a:p>
+            <a:endParaRPr/>
+          </a:p>
         </p:txBody>
       </p:sp>
       <p:sp>
         <p:nvSpPr>
           <p:cNvPr id="30" name="Google Shape;30;p7"/>
-          <p:cNvSpPr txBox="1"/>
+          <p:cNvSpPr txBox="1">
+            <a:spLocks noGrp="1"/>
+          </p:cNvSpPr>
           <p:nvPr>
-            <p:ph idx="1" type="body"/>
+            <p:ph type="body" idx="1"/>
           </p:nvPr>
         </p:nvSpPr>
         <p:spPr>
@@ -3674,11 +3786,11 @@
           </a:prstGeom>
         </p:spPr>
         <p:txBody>
-          <a:bodyPr anchorCtr="0" anchor="t" bIns="91425" lIns="91425" spcFirstLastPara="1" rIns="91425" wrap="square" tIns="91425">
+          <a:bodyPr spcFirstLastPara="1" wrap="square" lIns="91425" tIns="91425" rIns="91425" bIns="91425" anchor="t" anchorCtr="0">
             <a:normAutofit/>
           </a:bodyPr>
           <a:lstStyle>
-            <a:lvl1pPr indent="-304800" lvl="0" marL="457200">
+            <a:lvl1pPr marL="457200" lvl="0" indent="-304800">
               <a:spcBef>
                 <a:spcPts val="0"/>
               </a:spcBef>
@@ -3689,7 +3801,7 @@
               <a:buChar char="●"/>
               <a:defRPr sz="1200"/>
             </a:lvl1pPr>
-            <a:lvl2pPr indent="-304800" lvl="1" marL="914400">
+            <a:lvl2pPr marL="914400" lvl="1" indent="-304800">
               <a:spcBef>
                 <a:spcPts val="0"/>
               </a:spcBef>
@@ -3700,7 +3812,7 @@
               <a:buChar char="○"/>
               <a:defRPr sz="1200"/>
             </a:lvl2pPr>
-            <a:lvl3pPr indent="-304800" lvl="2" marL="1371600">
+            <a:lvl3pPr marL="1371600" lvl="2" indent="-304800">
               <a:spcBef>
                 <a:spcPts val="0"/>
               </a:spcBef>
@@ -3711,7 +3823,7 @@
               <a:buChar char="■"/>
               <a:defRPr sz="1200"/>
             </a:lvl3pPr>
-            <a:lvl4pPr indent="-304800" lvl="3" marL="1828800">
+            <a:lvl4pPr marL="1828800" lvl="3" indent="-304800">
               <a:spcBef>
                 <a:spcPts val="0"/>
               </a:spcBef>
@@ -3722,7 +3834,7 @@
               <a:buChar char="●"/>
               <a:defRPr sz="1200"/>
             </a:lvl4pPr>
-            <a:lvl5pPr indent="-304800" lvl="4" marL="2286000">
+            <a:lvl5pPr marL="2286000" lvl="4" indent="-304800">
               <a:spcBef>
                 <a:spcPts val="0"/>
               </a:spcBef>
@@ -3733,7 +3845,7 @@
               <a:buChar char="○"/>
               <a:defRPr sz="1200"/>
             </a:lvl5pPr>
-            <a:lvl6pPr indent="-304800" lvl="5" marL="2743200">
+            <a:lvl6pPr marL="2743200" lvl="5" indent="-304800">
               <a:spcBef>
                 <a:spcPts val="0"/>
               </a:spcBef>
@@ -3744,7 +3856,7 @@
               <a:buChar char="■"/>
               <a:defRPr sz="1200"/>
             </a:lvl6pPr>
-            <a:lvl7pPr indent="-304800" lvl="6" marL="3200400">
+            <a:lvl7pPr marL="3200400" lvl="6" indent="-304800">
               <a:spcBef>
                 <a:spcPts val="0"/>
               </a:spcBef>
@@ -3755,7 +3867,7 @@
               <a:buChar char="●"/>
               <a:defRPr sz="1200"/>
             </a:lvl7pPr>
-            <a:lvl8pPr indent="-304800" lvl="7" marL="3657600">
+            <a:lvl8pPr marL="3657600" lvl="7" indent="-304800">
               <a:spcBef>
                 <a:spcPts val="0"/>
               </a:spcBef>
@@ -3766,7 +3878,7 @@
               <a:buChar char="○"/>
               <a:defRPr sz="1200"/>
             </a:lvl8pPr>
-            <a:lvl9pPr indent="-304800" lvl="8" marL="4114800">
+            <a:lvl9pPr marL="4114800" lvl="8" indent="-304800">
               <a:spcBef>
                 <a:spcPts val="0"/>
               </a:spcBef>
@@ -3778,15 +3890,19 @@
               <a:defRPr sz="1200"/>
             </a:lvl9pPr>
           </a:lstStyle>
-          <a:p/>
+          <a:p>
+            <a:endParaRPr/>
+          </a:p>
         </p:txBody>
       </p:sp>
       <p:sp>
         <p:nvSpPr>
           <p:cNvPr id="31" name="Google Shape;31;p7"/>
-          <p:cNvSpPr txBox="1"/>
+          <p:cNvSpPr txBox="1">
+            <a:spLocks noGrp="1"/>
+          </p:cNvSpPr>
           <p:nvPr>
-            <p:ph idx="12" type="sldNum"/>
+            <p:ph type="sldNum" idx="12"/>
           </p:nvPr>
         </p:nvSpPr>
         <p:spPr>
@@ -3799,7 +3915,7 @@
           </a:prstGeom>
         </p:spPr>
         <p:txBody>
-          <a:bodyPr anchorCtr="0" anchor="ctr" bIns="91425" lIns="91425" spcFirstLastPara="1" rIns="91425" wrap="square" tIns="91425">
+          <a:bodyPr spcFirstLastPara="1" wrap="square" lIns="91425" tIns="91425" rIns="91425" bIns="91425" anchor="ctr" anchorCtr="0">
             <a:normAutofit/>
           </a:bodyPr>
           <a:lstStyle>
@@ -3841,7 +3957,7 @@
             </a:lvl9pPr>
           </a:lstStyle>
           <a:p>
-            <a:pPr indent="0" lvl="0" marL="0" rtl="0" algn="r">
+            <a:pPr marL="0" lvl="0" indent="0" algn="r" rtl="0">
               <a:spcBef>
                 <a:spcPts val="0"/>
               </a:spcBef>
@@ -3867,11 +3983,11 @@
 </file>
 
 <file path=ppt/slideLayouts/slideLayout7.xml><?xml version="1.0" encoding="utf-8"?>
-<p:sldLayout xmlns:a="http://schemas.openxmlformats.org/drawingml/2006/main" xmlns:r="http://schemas.openxmlformats.org/officeDocument/2006/relationships" xmlns:mc="http://schemas.openxmlformats.org/markup-compatibility/2006" xmlns:mv="urn:schemas-microsoft-com:mac:vml" xmlns:p="http://schemas.openxmlformats.org/presentationml/2006/main" xmlns:c="http://schemas.openxmlformats.org/drawingml/2006/chart" xmlns:dgm="http://schemas.openxmlformats.org/drawingml/2006/diagram" xmlns:o="urn:schemas-microsoft-com:office:office" xmlns:v="urn:schemas-microsoft-com:vml" xmlns:pvml="urn:schemas-microsoft-com:office:powerpoint" xmlns:com="http://schemas.openxmlformats.org/drawingml/2006/compatibility" xmlns:p14="http://schemas.microsoft.com/office/powerpoint/2010/main" xmlns:p15="http://schemas.microsoft.com/office/powerpoint/2012/main" xmlns:ahyp="http://schemas.microsoft.com/office/drawing/2018/hyperlinkcolor" matchingName="Main point">
+<p:sldLayout xmlns:a="http://schemas.openxmlformats.org/drawingml/2006/main" xmlns:r="http://schemas.openxmlformats.org/officeDocument/2006/relationships" xmlns:p="http://schemas.openxmlformats.org/presentationml/2006/main" matchingName="Main point">
   <p:cSld name="MAIN_POINT">
     <p:spTree>
       <p:nvGrpSpPr>
-        <p:cNvPr id="32" name="Shape 32"/>
+        <p:cNvPr id="1" name="Shape 32"/>
         <p:cNvGrpSpPr/>
         <p:nvPr/>
       </p:nvGrpSpPr>
@@ -3886,7 +4002,9 @@
       <p:sp>
         <p:nvSpPr>
           <p:cNvPr id="33" name="Google Shape;33;p8"/>
-          <p:cNvSpPr txBox="1"/>
+          <p:cNvSpPr txBox="1">
+            <a:spLocks noGrp="1"/>
+          </p:cNvSpPr>
           <p:nvPr>
             <p:ph type="title"/>
           </p:nvPr>
@@ -3901,7 +4019,7 @@
           </a:prstGeom>
         </p:spPr>
         <p:txBody>
-          <a:bodyPr anchorCtr="0" anchor="ctr" bIns="91425" lIns="91425" spcFirstLastPara="1" rIns="91425" wrap="square" tIns="91425">
+          <a:bodyPr spcFirstLastPara="1" wrap="square" lIns="91425" tIns="91425" rIns="91425" bIns="91425" anchor="ctr" anchorCtr="0">
             <a:normAutofit/>
           </a:bodyPr>
           <a:lstStyle>
@@ -4005,15 +4123,19 @@
               <a:defRPr sz="4800"/>
             </a:lvl9pPr>
           </a:lstStyle>
-          <a:p/>
+          <a:p>
+            <a:endParaRPr/>
+          </a:p>
         </p:txBody>
       </p:sp>
       <p:sp>
         <p:nvSpPr>
           <p:cNvPr id="34" name="Google Shape;34;p8"/>
-          <p:cNvSpPr txBox="1"/>
+          <p:cNvSpPr txBox="1">
+            <a:spLocks noGrp="1"/>
+          </p:cNvSpPr>
           <p:nvPr>
-            <p:ph idx="12" type="sldNum"/>
+            <p:ph type="sldNum" idx="12"/>
           </p:nvPr>
         </p:nvSpPr>
         <p:spPr>
@@ -4026,7 +4148,7 @@
           </a:prstGeom>
         </p:spPr>
         <p:txBody>
-          <a:bodyPr anchorCtr="0" anchor="ctr" bIns="91425" lIns="91425" spcFirstLastPara="1" rIns="91425" wrap="square" tIns="91425">
+          <a:bodyPr spcFirstLastPara="1" wrap="square" lIns="91425" tIns="91425" rIns="91425" bIns="91425" anchor="ctr" anchorCtr="0">
             <a:normAutofit/>
           </a:bodyPr>
           <a:lstStyle>
@@ -4068,7 +4190,7 @@
             </a:lvl9pPr>
           </a:lstStyle>
           <a:p>
-            <a:pPr indent="0" lvl="0" marL="0" rtl="0" algn="r">
+            <a:pPr marL="0" lvl="0" indent="0" algn="r" rtl="0">
               <a:spcBef>
                 <a:spcPts val="0"/>
               </a:spcBef>
@@ -4094,11 +4216,11 @@
 </file>
 
 <file path=ppt/slideLayouts/slideLayout8.xml><?xml version="1.0" encoding="utf-8"?>
-<p:sldLayout xmlns:a="http://schemas.openxmlformats.org/drawingml/2006/main" xmlns:r="http://schemas.openxmlformats.org/officeDocument/2006/relationships" xmlns:mc="http://schemas.openxmlformats.org/markup-compatibility/2006" xmlns:mv="urn:schemas-microsoft-com:mac:vml" xmlns:p="http://schemas.openxmlformats.org/presentationml/2006/main" xmlns:c="http://schemas.openxmlformats.org/drawingml/2006/chart" xmlns:dgm="http://schemas.openxmlformats.org/drawingml/2006/diagram" xmlns:o="urn:schemas-microsoft-com:office:office" xmlns:v="urn:schemas-microsoft-com:vml" xmlns:pvml="urn:schemas-microsoft-com:office:powerpoint" xmlns:com="http://schemas.openxmlformats.org/drawingml/2006/compatibility" xmlns:p14="http://schemas.microsoft.com/office/powerpoint/2010/main" xmlns:p15="http://schemas.microsoft.com/office/powerpoint/2012/main" xmlns:ahyp="http://schemas.microsoft.com/office/drawing/2018/hyperlinkcolor" matchingName="Section title and description">
+<p:sldLayout xmlns:a="http://schemas.openxmlformats.org/drawingml/2006/main" xmlns:r="http://schemas.openxmlformats.org/officeDocument/2006/relationships" xmlns:p="http://schemas.openxmlformats.org/presentationml/2006/main" matchingName="Section title and description">
   <p:cSld name="SECTION_TITLE_AND_DESCRIPTION">
     <p:spTree>
       <p:nvGrpSpPr>
-        <p:cNvPr id="35" name="Shape 35"/>
+        <p:cNvPr id="1" name="Shape 35"/>
         <p:cNvGrpSpPr/>
         <p:nvPr/>
       </p:nvGrpSpPr>
@@ -4132,12 +4254,12 @@
           </a:ln>
         </p:spPr>
         <p:txBody>
-          <a:bodyPr anchorCtr="0" anchor="ctr" bIns="91425" lIns="91425" spcFirstLastPara="1" rIns="91425" wrap="square" tIns="91425">
+          <a:bodyPr spcFirstLastPara="1" wrap="square" lIns="91425" tIns="91425" rIns="91425" bIns="91425" anchor="ctr" anchorCtr="0">
             <a:noAutofit/>
           </a:bodyPr>
           <a:lstStyle/>
           <a:p>
-            <a:pPr indent="0" lvl="0" marL="0" rtl="0" algn="l">
+            <a:pPr marL="0" lvl="0" indent="0" algn="l" rtl="0">
               <a:spcBef>
                 <a:spcPts val="0"/>
               </a:spcBef>
@@ -4146,9 +4268,6 @@
               </a:spcAft>
               <a:buNone/>
             </a:pPr>
-            <a:r>
-              <a:t/>
-            </a:r>
             <a:endParaRPr/>
           </a:p>
         </p:txBody>
@@ -4156,7 +4275,9 @@
       <p:sp>
         <p:nvSpPr>
           <p:cNvPr id="37" name="Google Shape;37;p9"/>
-          <p:cNvSpPr txBox="1"/>
+          <p:cNvSpPr txBox="1">
+            <a:spLocks noGrp="1"/>
+          </p:cNvSpPr>
           <p:nvPr>
             <p:ph type="title"/>
           </p:nvPr>
@@ -4171,7 +4292,7 @@
           </a:prstGeom>
         </p:spPr>
         <p:txBody>
-          <a:bodyPr anchorCtr="0" anchor="b" bIns="91425" lIns="91425" spcFirstLastPara="1" rIns="91425" wrap="square" tIns="91425">
+          <a:bodyPr spcFirstLastPara="1" wrap="square" lIns="91425" tIns="91425" rIns="91425" bIns="91425" anchor="b" anchorCtr="0">
             <a:normAutofit/>
           </a:bodyPr>
           <a:lstStyle>
@@ -4275,15 +4396,19 @@
               <a:defRPr sz="4200"/>
             </a:lvl9pPr>
           </a:lstStyle>
-          <a:p/>
+          <a:p>
+            <a:endParaRPr/>
+          </a:p>
         </p:txBody>
       </p:sp>
       <p:sp>
         <p:nvSpPr>
           <p:cNvPr id="38" name="Google Shape;38;p9"/>
-          <p:cNvSpPr txBox="1"/>
+          <p:cNvSpPr txBox="1">
+            <a:spLocks noGrp="1"/>
+          </p:cNvSpPr>
           <p:nvPr>
-            <p:ph idx="1" type="subTitle"/>
+            <p:ph type="subTitle" idx="1"/>
           </p:nvPr>
         </p:nvSpPr>
         <p:spPr>
@@ -4296,7 +4421,7 @@
           </a:prstGeom>
         </p:spPr>
         <p:txBody>
-          <a:bodyPr anchorCtr="0" anchor="t" bIns="91425" lIns="91425" spcFirstLastPara="1" rIns="91425" wrap="square" tIns="91425">
+          <a:bodyPr spcFirstLastPara="1" wrap="square" lIns="91425" tIns="91425" rIns="91425" bIns="91425" anchor="t" anchorCtr="0">
             <a:normAutofit/>
           </a:bodyPr>
           <a:lstStyle>
@@ -4427,15 +4552,19 @@
               <a:defRPr sz="2100"/>
             </a:lvl9pPr>
           </a:lstStyle>
-          <a:p/>
+          <a:p>
+            <a:endParaRPr/>
+          </a:p>
         </p:txBody>
       </p:sp>
       <p:sp>
         <p:nvSpPr>
           <p:cNvPr id="39" name="Google Shape;39;p9"/>
-          <p:cNvSpPr txBox="1"/>
+          <p:cNvSpPr txBox="1">
+            <a:spLocks noGrp="1"/>
+          </p:cNvSpPr>
           <p:nvPr>
-            <p:ph idx="2" type="body"/>
+            <p:ph type="body" idx="2"/>
           </p:nvPr>
         </p:nvSpPr>
         <p:spPr>
@@ -4448,11 +4577,11 @@
           </a:prstGeom>
         </p:spPr>
         <p:txBody>
-          <a:bodyPr anchorCtr="0" anchor="ctr" bIns="91425" lIns="91425" spcFirstLastPara="1" rIns="91425" wrap="square" tIns="91425">
+          <a:bodyPr spcFirstLastPara="1" wrap="square" lIns="91425" tIns="91425" rIns="91425" bIns="91425" anchor="ctr" anchorCtr="0">
             <a:normAutofit/>
           </a:bodyPr>
           <a:lstStyle>
-            <a:lvl1pPr indent="-342900" lvl="0" marL="457200">
+            <a:lvl1pPr marL="457200" lvl="0" indent="-342900">
               <a:spcBef>
                 <a:spcPts val="0"/>
               </a:spcBef>
@@ -4463,7 +4592,7 @@
               <a:buChar char="●"/>
               <a:defRPr/>
             </a:lvl1pPr>
-            <a:lvl2pPr indent="-317500" lvl="1" marL="914400">
+            <a:lvl2pPr marL="914400" lvl="1" indent="-317500">
               <a:spcBef>
                 <a:spcPts val="0"/>
               </a:spcBef>
@@ -4474,7 +4603,7 @@
               <a:buChar char="○"/>
               <a:defRPr/>
             </a:lvl2pPr>
-            <a:lvl3pPr indent="-317500" lvl="2" marL="1371600">
+            <a:lvl3pPr marL="1371600" lvl="2" indent="-317500">
               <a:spcBef>
                 <a:spcPts val="0"/>
               </a:spcBef>
@@ -4485,7 +4614,7 @@
               <a:buChar char="■"/>
               <a:defRPr/>
             </a:lvl3pPr>
-            <a:lvl4pPr indent="-317500" lvl="3" marL="1828800">
+            <a:lvl4pPr marL="1828800" lvl="3" indent="-317500">
               <a:spcBef>
                 <a:spcPts val="0"/>
               </a:spcBef>
@@ -4496,7 +4625,7 @@
               <a:buChar char="●"/>
               <a:defRPr/>
             </a:lvl4pPr>
-            <a:lvl5pPr indent="-317500" lvl="4" marL="2286000">
+            <a:lvl5pPr marL="2286000" lvl="4" indent="-317500">
               <a:spcBef>
                 <a:spcPts val="0"/>
               </a:spcBef>
@@ -4507,7 +4636,7 @@
               <a:buChar char="○"/>
               <a:defRPr/>
             </a:lvl5pPr>
-            <a:lvl6pPr indent="-317500" lvl="5" marL="2743200">
+            <a:lvl6pPr marL="2743200" lvl="5" indent="-317500">
               <a:spcBef>
                 <a:spcPts val="0"/>
               </a:spcBef>
@@ -4518,7 +4647,7 @@
               <a:buChar char="■"/>
               <a:defRPr/>
             </a:lvl6pPr>
-            <a:lvl7pPr indent="-317500" lvl="6" marL="3200400">
+            <a:lvl7pPr marL="3200400" lvl="6" indent="-317500">
               <a:spcBef>
                 <a:spcPts val="0"/>
               </a:spcBef>
@@ -4529,7 +4658,7 @@
               <a:buChar char="●"/>
               <a:defRPr/>
             </a:lvl7pPr>
-            <a:lvl8pPr indent="-317500" lvl="7" marL="3657600">
+            <a:lvl8pPr marL="3657600" lvl="7" indent="-317500">
               <a:spcBef>
                 <a:spcPts val="0"/>
               </a:spcBef>
@@ -4540,7 +4669,7 @@
               <a:buChar char="○"/>
               <a:defRPr/>
             </a:lvl8pPr>
-            <a:lvl9pPr indent="-317500" lvl="8" marL="4114800">
+            <a:lvl9pPr marL="4114800" lvl="8" indent="-317500">
               <a:spcBef>
                 <a:spcPts val="0"/>
               </a:spcBef>
@@ -4552,15 +4681,19 @@
               <a:defRPr/>
             </a:lvl9pPr>
           </a:lstStyle>
-          <a:p/>
+          <a:p>
+            <a:endParaRPr/>
+          </a:p>
         </p:txBody>
       </p:sp>
       <p:sp>
         <p:nvSpPr>
           <p:cNvPr id="40" name="Google Shape;40;p9"/>
-          <p:cNvSpPr txBox="1"/>
+          <p:cNvSpPr txBox="1">
+            <a:spLocks noGrp="1"/>
+          </p:cNvSpPr>
           <p:nvPr>
-            <p:ph idx="12" type="sldNum"/>
+            <p:ph type="sldNum" idx="12"/>
           </p:nvPr>
         </p:nvSpPr>
         <p:spPr>
@@ -4573,7 +4706,7 @@
           </a:prstGeom>
         </p:spPr>
         <p:txBody>
-          <a:bodyPr anchorCtr="0" anchor="ctr" bIns="91425" lIns="91425" spcFirstLastPara="1" rIns="91425" wrap="square" tIns="91425">
+          <a:bodyPr spcFirstLastPara="1" wrap="square" lIns="91425" tIns="91425" rIns="91425" bIns="91425" anchor="ctr" anchorCtr="0">
             <a:normAutofit/>
           </a:bodyPr>
           <a:lstStyle>
@@ -4615,7 +4748,7 @@
             </a:lvl9pPr>
           </a:lstStyle>
           <a:p>
-            <a:pPr indent="0" lvl="0" marL="0" rtl="0" algn="r">
+            <a:pPr marL="0" lvl="0" indent="0" algn="r" rtl="0">
               <a:spcBef>
                 <a:spcPts val="0"/>
               </a:spcBef>
@@ -4641,11 +4774,11 @@
 </file>
 
 <file path=ppt/slideLayouts/slideLayout9.xml><?xml version="1.0" encoding="utf-8"?>
-<p:sldLayout xmlns:a="http://schemas.openxmlformats.org/drawingml/2006/main" xmlns:r="http://schemas.openxmlformats.org/officeDocument/2006/relationships" xmlns:mc="http://schemas.openxmlformats.org/markup-compatibility/2006" xmlns:mv="urn:schemas-microsoft-com:mac:vml" xmlns:p="http://schemas.openxmlformats.org/presentationml/2006/main" xmlns:c="http://schemas.openxmlformats.org/drawingml/2006/chart" xmlns:dgm="http://schemas.openxmlformats.org/drawingml/2006/diagram" xmlns:o="urn:schemas-microsoft-com:office:office" xmlns:v="urn:schemas-microsoft-com:vml" xmlns:pvml="urn:schemas-microsoft-com:office:powerpoint" xmlns:com="http://schemas.openxmlformats.org/drawingml/2006/compatibility" xmlns:p14="http://schemas.microsoft.com/office/powerpoint/2010/main" xmlns:p15="http://schemas.microsoft.com/office/powerpoint/2012/main" xmlns:ahyp="http://schemas.microsoft.com/office/drawing/2018/hyperlinkcolor" matchingName="Caption">
+<p:sldLayout xmlns:a="http://schemas.openxmlformats.org/drawingml/2006/main" xmlns:r="http://schemas.openxmlformats.org/officeDocument/2006/relationships" xmlns:p="http://schemas.openxmlformats.org/presentationml/2006/main" matchingName="Caption">
   <p:cSld name="CAPTION_ONLY">
     <p:spTree>
       <p:nvGrpSpPr>
-        <p:cNvPr id="41" name="Shape 41"/>
+        <p:cNvPr id="1" name="Shape 41"/>
         <p:cNvGrpSpPr/>
         <p:nvPr/>
       </p:nvGrpSpPr>
@@ -4660,9 +4793,11 @@
       <p:sp>
         <p:nvSpPr>
           <p:cNvPr id="42" name="Google Shape;42;p10"/>
-          <p:cNvSpPr txBox="1"/>
+          <p:cNvSpPr txBox="1">
+            <a:spLocks noGrp="1"/>
+          </p:cNvSpPr>
           <p:nvPr>
-            <p:ph idx="1" type="body"/>
+            <p:ph type="body" idx="1"/>
           </p:nvPr>
         </p:nvSpPr>
         <p:spPr>
@@ -4675,11 +4810,11 @@
           </a:prstGeom>
         </p:spPr>
         <p:txBody>
-          <a:bodyPr anchorCtr="0" anchor="ctr" bIns="91425" lIns="91425" spcFirstLastPara="1" rIns="91425" wrap="square" tIns="91425">
+          <a:bodyPr spcFirstLastPara="1" wrap="square" lIns="91425" tIns="91425" rIns="91425" bIns="91425" anchor="ctr" anchorCtr="0">
             <a:normAutofit/>
           </a:bodyPr>
           <a:lstStyle>
-            <a:lvl1pPr indent="-228600" lvl="0" marL="457200">
+            <a:lvl1pPr marL="457200" lvl="0" indent="-228600">
               <a:lnSpc>
                 <a:spcPct val="100000"/>
               </a:lnSpc>
@@ -4694,15 +4829,19 @@
               <a:defRPr/>
             </a:lvl1pPr>
           </a:lstStyle>
-          <a:p/>
+          <a:p>
+            <a:endParaRPr/>
+          </a:p>
         </p:txBody>
       </p:sp>
       <p:sp>
         <p:nvSpPr>
           <p:cNvPr id="43" name="Google Shape;43;p10"/>
-          <p:cNvSpPr txBox="1"/>
+          <p:cNvSpPr txBox="1">
+            <a:spLocks noGrp="1"/>
+          </p:cNvSpPr>
           <p:nvPr>
-            <p:ph idx="12" type="sldNum"/>
+            <p:ph type="sldNum" idx="12"/>
           </p:nvPr>
         </p:nvSpPr>
         <p:spPr>
@@ -4715,7 +4854,7 @@
           </a:prstGeom>
         </p:spPr>
         <p:txBody>
-          <a:bodyPr anchorCtr="0" anchor="ctr" bIns="91425" lIns="91425" spcFirstLastPara="1" rIns="91425" wrap="square" tIns="91425">
+          <a:bodyPr spcFirstLastPara="1" wrap="square" lIns="91425" tIns="91425" rIns="91425" bIns="91425" anchor="ctr" anchorCtr="0">
             <a:normAutofit/>
           </a:bodyPr>
           <a:lstStyle>
@@ -4757,7 +4896,7 @@
             </a:lvl9pPr>
           </a:lstStyle>
           <a:p>
-            <a:pPr indent="0" lvl="0" marL="0" rtl="0" algn="r">
+            <a:pPr marL="0" lvl="0" indent="0" algn="r" rtl="0">
               <a:spcBef>
                 <a:spcPts val="0"/>
               </a:spcBef>
@@ -4783,18 +4922,19 @@
 </file>
 
 <file path=ppt/slideMasters/slideMaster1.xml><?xml version="1.0" encoding="utf-8"?>
-<p:sldMaster xmlns:a="http://schemas.openxmlformats.org/drawingml/2006/main" xmlns:r="http://schemas.openxmlformats.org/officeDocument/2006/relationships" xmlns:mc="http://schemas.openxmlformats.org/markup-compatibility/2006" xmlns:mv="urn:schemas-microsoft-com:mac:vml" xmlns:p="http://schemas.openxmlformats.org/presentationml/2006/main" xmlns:c="http://schemas.openxmlformats.org/drawingml/2006/chart" xmlns:dgm="http://schemas.openxmlformats.org/drawingml/2006/diagram" xmlns:o="urn:schemas-microsoft-com:office:office" xmlns:v="urn:schemas-microsoft-com:vml" xmlns:pvml="urn:schemas-microsoft-com:office:powerpoint" xmlns:com="http://schemas.openxmlformats.org/drawingml/2006/compatibility" xmlns:p14="http://schemas.microsoft.com/office/powerpoint/2010/main" xmlns:p15="http://schemas.microsoft.com/office/powerpoint/2012/main" xmlns:ahyp="http://schemas.microsoft.com/office/drawing/2018/hyperlinkcolor">
+<p:sldMaster xmlns:a="http://schemas.openxmlformats.org/drawingml/2006/main" xmlns:r="http://schemas.openxmlformats.org/officeDocument/2006/relationships" xmlns:p="http://schemas.openxmlformats.org/presentationml/2006/main">
   <p:cSld name="simple-light-2">
     <p:bg>
       <p:bgPr>
         <a:solidFill>
           <a:schemeClr val="lt1"/>
         </a:solidFill>
+        <a:effectLst/>
       </p:bgPr>
     </p:bg>
     <p:spTree>
       <p:nvGrpSpPr>
-        <p:cNvPr id="5" name="Shape 5"/>
+        <p:cNvPr id="1" name="Shape 5"/>
         <p:cNvGrpSpPr/>
         <p:nvPr/>
       </p:nvGrpSpPr>
@@ -4809,7 +4949,9 @@
       <p:sp>
         <p:nvSpPr>
           <p:cNvPr id="6" name="Google Shape;6;p1"/>
-          <p:cNvSpPr txBox="1"/>
+          <p:cNvSpPr txBox="1">
+            <a:spLocks noGrp="1"/>
+          </p:cNvSpPr>
           <p:nvPr>
             <p:ph type="title"/>
           </p:nvPr>
@@ -4828,7 +4970,7 @@
           </a:ln>
         </p:spPr>
         <p:txBody>
-          <a:bodyPr anchorCtr="0" anchor="t" bIns="91425" lIns="91425" spcFirstLastPara="1" rIns="91425" wrap="square" tIns="91425">
+          <a:bodyPr spcFirstLastPara="1" wrap="square" lIns="91425" tIns="91425" rIns="91425" bIns="91425" anchor="t" anchorCtr="0">
             <a:normAutofit/>
           </a:bodyPr>
           <a:lstStyle>
@@ -4995,15 +5137,19 @@
               </a:defRPr>
             </a:lvl9pPr>
           </a:lstStyle>
-          <a:p/>
+          <a:p>
+            <a:endParaRPr/>
+          </a:p>
         </p:txBody>
       </p:sp>
       <p:sp>
         <p:nvSpPr>
           <p:cNvPr id="7" name="Google Shape;7;p1"/>
-          <p:cNvSpPr txBox="1"/>
+          <p:cNvSpPr txBox="1">
+            <a:spLocks noGrp="1"/>
+          </p:cNvSpPr>
           <p:nvPr>
-            <p:ph idx="1" type="body"/>
+            <p:ph type="body" idx="1"/>
           </p:nvPr>
         </p:nvSpPr>
         <p:spPr>
@@ -5020,11 +5166,11 @@
           </a:ln>
         </p:spPr>
         <p:txBody>
-          <a:bodyPr anchorCtr="0" anchor="t" bIns="91425" lIns="91425" spcFirstLastPara="1" rIns="91425" wrap="square" tIns="91425">
+          <a:bodyPr spcFirstLastPara="1" wrap="square" lIns="91425" tIns="91425" rIns="91425" bIns="91425" anchor="t" anchorCtr="0">
             <a:normAutofit/>
           </a:bodyPr>
           <a:lstStyle>
-            <a:lvl1pPr indent="-342900" lvl="0" marL="457200">
+            <a:lvl1pPr marL="457200" lvl="0" indent="-342900">
               <a:lnSpc>
                 <a:spcPct val="115000"/>
               </a:lnSpc>
@@ -5045,7 +5191,7 @@
                 </a:solidFill>
               </a:defRPr>
             </a:lvl1pPr>
-            <a:lvl2pPr indent="-317500" lvl="1" marL="914400">
+            <a:lvl2pPr marL="914400" lvl="1" indent="-317500">
               <a:lnSpc>
                 <a:spcPct val="115000"/>
               </a:lnSpc>
@@ -5066,7 +5212,7 @@
                 </a:solidFill>
               </a:defRPr>
             </a:lvl2pPr>
-            <a:lvl3pPr indent="-317500" lvl="2" marL="1371600">
+            <a:lvl3pPr marL="1371600" lvl="2" indent="-317500">
               <a:lnSpc>
                 <a:spcPct val="115000"/>
               </a:lnSpc>
@@ -5087,7 +5233,7 @@
                 </a:solidFill>
               </a:defRPr>
             </a:lvl3pPr>
-            <a:lvl4pPr indent="-317500" lvl="3" marL="1828800">
+            <a:lvl4pPr marL="1828800" lvl="3" indent="-317500">
               <a:lnSpc>
                 <a:spcPct val="115000"/>
               </a:lnSpc>
@@ -5108,7 +5254,7 @@
                 </a:solidFill>
               </a:defRPr>
             </a:lvl4pPr>
-            <a:lvl5pPr indent="-317500" lvl="4" marL="2286000">
+            <a:lvl5pPr marL="2286000" lvl="4" indent="-317500">
               <a:lnSpc>
                 <a:spcPct val="115000"/>
               </a:lnSpc>
@@ -5129,7 +5275,7 @@
                 </a:solidFill>
               </a:defRPr>
             </a:lvl5pPr>
-            <a:lvl6pPr indent="-317500" lvl="5" marL="2743200">
+            <a:lvl6pPr marL="2743200" lvl="5" indent="-317500">
               <a:lnSpc>
                 <a:spcPct val="115000"/>
               </a:lnSpc>
@@ -5150,7 +5296,7 @@
                 </a:solidFill>
               </a:defRPr>
             </a:lvl6pPr>
-            <a:lvl7pPr indent="-317500" lvl="6" marL="3200400">
+            <a:lvl7pPr marL="3200400" lvl="6" indent="-317500">
               <a:lnSpc>
                 <a:spcPct val="115000"/>
               </a:lnSpc>
@@ -5171,7 +5317,7 @@
                 </a:solidFill>
               </a:defRPr>
             </a:lvl7pPr>
-            <a:lvl8pPr indent="-317500" lvl="7" marL="3657600">
+            <a:lvl8pPr marL="3657600" lvl="7" indent="-317500">
               <a:lnSpc>
                 <a:spcPct val="115000"/>
               </a:lnSpc>
@@ -5192,7 +5338,7 @@
                 </a:solidFill>
               </a:defRPr>
             </a:lvl8pPr>
-            <a:lvl9pPr indent="-317500" lvl="8" marL="4114800">
+            <a:lvl9pPr marL="4114800" lvl="8" indent="-317500">
               <a:lnSpc>
                 <a:spcPct val="115000"/>
               </a:lnSpc>
@@ -5214,15 +5360,19 @@
               </a:defRPr>
             </a:lvl9pPr>
           </a:lstStyle>
-          <a:p/>
+          <a:p>
+            <a:endParaRPr/>
+          </a:p>
         </p:txBody>
       </p:sp>
       <p:sp>
         <p:nvSpPr>
           <p:cNvPr id="8" name="Google Shape;8;p1"/>
-          <p:cNvSpPr txBox="1"/>
+          <p:cNvSpPr txBox="1">
+            <a:spLocks noGrp="1"/>
+          </p:cNvSpPr>
           <p:nvPr>
-            <p:ph idx="12" type="sldNum"/>
+            <p:ph type="sldNum" idx="12"/>
           </p:nvPr>
         </p:nvSpPr>
         <p:spPr>
@@ -5239,7 +5389,7 @@
           </a:ln>
         </p:spPr>
         <p:txBody>
-          <a:bodyPr anchorCtr="0" anchor="ctr" bIns="91425" lIns="91425" spcFirstLastPara="1" rIns="91425" wrap="square" tIns="91425">
+          <a:bodyPr spcFirstLastPara="1" wrap="square" lIns="91425" tIns="91425" rIns="91425" bIns="91425" anchor="ctr" anchorCtr="0">
             <a:normAutofit/>
           </a:bodyPr>
           <a:lstStyle>
@@ -5317,7 +5467,7 @@
             </a:lvl9pPr>
           </a:lstStyle>
           <a:p>
-            <a:pPr indent="0" lvl="0" marL="0" rtl="0" algn="r">
+            <a:pPr marL="0" lvl="0" indent="0" algn="r" rtl="0">
               <a:spcBef>
                 <a:spcPts val="0"/>
               </a:spcBef>
@@ -5336,7 +5486,7 @@
       </p:sp>
     </p:spTree>
   </p:cSld>
-  <p:clrMap accent1="accent1" accent2="accent2" accent3="accent3" accent4="accent4" accent5="accent5" accent6="accent6" bg1="lt1" bg2="dk2" tx1="dk1" tx2="lt2" folHlink="folHlink" hlink="hlink"/>
+  <p:clrMap bg1="lt1" tx1="dk1" bg2="dk2" tx2="lt2" accent1="accent1" accent2="accent2" accent3="accent3" accent4="accent4" accent5="accent5" accent6="accent6" hlink="hlink" folHlink="folHlink"/>
   <p:sldLayoutIdLst>
     <p:sldLayoutId id="2147483648" r:id="rId1"/>
     <p:sldLayoutId id="2147483649" r:id="rId2"/>
@@ -5350,10 +5500,10 @@
     <p:sldLayoutId id="2147483657" r:id="rId10"/>
     <p:sldLayoutId id="2147483658" r:id="rId11"/>
   </p:sldLayoutIdLst>
-  <p:hf dt="0" ftr="0" hdr="0" sldNum="0"/>
+  <p:hf sldNum="0" hdr="0" ftr="0" dt="0"/>
   <p:txStyles>
     <p:titleStyle>
-      <a:defPPr lvl="0" marR="0" rtl="0" algn="l">
+      <a:defPPr marR="0" lvl="0" algn="l" rtl="0">
         <a:lnSpc>
           <a:spcPct val="100000"/>
         </a:lnSpc>
@@ -5364,7 +5514,7 @@
           <a:spcPts val="0"/>
         </a:spcAft>
       </a:defPPr>
-      <a:lvl1pPr lvl="0" marR="0" rtl="0" algn="l">
+      <a:lvl1pPr marR="0" lvl="0" algn="l" rtl="0">
         <a:lnSpc>
           <a:spcPct val="100000"/>
         </a:lnSpc>
@@ -5378,7 +5528,7 @@
           <a:srgbClr val="000000"/>
         </a:buClr>
         <a:buFont typeface="Arial"/>
-        <a:defRPr b="0" i="0" sz="1400" u="none" cap="none" strike="noStrike">
+        <a:defRPr sz="1400" b="0" i="0" u="none" strike="noStrike" cap="none">
           <a:solidFill>
             <a:srgbClr val="000000"/>
           </a:solidFill>
@@ -5388,7 +5538,7 @@
           <a:sym typeface="Arial"/>
         </a:defRPr>
       </a:lvl1pPr>
-      <a:lvl2pPr lvl="1" marR="0" rtl="0" algn="l">
+      <a:lvl2pPr marR="0" lvl="1" algn="l" rtl="0">
         <a:lnSpc>
           <a:spcPct val="100000"/>
         </a:lnSpc>
@@ -5402,7 +5552,7 @@
           <a:srgbClr val="000000"/>
         </a:buClr>
         <a:buFont typeface="Arial"/>
-        <a:defRPr b="0" i="0" sz="1400" u="none" cap="none" strike="noStrike">
+        <a:defRPr sz="1400" b="0" i="0" u="none" strike="noStrike" cap="none">
           <a:solidFill>
             <a:srgbClr val="000000"/>
           </a:solidFill>
@@ -5412,7 +5562,7 @@
           <a:sym typeface="Arial"/>
         </a:defRPr>
       </a:lvl2pPr>
-      <a:lvl3pPr lvl="2" marR="0" rtl="0" algn="l">
+      <a:lvl3pPr marR="0" lvl="2" algn="l" rtl="0">
         <a:lnSpc>
           <a:spcPct val="100000"/>
         </a:lnSpc>
@@ -5426,7 +5576,7 @@
           <a:srgbClr val="000000"/>
         </a:buClr>
         <a:buFont typeface="Arial"/>
-        <a:defRPr b="0" i="0" sz="1400" u="none" cap="none" strike="noStrike">
+        <a:defRPr sz="1400" b="0" i="0" u="none" strike="noStrike" cap="none">
           <a:solidFill>
             <a:srgbClr val="000000"/>
           </a:solidFill>
@@ -5436,7 +5586,7 @@
           <a:sym typeface="Arial"/>
         </a:defRPr>
       </a:lvl3pPr>
-      <a:lvl4pPr lvl="3" marR="0" rtl="0" algn="l">
+      <a:lvl4pPr marR="0" lvl="3" algn="l" rtl="0">
         <a:lnSpc>
           <a:spcPct val="100000"/>
         </a:lnSpc>
@@ -5450,7 +5600,7 @@
           <a:srgbClr val="000000"/>
         </a:buClr>
         <a:buFont typeface="Arial"/>
-        <a:defRPr b="0" i="0" sz="1400" u="none" cap="none" strike="noStrike">
+        <a:defRPr sz="1400" b="0" i="0" u="none" strike="noStrike" cap="none">
           <a:solidFill>
             <a:srgbClr val="000000"/>
           </a:solidFill>
@@ -5460,7 +5610,7 @@
           <a:sym typeface="Arial"/>
         </a:defRPr>
       </a:lvl4pPr>
-      <a:lvl5pPr lvl="4" marR="0" rtl="0" algn="l">
+      <a:lvl5pPr marR="0" lvl="4" algn="l" rtl="0">
         <a:lnSpc>
           <a:spcPct val="100000"/>
         </a:lnSpc>
@@ -5474,7 +5624,7 @@
           <a:srgbClr val="000000"/>
         </a:buClr>
         <a:buFont typeface="Arial"/>
-        <a:defRPr b="0" i="0" sz="1400" u="none" cap="none" strike="noStrike">
+        <a:defRPr sz="1400" b="0" i="0" u="none" strike="noStrike" cap="none">
           <a:solidFill>
             <a:srgbClr val="000000"/>
           </a:solidFill>
@@ -5484,7 +5634,7 @@
           <a:sym typeface="Arial"/>
         </a:defRPr>
       </a:lvl5pPr>
-      <a:lvl6pPr lvl="5" marR="0" rtl="0" algn="l">
+      <a:lvl6pPr marR="0" lvl="5" algn="l" rtl="0">
         <a:lnSpc>
           <a:spcPct val="100000"/>
         </a:lnSpc>
@@ -5498,7 +5648,7 @@
           <a:srgbClr val="000000"/>
         </a:buClr>
         <a:buFont typeface="Arial"/>
-        <a:defRPr b="0" i="0" sz="1400" u="none" cap="none" strike="noStrike">
+        <a:defRPr sz="1400" b="0" i="0" u="none" strike="noStrike" cap="none">
           <a:solidFill>
             <a:srgbClr val="000000"/>
           </a:solidFill>
@@ -5508,7 +5658,7 @@
           <a:sym typeface="Arial"/>
         </a:defRPr>
       </a:lvl6pPr>
-      <a:lvl7pPr lvl="6" marR="0" rtl="0" algn="l">
+      <a:lvl7pPr marR="0" lvl="6" algn="l" rtl="0">
         <a:lnSpc>
           <a:spcPct val="100000"/>
         </a:lnSpc>
@@ -5522,7 +5672,7 @@
           <a:srgbClr val="000000"/>
         </a:buClr>
         <a:buFont typeface="Arial"/>
-        <a:defRPr b="0" i="0" sz="1400" u="none" cap="none" strike="noStrike">
+        <a:defRPr sz="1400" b="0" i="0" u="none" strike="noStrike" cap="none">
           <a:solidFill>
             <a:srgbClr val="000000"/>
           </a:solidFill>
@@ -5532,7 +5682,7 @@
           <a:sym typeface="Arial"/>
         </a:defRPr>
       </a:lvl7pPr>
-      <a:lvl8pPr lvl="7" marR="0" rtl="0" algn="l">
+      <a:lvl8pPr marR="0" lvl="7" algn="l" rtl="0">
         <a:lnSpc>
           <a:spcPct val="100000"/>
         </a:lnSpc>
@@ -5546,7 +5696,7 @@
           <a:srgbClr val="000000"/>
         </a:buClr>
         <a:buFont typeface="Arial"/>
-        <a:defRPr b="0" i="0" sz="1400" u="none" cap="none" strike="noStrike">
+        <a:defRPr sz="1400" b="0" i="0" u="none" strike="noStrike" cap="none">
           <a:solidFill>
             <a:srgbClr val="000000"/>
           </a:solidFill>
@@ -5556,7 +5706,7 @@
           <a:sym typeface="Arial"/>
         </a:defRPr>
       </a:lvl8pPr>
-      <a:lvl9pPr lvl="8" marR="0" rtl="0" algn="l">
+      <a:lvl9pPr marR="0" lvl="8" algn="l" rtl="0">
         <a:lnSpc>
           <a:spcPct val="100000"/>
         </a:lnSpc>
@@ -5570,7 +5720,7 @@
           <a:srgbClr val="000000"/>
         </a:buClr>
         <a:buFont typeface="Arial"/>
-        <a:defRPr b="0" i="0" sz="1400" u="none" cap="none" strike="noStrike">
+        <a:defRPr sz="1400" b="0" i="0" u="none" strike="noStrike" cap="none">
           <a:solidFill>
             <a:srgbClr val="000000"/>
           </a:solidFill>
@@ -5582,7 +5732,7 @@
       </a:lvl9pPr>
     </p:titleStyle>
     <p:bodyStyle>
-      <a:defPPr lvl="0" marR="0" rtl="0" algn="l">
+      <a:defPPr marR="0" lvl="0" algn="l" rtl="0">
         <a:lnSpc>
           <a:spcPct val="100000"/>
         </a:lnSpc>
@@ -5593,7 +5743,7 @@
           <a:spcPts val="0"/>
         </a:spcAft>
       </a:defPPr>
-      <a:lvl1pPr lvl="0" marR="0" rtl="0" algn="l">
+      <a:lvl1pPr marR="0" lvl="0" algn="l" rtl="0">
         <a:lnSpc>
           <a:spcPct val="100000"/>
         </a:lnSpc>
@@ -5607,7 +5757,7 @@
           <a:srgbClr val="000000"/>
         </a:buClr>
         <a:buFont typeface="Arial"/>
-        <a:defRPr b="0" i="0" sz="1400" u="none" cap="none" strike="noStrike">
+        <a:defRPr sz="1400" b="0" i="0" u="none" strike="noStrike" cap="none">
           <a:solidFill>
             <a:srgbClr val="000000"/>
           </a:solidFill>
@@ -5617,7 +5767,7 @@
           <a:sym typeface="Arial"/>
         </a:defRPr>
       </a:lvl1pPr>
-      <a:lvl2pPr lvl="1" marR="0" rtl="0" algn="l">
+      <a:lvl2pPr marR="0" lvl="1" algn="l" rtl="0">
         <a:lnSpc>
           <a:spcPct val="100000"/>
         </a:lnSpc>
@@ -5631,7 +5781,7 @@
           <a:srgbClr val="000000"/>
         </a:buClr>
         <a:buFont typeface="Arial"/>
-        <a:defRPr b="0" i="0" sz="1400" u="none" cap="none" strike="noStrike">
+        <a:defRPr sz="1400" b="0" i="0" u="none" strike="noStrike" cap="none">
           <a:solidFill>
             <a:srgbClr val="000000"/>
           </a:solidFill>
@@ -5641,7 +5791,7 @@
           <a:sym typeface="Arial"/>
         </a:defRPr>
       </a:lvl2pPr>
-      <a:lvl3pPr lvl="2" marR="0" rtl="0" algn="l">
+      <a:lvl3pPr marR="0" lvl="2" algn="l" rtl="0">
         <a:lnSpc>
           <a:spcPct val="100000"/>
         </a:lnSpc>
@@ -5655,7 +5805,7 @@
           <a:srgbClr val="000000"/>
         </a:buClr>
         <a:buFont typeface="Arial"/>
-        <a:defRPr b="0" i="0" sz="1400" u="none" cap="none" strike="noStrike">
+        <a:defRPr sz="1400" b="0" i="0" u="none" strike="noStrike" cap="none">
           <a:solidFill>
             <a:srgbClr val="000000"/>
           </a:solidFill>
@@ -5665,7 +5815,7 @@
           <a:sym typeface="Arial"/>
         </a:defRPr>
       </a:lvl3pPr>
-      <a:lvl4pPr lvl="3" marR="0" rtl="0" algn="l">
+      <a:lvl4pPr marR="0" lvl="3" algn="l" rtl="0">
         <a:lnSpc>
           <a:spcPct val="100000"/>
         </a:lnSpc>
@@ -5679,7 +5829,7 @@
           <a:srgbClr val="000000"/>
         </a:buClr>
         <a:buFont typeface="Arial"/>
-        <a:defRPr b="0" i="0" sz="1400" u="none" cap="none" strike="noStrike">
+        <a:defRPr sz="1400" b="0" i="0" u="none" strike="noStrike" cap="none">
           <a:solidFill>
             <a:srgbClr val="000000"/>
           </a:solidFill>
@@ -5689,7 +5839,7 @@
           <a:sym typeface="Arial"/>
         </a:defRPr>
       </a:lvl4pPr>
-      <a:lvl5pPr lvl="4" marR="0" rtl="0" algn="l">
+      <a:lvl5pPr marR="0" lvl="4" algn="l" rtl="0">
         <a:lnSpc>
           <a:spcPct val="100000"/>
         </a:lnSpc>
@@ -5703,7 +5853,7 @@
           <a:srgbClr val="000000"/>
         </a:buClr>
         <a:buFont typeface="Arial"/>
-        <a:defRPr b="0" i="0" sz="1400" u="none" cap="none" strike="noStrike">
+        <a:defRPr sz="1400" b="0" i="0" u="none" strike="noStrike" cap="none">
           <a:solidFill>
             <a:srgbClr val="000000"/>
           </a:solidFill>
@@ -5713,7 +5863,7 @@
           <a:sym typeface="Arial"/>
         </a:defRPr>
       </a:lvl5pPr>
-      <a:lvl6pPr lvl="5" marR="0" rtl="0" algn="l">
+      <a:lvl6pPr marR="0" lvl="5" algn="l" rtl="0">
         <a:lnSpc>
           <a:spcPct val="100000"/>
         </a:lnSpc>
@@ -5727,7 +5877,7 @@
           <a:srgbClr val="000000"/>
         </a:buClr>
         <a:buFont typeface="Arial"/>
-        <a:defRPr b="0" i="0" sz="1400" u="none" cap="none" strike="noStrike">
+        <a:defRPr sz="1400" b="0" i="0" u="none" strike="noStrike" cap="none">
           <a:solidFill>
             <a:srgbClr val="000000"/>
           </a:solidFill>
@@ -5737,7 +5887,7 @@
           <a:sym typeface="Arial"/>
         </a:defRPr>
       </a:lvl6pPr>
-      <a:lvl7pPr lvl="6" marR="0" rtl="0" algn="l">
+      <a:lvl7pPr marR="0" lvl="6" algn="l" rtl="0">
         <a:lnSpc>
           <a:spcPct val="100000"/>
         </a:lnSpc>
@@ -5751,7 +5901,7 @@
           <a:srgbClr val="000000"/>
         </a:buClr>
         <a:buFont typeface="Arial"/>
-        <a:defRPr b="0" i="0" sz="1400" u="none" cap="none" strike="noStrike">
+        <a:defRPr sz="1400" b="0" i="0" u="none" strike="noStrike" cap="none">
           <a:solidFill>
             <a:srgbClr val="000000"/>
           </a:solidFill>
@@ -5761,7 +5911,7 @@
           <a:sym typeface="Arial"/>
         </a:defRPr>
       </a:lvl7pPr>
-      <a:lvl8pPr lvl="7" marR="0" rtl="0" algn="l">
+      <a:lvl8pPr marR="0" lvl="7" algn="l" rtl="0">
         <a:lnSpc>
           <a:spcPct val="100000"/>
         </a:lnSpc>
@@ -5775,7 +5925,7 @@
           <a:srgbClr val="000000"/>
         </a:buClr>
         <a:buFont typeface="Arial"/>
-        <a:defRPr b="0" i="0" sz="1400" u="none" cap="none" strike="noStrike">
+        <a:defRPr sz="1400" b="0" i="0" u="none" strike="noStrike" cap="none">
           <a:solidFill>
             <a:srgbClr val="000000"/>
           </a:solidFill>
@@ -5785,7 +5935,7 @@
           <a:sym typeface="Arial"/>
         </a:defRPr>
       </a:lvl8pPr>
-      <a:lvl9pPr lvl="8" marR="0" rtl="0" algn="l">
+      <a:lvl9pPr marR="0" lvl="8" algn="l" rtl="0">
         <a:lnSpc>
           <a:spcPct val="100000"/>
         </a:lnSpc>
@@ -5799,7 +5949,7 @@
           <a:srgbClr val="000000"/>
         </a:buClr>
         <a:buFont typeface="Arial"/>
-        <a:defRPr b="0" i="0" sz="1400" u="none" cap="none" strike="noStrike">
+        <a:defRPr sz="1400" b="0" i="0" u="none" strike="noStrike" cap="none">
           <a:solidFill>
             <a:srgbClr val="000000"/>
           </a:solidFill>
@@ -5811,7 +5961,7 @@
       </a:lvl9pPr>
     </p:bodyStyle>
     <p:otherStyle>
-      <a:defPPr lvl="0" marR="0" rtl="0" algn="l">
+      <a:defPPr marR="0" lvl="0" algn="l" rtl="0">
         <a:lnSpc>
           <a:spcPct val="100000"/>
         </a:lnSpc>
@@ -5822,7 +5972,7 @@
           <a:spcPts val="0"/>
         </a:spcAft>
       </a:defPPr>
-      <a:lvl1pPr lvl="0" marR="0" rtl="0" algn="l">
+      <a:lvl1pPr marR="0" lvl="0" algn="l" rtl="0">
         <a:lnSpc>
           <a:spcPct val="100000"/>
         </a:lnSpc>
@@ -5836,7 +5986,7 @@
           <a:srgbClr val="000000"/>
         </a:buClr>
         <a:buFont typeface="Arial"/>
-        <a:defRPr b="0" i="0" sz="1400" u="none" cap="none" strike="noStrike">
+        <a:defRPr sz="1400" b="0" i="0" u="none" strike="noStrike" cap="none">
           <a:solidFill>
             <a:srgbClr val="000000"/>
           </a:solidFill>
@@ -5846,7 +5996,7 @@
           <a:sym typeface="Arial"/>
         </a:defRPr>
       </a:lvl1pPr>
-      <a:lvl2pPr lvl="1" marR="0" rtl="0" algn="l">
+      <a:lvl2pPr marR="0" lvl="1" algn="l" rtl="0">
         <a:lnSpc>
           <a:spcPct val="100000"/>
         </a:lnSpc>
@@ -5860,7 +6010,7 @@
           <a:srgbClr val="000000"/>
         </a:buClr>
         <a:buFont typeface="Arial"/>
-        <a:defRPr b="0" i="0" sz="1400" u="none" cap="none" strike="noStrike">
+        <a:defRPr sz="1400" b="0" i="0" u="none" strike="noStrike" cap="none">
           <a:solidFill>
             <a:srgbClr val="000000"/>
           </a:solidFill>
@@ -5870,7 +6020,7 @@
           <a:sym typeface="Arial"/>
         </a:defRPr>
       </a:lvl2pPr>
-      <a:lvl3pPr lvl="2" marR="0" rtl="0" algn="l">
+      <a:lvl3pPr marR="0" lvl="2" algn="l" rtl="0">
         <a:lnSpc>
           <a:spcPct val="100000"/>
         </a:lnSpc>
@@ -5884,7 +6034,7 @@
           <a:srgbClr val="000000"/>
         </a:buClr>
         <a:buFont typeface="Arial"/>
-        <a:defRPr b="0" i="0" sz="1400" u="none" cap="none" strike="noStrike">
+        <a:defRPr sz="1400" b="0" i="0" u="none" strike="noStrike" cap="none">
           <a:solidFill>
             <a:srgbClr val="000000"/>
           </a:solidFill>
@@ -5894,7 +6044,7 @@
           <a:sym typeface="Arial"/>
         </a:defRPr>
       </a:lvl3pPr>
-      <a:lvl4pPr lvl="3" marR="0" rtl="0" algn="l">
+      <a:lvl4pPr marR="0" lvl="3" algn="l" rtl="0">
         <a:lnSpc>
           <a:spcPct val="100000"/>
         </a:lnSpc>
@@ -5908,7 +6058,7 @@
           <a:srgbClr val="000000"/>
         </a:buClr>
         <a:buFont typeface="Arial"/>
-        <a:defRPr b="0" i="0" sz="1400" u="none" cap="none" strike="noStrike">
+        <a:defRPr sz="1400" b="0" i="0" u="none" strike="noStrike" cap="none">
           <a:solidFill>
             <a:srgbClr val="000000"/>
           </a:solidFill>
@@ -5918,7 +6068,7 @@
           <a:sym typeface="Arial"/>
         </a:defRPr>
       </a:lvl4pPr>
-      <a:lvl5pPr lvl="4" marR="0" rtl="0" algn="l">
+      <a:lvl5pPr marR="0" lvl="4" algn="l" rtl="0">
         <a:lnSpc>
           <a:spcPct val="100000"/>
         </a:lnSpc>
@@ -5932,7 +6082,7 @@
           <a:srgbClr val="000000"/>
         </a:buClr>
         <a:buFont typeface="Arial"/>
-        <a:defRPr b="0" i="0" sz="1400" u="none" cap="none" strike="noStrike">
+        <a:defRPr sz="1400" b="0" i="0" u="none" strike="noStrike" cap="none">
           <a:solidFill>
             <a:srgbClr val="000000"/>
           </a:solidFill>
@@ -5942,7 +6092,7 @@
           <a:sym typeface="Arial"/>
         </a:defRPr>
       </a:lvl5pPr>
-      <a:lvl6pPr lvl="5" marR="0" rtl="0" algn="l">
+      <a:lvl6pPr marR="0" lvl="5" algn="l" rtl="0">
         <a:lnSpc>
           <a:spcPct val="100000"/>
         </a:lnSpc>
@@ -5956,7 +6106,7 @@
           <a:srgbClr val="000000"/>
         </a:buClr>
         <a:buFont typeface="Arial"/>
-        <a:defRPr b="0" i="0" sz="1400" u="none" cap="none" strike="noStrike">
+        <a:defRPr sz="1400" b="0" i="0" u="none" strike="noStrike" cap="none">
           <a:solidFill>
             <a:srgbClr val="000000"/>
           </a:solidFill>
@@ -5966,7 +6116,7 @@
           <a:sym typeface="Arial"/>
         </a:defRPr>
       </a:lvl6pPr>
-      <a:lvl7pPr lvl="6" marR="0" rtl="0" algn="l">
+      <a:lvl7pPr marR="0" lvl="6" algn="l" rtl="0">
         <a:lnSpc>
           <a:spcPct val="100000"/>
         </a:lnSpc>
@@ -5980,7 +6130,7 @@
           <a:srgbClr val="000000"/>
         </a:buClr>
         <a:buFont typeface="Arial"/>
-        <a:defRPr b="0" i="0" sz="1400" u="none" cap="none" strike="noStrike">
+        <a:defRPr sz="1400" b="0" i="0" u="none" strike="noStrike" cap="none">
           <a:solidFill>
             <a:srgbClr val="000000"/>
           </a:solidFill>
@@ -5990,7 +6140,7 @@
           <a:sym typeface="Arial"/>
         </a:defRPr>
       </a:lvl7pPr>
-      <a:lvl8pPr lvl="7" marR="0" rtl="0" algn="l">
+      <a:lvl8pPr marR="0" lvl="7" algn="l" rtl="0">
         <a:lnSpc>
           <a:spcPct val="100000"/>
         </a:lnSpc>
@@ -6004,7 +6154,7 @@
           <a:srgbClr val="000000"/>
         </a:buClr>
         <a:buFont typeface="Arial"/>
-        <a:defRPr b="0" i="0" sz="1400" u="none" cap="none" strike="noStrike">
+        <a:defRPr sz="1400" b="0" i="0" u="none" strike="noStrike" cap="none">
           <a:solidFill>
             <a:srgbClr val="000000"/>
           </a:solidFill>
@@ -6014,7 +6164,7 @@
           <a:sym typeface="Arial"/>
         </a:defRPr>
       </a:lvl8pPr>
-      <a:lvl9pPr lvl="8" marR="0" rtl="0" algn="l">
+      <a:lvl9pPr marR="0" lvl="8" algn="l" rtl="0">
         <a:lnSpc>
           <a:spcPct val="100000"/>
         </a:lnSpc>
@@ -6028,7 +6178,7 @@
           <a:srgbClr val="000000"/>
         </a:buClr>
         <a:buFont typeface="Arial"/>
-        <a:defRPr b="0" i="0" sz="1400" u="none" cap="none" strike="noStrike">
+        <a:defRPr sz="1400" b="0" i="0" u="none" strike="noStrike" cap="none">
           <a:solidFill>
             <a:srgbClr val="000000"/>
           </a:solidFill>
@@ -6044,18 +6194,19 @@
 </file>
 
 <file path=ppt/slides/slide1.xml><?xml version="1.0" encoding="utf-8"?>
-<p:sld xmlns:a="http://schemas.openxmlformats.org/drawingml/2006/main" xmlns:r="http://schemas.openxmlformats.org/officeDocument/2006/relationships" xmlns:mc="http://schemas.openxmlformats.org/markup-compatibility/2006" xmlns:mv="urn:schemas-microsoft-com:mac:vml" xmlns:p="http://schemas.openxmlformats.org/presentationml/2006/main" xmlns:c="http://schemas.openxmlformats.org/drawingml/2006/chart" xmlns:dgm="http://schemas.openxmlformats.org/drawingml/2006/diagram" xmlns:o="urn:schemas-microsoft-com:office:office" xmlns:v="urn:schemas-microsoft-com:vml" xmlns:pvml="urn:schemas-microsoft-com:office:powerpoint" xmlns:com="http://schemas.openxmlformats.org/drawingml/2006/compatibility" xmlns:p14="http://schemas.microsoft.com/office/powerpoint/2010/main" xmlns:p15="http://schemas.microsoft.com/office/powerpoint/2012/main" xmlns:ahyp="http://schemas.microsoft.com/office/drawing/2018/hyperlinkcolor">
+<p:sld xmlns:a="http://schemas.openxmlformats.org/drawingml/2006/main" xmlns:r="http://schemas.openxmlformats.org/officeDocument/2006/relationships" xmlns:p="http://schemas.openxmlformats.org/presentationml/2006/main">
   <p:cSld>
     <p:bg>
       <p:bgPr>
         <a:solidFill>
           <a:schemeClr val="dk2"/>
         </a:solidFill>
+        <a:effectLst/>
       </p:bgPr>
     </p:bg>
     <p:spTree>
       <p:nvGrpSpPr>
-        <p:cNvPr id="53" name="Shape 53"/>
+        <p:cNvPr id="1" name="Shape 53"/>
         <p:cNvGrpSpPr/>
         <p:nvPr/>
       </p:nvGrpSpPr>
@@ -6070,7 +6221,9 @@
       <p:sp>
         <p:nvSpPr>
           <p:cNvPr id="54" name="Google Shape;54;p13"/>
-          <p:cNvSpPr txBox="1"/>
+          <p:cNvSpPr txBox="1">
+            <a:spLocks noGrp="1"/>
+          </p:cNvSpPr>
           <p:nvPr>
             <p:ph type="ctrTitle"/>
           </p:nvPr>
@@ -6085,12 +6238,12 @@
           </a:prstGeom>
         </p:spPr>
         <p:txBody>
-          <a:bodyPr anchorCtr="0" anchor="b" bIns="91425" lIns="91425" spcFirstLastPara="1" rIns="91425" wrap="square" tIns="91425">
+          <a:bodyPr spcFirstLastPara="1" wrap="square" lIns="91425" tIns="91425" rIns="91425" bIns="91425" anchor="b" anchorCtr="0">
             <a:normAutofit/>
           </a:bodyPr>
           <a:lstStyle/>
           <a:p>
-            <a:pPr indent="0" lvl="0" marL="0" rtl="0" algn="ctr">
+            <a:pPr marL="0" lvl="0" indent="0" algn="ctr" rtl="0">
               <a:spcBef>
                 <a:spcPts val="0"/>
               </a:spcBef>
@@ -6110,9 +6263,11 @@
       <p:sp>
         <p:nvSpPr>
           <p:cNvPr id="55" name="Google Shape;55;p13"/>
-          <p:cNvSpPr txBox="1"/>
+          <p:cNvSpPr txBox="1">
+            <a:spLocks noGrp="1"/>
+          </p:cNvSpPr>
           <p:nvPr>
-            <p:ph idx="1" type="subTitle"/>
+            <p:ph type="subTitle" idx="1"/>
           </p:nvPr>
         </p:nvSpPr>
         <p:spPr>
@@ -6125,12 +6280,12 @@
           </a:prstGeom>
         </p:spPr>
         <p:txBody>
-          <a:bodyPr anchorCtr="0" anchor="t" bIns="91425" lIns="91425" spcFirstLastPara="1" rIns="91425" wrap="square" tIns="91425">
+          <a:bodyPr spcFirstLastPara="1" wrap="square" lIns="91425" tIns="91425" rIns="91425" bIns="91425" anchor="t" anchorCtr="0">
             <a:normAutofit/>
           </a:bodyPr>
           <a:lstStyle/>
           <a:p>
-            <a:pPr indent="0" lvl="0" marL="0" rtl="0" algn="ctr">
+            <a:pPr marL="0" lvl="0" indent="0" algn="ctr" rtl="0">
               <a:spcBef>
                 <a:spcPts val="0"/>
               </a:spcBef>
@@ -6139,9 +6294,6 @@
               </a:spcAft>
               <a:buNone/>
             </a:pPr>
-            <a:r>
-              <a:t/>
-            </a:r>
             <a:endParaRPr/>
           </a:p>
         </p:txBody>
@@ -6155,18 +6307,19 @@
 </file>
 
 <file path=ppt/slides/slide2.xml><?xml version="1.0" encoding="utf-8"?>
-<p:sld xmlns:a="http://schemas.openxmlformats.org/drawingml/2006/main" xmlns:r="http://schemas.openxmlformats.org/officeDocument/2006/relationships" xmlns:mc="http://schemas.openxmlformats.org/markup-compatibility/2006" xmlns:mv="urn:schemas-microsoft-com:mac:vml" xmlns:p="http://schemas.openxmlformats.org/presentationml/2006/main" xmlns:c="http://schemas.openxmlformats.org/drawingml/2006/chart" xmlns:dgm="http://schemas.openxmlformats.org/drawingml/2006/diagram" xmlns:o="urn:schemas-microsoft-com:office:office" xmlns:v="urn:schemas-microsoft-com:vml" xmlns:pvml="urn:schemas-microsoft-com:office:powerpoint" xmlns:com="http://schemas.openxmlformats.org/drawingml/2006/compatibility" xmlns:p14="http://schemas.microsoft.com/office/powerpoint/2010/main" xmlns:p15="http://schemas.microsoft.com/office/powerpoint/2012/main" xmlns:ahyp="http://schemas.microsoft.com/office/drawing/2018/hyperlinkcolor">
+<p:sld xmlns:a="http://schemas.openxmlformats.org/drawingml/2006/main" xmlns:r="http://schemas.openxmlformats.org/officeDocument/2006/relationships" xmlns:p="http://schemas.openxmlformats.org/presentationml/2006/main">
   <p:cSld>
     <p:bg>
       <p:bgPr>
         <a:solidFill>
           <a:schemeClr val="dk2"/>
         </a:solidFill>
+        <a:effectLst/>
       </p:bgPr>
     </p:bg>
     <p:spTree>
       <p:nvGrpSpPr>
-        <p:cNvPr id="59" name="Shape 59"/>
+        <p:cNvPr id="1" name="Shape 59"/>
         <p:cNvGrpSpPr/>
         <p:nvPr/>
       </p:nvGrpSpPr>
@@ -6181,7 +6334,9 @@
       <p:sp>
         <p:nvSpPr>
           <p:cNvPr id="60" name="Google Shape;60;p14"/>
-          <p:cNvSpPr txBox="1"/>
+          <p:cNvSpPr txBox="1">
+            <a:spLocks noGrp="1"/>
+          </p:cNvSpPr>
           <p:nvPr>
             <p:ph type="title"/>
           </p:nvPr>
@@ -6196,12 +6351,12 @@
           </a:prstGeom>
         </p:spPr>
         <p:txBody>
-          <a:bodyPr anchorCtr="0" anchor="t" bIns="91425" lIns="91425" spcFirstLastPara="1" rIns="91425" wrap="square" tIns="91425">
+          <a:bodyPr spcFirstLastPara="1" wrap="square" lIns="91425" tIns="91425" rIns="91425" bIns="91425" anchor="t" anchorCtr="0">
             <a:noAutofit/>
           </a:bodyPr>
           <a:lstStyle/>
           <a:p>
-            <a:pPr indent="0" lvl="0" marL="0" rtl="0" algn="ctr">
+            <a:pPr marL="0" lvl="0" indent="0" algn="ctr" rtl="0">
               <a:spcBef>
                 <a:spcPts val="0"/>
               </a:spcBef>
@@ -6212,19 +6367,21 @@
               <a:buNone/>
             </a:pPr>
             <a:r>
-              <a:rPr b="1" lang="hu" sz="2920"/>
+              <a:rPr lang="hu" sz="2920" b="1"/>
               <a:t>Feladatkiosztás</a:t>
             </a:r>
-            <a:endParaRPr b="1" sz="2920"/>
+            <a:endParaRPr sz="2920" b="1"/>
           </a:p>
         </p:txBody>
       </p:sp>
       <p:sp>
         <p:nvSpPr>
           <p:cNvPr id="61" name="Google Shape;61;p14"/>
-          <p:cNvSpPr txBox="1"/>
+          <p:cNvSpPr txBox="1">
+            <a:spLocks noGrp="1"/>
+          </p:cNvSpPr>
           <p:nvPr>
-            <p:ph idx="1" type="body"/>
+            <p:ph type="body" idx="1"/>
           </p:nvPr>
         </p:nvSpPr>
         <p:spPr>
@@ -6237,12 +6394,12 @@
           </a:prstGeom>
         </p:spPr>
         <p:txBody>
-          <a:bodyPr anchorCtr="0" anchor="t" bIns="91425" lIns="91425" spcFirstLastPara="1" rIns="91425" wrap="square" tIns="91425">
+          <a:bodyPr spcFirstLastPara="1" wrap="square" lIns="91425" tIns="91425" rIns="91425" bIns="91425" anchor="t" anchorCtr="0">
             <a:normAutofit/>
           </a:bodyPr>
           <a:lstStyle/>
           <a:p>
-            <a:pPr indent="0" lvl="0" marL="0" rtl="0" algn="ctr">
+            <a:pPr marL="0" lvl="0" indent="0" algn="ctr" rtl="0">
               <a:lnSpc>
                 <a:spcPct val="95000"/>
               </a:lnSpc>
@@ -6256,7 +6413,7 @@
               <a:buNone/>
             </a:pPr>
             <a:r>
-              <a:rPr b="1" lang="hu" sz="1740">
+              <a:rPr lang="hu" sz="1740" b="1">
                 <a:solidFill>
                   <a:srgbClr val="FFFFFF"/>
                 </a:solidFill>
@@ -6265,19 +6422,7 @@
                 <a:cs typeface="Roboto Mono"/>
                 <a:sym typeface="Roboto Mono"/>
               </a:rPr>
-              <a:t>Document</a:t>
-            </a:r>
-            <a:r>
-              <a:rPr b="1" lang="hu" sz="1740">
-                <a:solidFill>
-                  <a:srgbClr val="FFFFFF"/>
-                </a:solidFill>
-                <a:latin typeface="Roboto Mono"/>
-                <a:ea typeface="Roboto Mono"/>
-                <a:cs typeface="Roboto Mono"/>
-                <a:sym typeface="Roboto Mono"/>
-              </a:rPr>
-              <a:t> scanner:</a:t>
+              <a:t>Document scanner:</a:t>
             </a:r>
             <a:br>
               <a:rPr lang="hu" sz="1740">
@@ -6317,9 +6462,11 @@
       <p:sp>
         <p:nvSpPr>
           <p:cNvPr id="62" name="Google Shape;62;p14"/>
-          <p:cNvSpPr txBox="1"/>
+          <p:cNvSpPr txBox="1">
+            <a:spLocks noGrp="1"/>
+          </p:cNvSpPr>
           <p:nvPr>
-            <p:ph idx="1" type="body"/>
+            <p:ph type="body" idx="1"/>
           </p:nvPr>
         </p:nvSpPr>
         <p:spPr>
@@ -6332,12 +6479,12 @@
           </a:prstGeom>
         </p:spPr>
         <p:txBody>
-          <a:bodyPr anchorCtr="0" anchor="t" bIns="91425" lIns="91425" spcFirstLastPara="1" rIns="91425" wrap="square" tIns="91425">
+          <a:bodyPr spcFirstLastPara="1" wrap="square" lIns="91425" tIns="91425" rIns="91425" bIns="91425" anchor="t" anchorCtr="0">
             <a:normAutofit/>
           </a:bodyPr>
           <a:lstStyle/>
           <a:p>
-            <a:pPr indent="0" lvl="0" marL="0" rtl="0" algn="ctr">
+            <a:pPr marL="0" lvl="0" indent="0" algn="ctr" rtl="0">
               <a:lnSpc>
                 <a:spcPct val="95000"/>
               </a:lnSpc>
@@ -6351,20 +6498,12 @@
               <a:buNone/>
             </a:pPr>
             <a:r>
-              <a:rPr b="1" lang="hu" sz="1740">
+              <a:rPr lang="hu" sz="1740" b="1">
                 <a:solidFill>
                   <a:srgbClr val="FFFFFF"/>
                 </a:solidFill>
               </a:rPr>
-              <a:t>Number plate detected</a:t>
-            </a:r>
-            <a:r>
-              <a:rPr b="1" lang="hu" sz="1740">
-                <a:solidFill>
-                  <a:srgbClr val="FFFFFF"/>
-                </a:solidFill>
-              </a:rPr>
-              <a:t>:</a:t>
+              <a:t>Number plate detected:</a:t>
             </a:r>
             <a:br>
               <a:rPr lang="hu" sz="1840">
@@ -6400,9 +6539,11 @@
       <p:sp>
         <p:nvSpPr>
           <p:cNvPr id="63" name="Google Shape;63;p14"/>
-          <p:cNvSpPr txBox="1"/>
+          <p:cNvSpPr txBox="1">
+            <a:spLocks noGrp="1"/>
+          </p:cNvSpPr>
           <p:nvPr>
-            <p:ph idx="1" type="body"/>
+            <p:ph type="body" idx="1"/>
           </p:nvPr>
         </p:nvSpPr>
         <p:spPr>
@@ -6415,12 +6556,12 @@
           </a:prstGeom>
         </p:spPr>
         <p:txBody>
-          <a:bodyPr anchorCtr="0" anchor="t" bIns="91425" lIns="91425" spcFirstLastPara="1" rIns="91425" wrap="square" tIns="91425">
+          <a:bodyPr spcFirstLastPara="1" wrap="square" lIns="91425" tIns="91425" rIns="91425" bIns="91425" anchor="t" anchorCtr="0">
             <a:normAutofit/>
           </a:bodyPr>
           <a:lstStyle/>
           <a:p>
-            <a:pPr indent="0" lvl="0" marL="0" rtl="0" algn="ctr">
+            <a:pPr marL="0" lvl="0" indent="0" algn="ctr" rtl="0">
               <a:lnSpc>
                 <a:spcPct val="105000"/>
               </a:lnSpc>
@@ -6433,7 +6574,7 @@
               <a:buNone/>
             </a:pPr>
             <a:r>
-              <a:rPr b="1" lang="hu" sz="1700">
+              <a:rPr lang="hu" sz="1700" b="1">
                 <a:solidFill>
                   <a:srgbClr val="FFFFFF"/>
                 </a:solidFill>
@@ -6445,7 +6586,7 @@
               <a:t>Virtual paint:</a:t>
             </a:r>
             <a:br>
-              <a:rPr b="1" lang="hu" sz="1700">
+              <a:rPr lang="hu" sz="1700" b="1">
                 <a:solidFill>
                   <a:srgbClr val="FFFFFF"/>
                 </a:solidFill>
@@ -6572,18 +6713,19 @@
 </file>
 
 <file path=ppt/slides/slide3.xml><?xml version="1.0" encoding="utf-8"?>
-<p:sld xmlns:a="http://schemas.openxmlformats.org/drawingml/2006/main" xmlns:r="http://schemas.openxmlformats.org/officeDocument/2006/relationships" xmlns:mc="http://schemas.openxmlformats.org/markup-compatibility/2006" xmlns:mv="urn:schemas-microsoft-com:mac:vml" xmlns:p="http://schemas.openxmlformats.org/presentationml/2006/main" xmlns:c="http://schemas.openxmlformats.org/drawingml/2006/chart" xmlns:dgm="http://schemas.openxmlformats.org/drawingml/2006/diagram" xmlns:o="urn:schemas-microsoft-com:office:office" xmlns:v="urn:schemas-microsoft-com:vml" xmlns:pvml="urn:schemas-microsoft-com:office:powerpoint" xmlns:com="http://schemas.openxmlformats.org/drawingml/2006/compatibility" xmlns:p14="http://schemas.microsoft.com/office/powerpoint/2010/main" xmlns:p15="http://schemas.microsoft.com/office/powerpoint/2012/main" xmlns:ahyp="http://schemas.microsoft.com/office/drawing/2018/hyperlinkcolor">
+<p:sld xmlns:a="http://schemas.openxmlformats.org/drawingml/2006/main" xmlns:r="http://schemas.openxmlformats.org/officeDocument/2006/relationships" xmlns:p="http://schemas.openxmlformats.org/presentationml/2006/main">
   <p:cSld>
     <p:bg>
       <p:bgPr>
         <a:solidFill>
           <a:schemeClr val="dk2"/>
         </a:solidFill>
+        <a:effectLst/>
       </p:bgPr>
     </p:bg>
     <p:spTree>
       <p:nvGrpSpPr>
-        <p:cNvPr id="70" name="Shape 70"/>
+        <p:cNvPr id="1" name="Shape 70"/>
         <p:cNvGrpSpPr/>
         <p:nvPr/>
       </p:nvGrpSpPr>
@@ -6598,7 +6740,9 @@
       <p:sp>
         <p:nvSpPr>
           <p:cNvPr id="71" name="Google Shape;71;p15"/>
-          <p:cNvSpPr txBox="1"/>
+          <p:cNvSpPr txBox="1">
+            <a:spLocks noGrp="1"/>
+          </p:cNvSpPr>
           <p:nvPr>
             <p:ph type="title"/>
           </p:nvPr>
@@ -6613,12 +6757,12 @@
           </a:prstGeom>
         </p:spPr>
         <p:txBody>
-          <a:bodyPr anchorCtr="0" anchor="t" bIns="91425" lIns="91425" spcFirstLastPara="1" rIns="91425" wrap="square" tIns="91425">
+          <a:bodyPr spcFirstLastPara="1" wrap="square" lIns="91425" tIns="91425" rIns="91425" bIns="91425" anchor="t" anchorCtr="0">
             <a:normAutofit fontScale="90000"/>
           </a:bodyPr>
           <a:lstStyle/>
           <a:p>
-            <a:pPr indent="0" lvl="0" marL="0" rtl="0" algn="l">
+            <a:pPr marL="0" lvl="0" indent="0" algn="l" rtl="0">
               <a:spcBef>
                 <a:spcPts val="0"/>
               </a:spcBef>
@@ -6628,7 +6772,7 @@
               <a:buNone/>
             </a:pPr>
             <a:r>
-              <a:rPr b="1" lang="hu">
+              <a:rPr lang="hu" b="1">
                 <a:solidFill>
                   <a:srgbClr val="000000"/>
                 </a:solidFill>
@@ -6646,9 +6790,11 @@
       <p:sp>
         <p:nvSpPr>
           <p:cNvPr id="72" name="Google Shape;72;p15"/>
-          <p:cNvSpPr txBox="1"/>
+          <p:cNvSpPr txBox="1">
+            <a:spLocks noGrp="1"/>
+          </p:cNvSpPr>
           <p:nvPr>
-            <p:ph idx="1" type="body"/>
+            <p:ph type="body" idx="1"/>
           </p:nvPr>
         </p:nvSpPr>
         <p:spPr>
@@ -6661,12 +6807,12 @@
           </a:prstGeom>
         </p:spPr>
         <p:txBody>
-          <a:bodyPr anchorCtr="0" anchor="t" bIns="91425" lIns="91425" spcFirstLastPara="1" rIns="91425" wrap="square" tIns="91425">
+          <a:bodyPr spcFirstLastPara="1" wrap="square" lIns="91425" tIns="91425" rIns="91425" bIns="91425" anchor="t" anchorCtr="0">
             <a:normAutofit/>
           </a:bodyPr>
           <a:lstStyle/>
           <a:p>
-            <a:pPr indent="0" lvl="0" marL="0" rtl="0" algn="l">
+            <a:pPr marL="0" lvl="0" indent="0" algn="l" rtl="0">
               <a:spcBef>
                 <a:spcPts val="0"/>
               </a:spcBef>
@@ -6676,7 +6822,7 @@
               <a:buNone/>
             </a:pPr>
             <a:r>
-              <a:rPr b="1" lang="hu">
+              <a:rPr lang="hu" b="1">
                 <a:solidFill>
                   <a:srgbClr val="FFFFFF"/>
                 </a:solidFill>
@@ -6698,7 +6844,7 @@
             </a:endParaRPr>
           </a:p>
           <a:p>
-            <a:pPr indent="0" lvl="0" marL="0" rtl="0" algn="l">
+            <a:pPr marL="0" lvl="0" indent="0" algn="l" rtl="0">
               <a:spcBef>
                 <a:spcPts val="1200"/>
               </a:spcBef>
@@ -6707,9 +6853,6 @@
               </a:spcAft>
               <a:buNone/>
             </a:pPr>
-            <a:r>
-              <a:t/>
-            </a:r>
             <a:endParaRPr b="1">
               <a:solidFill>
                 <a:srgbClr val="FFFFFF"/>
@@ -6759,18 +6902,19 @@
 </file>
 
 <file path=ppt/slides/slide4.xml><?xml version="1.0" encoding="utf-8"?>
-<p:sld xmlns:a="http://schemas.openxmlformats.org/drawingml/2006/main" xmlns:r="http://schemas.openxmlformats.org/officeDocument/2006/relationships" xmlns:mc="http://schemas.openxmlformats.org/markup-compatibility/2006" xmlns:mv="urn:schemas-microsoft-com:mac:vml" xmlns:p="http://schemas.openxmlformats.org/presentationml/2006/main" xmlns:c="http://schemas.openxmlformats.org/drawingml/2006/chart" xmlns:dgm="http://schemas.openxmlformats.org/drawingml/2006/diagram" xmlns:o="urn:schemas-microsoft-com:office:office" xmlns:v="urn:schemas-microsoft-com:vml" xmlns:pvml="urn:schemas-microsoft-com:office:powerpoint" xmlns:com="http://schemas.openxmlformats.org/drawingml/2006/compatibility" xmlns:p14="http://schemas.microsoft.com/office/powerpoint/2010/main" xmlns:p15="http://schemas.microsoft.com/office/powerpoint/2012/main" xmlns:ahyp="http://schemas.microsoft.com/office/drawing/2018/hyperlinkcolor">
+<p:sld xmlns:a="http://schemas.openxmlformats.org/drawingml/2006/main" xmlns:r="http://schemas.openxmlformats.org/officeDocument/2006/relationships" xmlns:p="http://schemas.openxmlformats.org/presentationml/2006/main">
   <p:cSld>
     <p:bg>
       <p:bgPr>
         <a:solidFill>
           <a:schemeClr val="dk2"/>
         </a:solidFill>
+        <a:effectLst/>
       </p:bgPr>
     </p:bg>
     <p:spTree>
       <p:nvGrpSpPr>
-        <p:cNvPr id="77" name="Shape 77"/>
+        <p:cNvPr id="1" name="Shape 77"/>
         <p:cNvGrpSpPr/>
         <p:nvPr/>
       </p:nvGrpSpPr>
@@ -6785,7 +6929,9 @@
       <p:sp>
         <p:nvSpPr>
           <p:cNvPr id="78" name="Google Shape;78;p16"/>
-          <p:cNvSpPr txBox="1"/>
+          <p:cNvSpPr txBox="1">
+            <a:spLocks noGrp="1"/>
+          </p:cNvSpPr>
           <p:nvPr>
             <p:ph type="title"/>
           </p:nvPr>
@@ -6800,12 +6946,12 @@
           </a:prstGeom>
         </p:spPr>
         <p:txBody>
-          <a:bodyPr anchorCtr="0" anchor="t" bIns="91425" lIns="91425" spcFirstLastPara="1" rIns="91425" wrap="square" tIns="91425">
+          <a:bodyPr spcFirstLastPara="1" wrap="square" lIns="91425" tIns="91425" rIns="91425" bIns="91425" anchor="t" anchorCtr="0">
             <a:normAutofit fontScale="90000"/>
           </a:bodyPr>
           <a:lstStyle/>
           <a:p>
-            <a:pPr indent="0" lvl="0" marL="0" rtl="0" algn="l">
+            <a:pPr marL="0" lvl="0" indent="0" algn="l" rtl="0">
               <a:spcBef>
                 <a:spcPts val="0"/>
               </a:spcBef>
@@ -6815,7 +6961,7 @@
               <a:buNone/>
             </a:pPr>
             <a:r>
-              <a:rPr b="1" lang="hu">
+              <a:rPr lang="hu" b="1">
                 <a:latin typeface="Roboto Mono"/>
                 <a:ea typeface="Roboto Mono"/>
                 <a:cs typeface="Roboto Mono"/>
@@ -6835,9 +6981,11 @@
       <p:sp>
         <p:nvSpPr>
           <p:cNvPr id="79" name="Google Shape;79;p16"/>
-          <p:cNvSpPr txBox="1"/>
+          <p:cNvSpPr txBox="1">
+            <a:spLocks noGrp="1"/>
+          </p:cNvSpPr>
           <p:nvPr>
-            <p:ph idx="1" type="body"/>
+            <p:ph type="body" idx="1"/>
           </p:nvPr>
         </p:nvSpPr>
         <p:spPr>
@@ -6850,12 +6998,12 @@
           </a:prstGeom>
         </p:spPr>
         <p:txBody>
-          <a:bodyPr anchorCtr="0" anchor="t" bIns="91425" lIns="91425" spcFirstLastPara="1" rIns="91425" wrap="square" tIns="91425">
+          <a:bodyPr spcFirstLastPara="1" wrap="square" lIns="91425" tIns="91425" rIns="91425" bIns="91425" anchor="t" anchorCtr="0">
             <a:normAutofit/>
           </a:bodyPr>
           <a:lstStyle/>
           <a:p>
-            <a:pPr indent="-342900" lvl="0" marL="457200" rtl="0" algn="l">
+            <a:pPr marL="457200" lvl="0" indent="-342900" algn="l" rtl="0">
               <a:lnSpc>
                 <a:spcPct val="150000"/>
               </a:lnSpc>
@@ -6895,7 +7043,7 @@
             </a:endParaRPr>
           </a:p>
           <a:p>
-            <a:pPr indent="-342900" lvl="0" marL="457200" rtl="0" algn="l">
+            <a:pPr marL="457200" lvl="0" indent="-342900" algn="l" rtl="0">
               <a:lnSpc>
                 <a:spcPct val="150000"/>
               </a:lnSpc>
@@ -6922,19 +7070,7 @@
                 <a:cs typeface="Roboto Mono"/>
                 <a:sym typeface="Roboto Mono"/>
               </a:rPr>
-              <a:t>Numpy:	</a:t>
-            </a:r>
-            <a:r>
-              <a:rPr lang="hu">
-                <a:solidFill>
-                  <a:srgbClr val="FFFFFF"/>
-                </a:solidFill>
-                <a:latin typeface="Roboto Mono"/>
-                <a:ea typeface="Roboto Mono"/>
-                <a:cs typeface="Roboto Mono"/>
-                <a:sym typeface="Roboto Mono"/>
-              </a:rPr>
-              <a:t> A NumPy egy Python könyvtár, amelyet tömbökkel való munkára használnak</a:t>
+              <a:t>Numpy:	 A NumPy egy Python könyvtár, amelyet tömbökkel való munkára használnak</a:t>
             </a:r>
             <a:endParaRPr>
               <a:solidFill>
@@ -6947,7 +7083,7 @@
             </a:endParaRPr>
           </a:p>
           <a:p>
-            <a:pPr indent="-342900" lvl="0" marL="457200" rtl="0" algn="l">
+            <a:pPr marL="457200" lvl="0" indent="-342900" algn="l" rtl="0">
               <a:lnSpc>
                 <a:spcPct val="150000"/>
               </a:lnSpc>
@@ -6974,43 +7110,7 @@
                 <a:cs typeface="Roboto Mono"/>
                 <a:sym typeface="Roboto Mono"/>
               </a:rPr>
-              <a:t>Haarcascade: </a:t>
-            </a:r>
-            <a:r>
-              <a:rPr lang="hu">
-                <a:solidFill>
-                  <a:srgbClr val="FFFFFF"/>
-                </a:solidFill>
-                <a:latin typeface="Roboto Mono"/>
-                <a:ea typeface="Roboto Mono"/>
-                <a:cs typeface="Roboto Mono"/>
-                <a:sym typeface="Roboto Mono"/>
-              </a:rPr>
-              <a:t>A Haarcascade egy gépi tanuláson alapuló </a:t>
-            </a:r>
-            <a:r>
-              <a:rPr lang="hu">
-                <a:solidFill>
-                  <a:srgbClr val="FFFFFF"/>
-                </a:solidFill>
-                <a:latin typeface="Roboto Mono"/>
-                <a:ea typeface="Roboto Mono"/>
-                <a:cs typeface="Roboto Mono"/>
-                <a:sym typeface="Roboto Mono"/>
-              </a:rPr>
-              <a:t>objektum felismerési</a:t>
-            </a:r>
-            <a:r>
-              <a:rPr lang="hu">
-                <a:solidFill>
-                  <a:srgbClr val="FFFFFF"/>
-                </a:solidFill>
-                <a:latin typeface="Roboto Mono"/>
-                <a:ea typeface="Roboto Mono"/>
-                <a:cs typeface="Roboto Mono"/>
-                <a:sym typeface="Roboto Mono"/>
-              </a:rPr>
-              <a:t> módszer, amelyet a számítógépes látásban használnak.</a:t>
+              <a:t>Haarcascade: A Haarcascade egy gépi tanuláson alapuló objektum felismerési módszer, amelyet a számítógépes látásban használnak.</a:t>
             </a:r>
             <a:endParaRPr>
               <a:solidFill>
@@ -7089,18 +7189,19 @@
 </file>
 
 <file path=ppt/slides/slide5.xml><?xml version="1.0" encoding="utf-8"?>
-<p:sld xmlns:a="http://schemas.openxmlformats.org/drawingml/2006/main" xmlns:r="http://schemas.openxmlformats.org/officeDocument/2006/relationships" xmlns:mc="http://schemas.openxmlformats.org/markup-compatibility/2006" xmlns:mv="urn:schemas-microsoft-com:mac:vml" xmlns:p="http://schemas.openxmlformats.org/presentationml/2006/main" xmlns:c="http://schemas.openxmlformats.org/drawingml/2006/chart" xmlns:dgm="http://schemas.openxmlformats.org/drawingml/2006/diagram" xmlns:o="urn:schemas-microsoft-com:office:office" xmlns:v="urn:schemas-microsoft-com:vml" xmlns:pvml="urn:schemas-microsoft-com:office:powerpoint" xmlns:com="http://schemas.openxmlformats.org/drawingml/2006/compatibility" xmlns:p14="http://schemas.microsoft.com/office/powerpoint/2010/main" xmlns:p15="http://schemas.microsoft.com/office/powerpoint/2012/main" xmlns:ahyp="http://schemas.microsoft.com/office/drawing/2018/hyperlinkcolor">
+<p:sld xmlns:a="http://schemas.openxmlformats.org/drawingml/2006/main" xmlns:r="http://schemas.openxmlformats.org/officeDocument/2006/relationships" xmlns:p="http://schemas.openxmlformats.org/presentationml/2006/main">
   <p:cSld>
     <p:bg>
       <p:bgPr>
         <a:solidFill>
           <a:srgbClr val="666666"/>
         </a:solidFill>
+        <a:effectLst/>
       </p:bgPr>
     </p:bg>
     <p:spTree>
       <p:nvGrpSpPr>
-        <p:cNvPr id="85" name="Shape 85"/>
+        <p:cNvPr id="1" name="Shape 85"/>
         <p:cNvGrpSpPr/>
         <p:nvPr/>
       </p:nvGrpSpPr>
@@ -7115,7 +7216,9 @@
       <p:sp>
         <p:nvSpPr>
           <p:cNvPr id="86" name="Google Shape;86;p17"/>
-          <p:cNvSpPr txBox="1"/>
+          <p:cNvSpPr txBox="1">
+            <a:spLocks noGrp="1"/>
+          </p:cNvSpPr>
           <p:nvPr>
             <p:ph type="title"/>
           </p:nvPr>
@@ -7130,12 +7233,12 @@
           </a:prstGeom>
         </p:spPr>
         <p:txBody>
-          <a:bodyPr anchorCtr="0" anchor="t" bIns="91425" lIns="91425" spcFirstLastPara="1" rIns="91425" wrap="square" tIns="91425">
+          <a:bodyPr spcFirstLastPara="1" wrap="square" lIns="91425" tIns="91425" rIns="91425" bIns="91425" anchor="t" anchorCtr="0">
             <a:normAutofit fontScale="90000"/>
           </a:bodyPr>
           <a:lstStyle/>
           <a:p>
-            <a:pPr indent="0" lvl="0" marL="0" rtl="0" algn="l">
+            <a:pPr marL="0" lvl="0" indent="0" algn="l" rtl="0">
               <a:spcBef>
                 <a:spcPts val="0"/>
               </a:spcBef>
@@ -7145,7 +7248,7 @@
               <a:buNone/>
             </a:pPr>
             <a:r>
-              <a:rPr b="1" lang="hu">
+              <a:rPr lang="hu" b="1">
                 <a:latin typeface="Roboto Mono"/>
                 <a:ea typeface="Roboto Mono"/>
                 <a:cs typeface="Roboto Mono"/>
@@ -7165,9 +7268,11 @@
       <p:sp>
         <p:nvSpPr>
           <p:cNvPr id="87" name="Google Shape;87;p17"/>
-          <p:cNvSpPr txBox="1"/>
+          <p:cNvSpPr txBox="1">
+            <a:spLocks noGrp="1"/>
+          </p:cNvSpPr>
           <p:nvPr>
-            <p:ph idx="1" type="body"/>
+            <p:ph type="body" idx="1"/>
           </p:nvPr>
         </p:nvSpPr>
         <p:spPr>
@@ -7180,12 +7285,12 @@
           </a:prstGeom>
         </p:spPr>
         <p:txBody>
-          <a:bodyPr anchorCtr="0" anchor="t" bIns="91425" lIns="91425" spcFirstLastPara="1" rIns="91425" wrap="square" tIns="91425">
+          <a:bodyPr spcFirstLastPara="1" wrap="square" lIns="91425" tIns="91425" rIns="91425" bIns="91425" anchor="t" anchorCtr="0">
             <a:normAutofit/>
           </a:bodyPr>
           <a:lstStyle/>
           <a:p>
-            <a:pPr indent="-342900" lvl="0" marL="457200" rtl="0" algn="l">
+            <a:pPr marL="457200" lvl="0" indent="-342900" algn="l" rtl="0">
               <a:lnSpc>
                 <a:spcPct val="115000"/>
               </a:lnSpc>
@@ -7203,7 +7308,7 @@
               <a:buChar char="●"/>
             </a:pPr>
             <a:r>
-              <a:rPr b="1" lang="hu">
+              <a:rPr lang="hu" b="1">
                 <a:solidFill>
                   <a:srgbClr val="FFFFFF"/>
                 </a:solidFill>
@@ -7225,7 +7330,7 @@
             </a:endParaRPr>
           </a:p>
           <a:p>
-            <a:pPr indent="-342900" lvl="0" marL="457200" rtl="0" algn="l">
+            <a:pPr marL="457200" lvl="0" indent="-342900" algn="l" rtl="0">
               <a:lnSpc>
                 <a:spcPct val="115000"/>
               </a:lnSpc>
@@ -7243,7 +7348,7 @@
               <a:buChar char="●"/>
             </a:pPr>
             <a:r>
-              <a:rPr b="1" lang="hu">
+              <a:rPr lang="hu" b="1">
                 <a:solidFill>
                   <a:srgbClr val="FFFFFF"/>
                 </a:solidFill>
@@ -7265,7 +7370,7 @@
             </a:endParaRPr>
           </a:p>
           <a:p>
-            <a:pPr indent="-342900" lvl="0" marL="457200" rtl="0" algn="l">
+            <a:pPr marL="457200" lvl="0" indent="-342900" algn="l" rtl="0">
               <a:lnSpc>
                 <a:spcPct val="115000"/>
               </a:lnSpc>
@@ -7283,7 +7388,7 @@
               <a:buChar char="●"/>
             </a:pPr>
             <a:r>
-              <a:rPr b="1" lang="hu">
+              <a:rPr lang="hu" b="1">
                 <a:solidFill>
                   <a:srgbClr val="FFFFFF"/>
                 </a:solidFill>
@@ -7292,19 +7397,7 @@
                 <a:cs typeface="Roboto Mono"/>
                 <a:sym typeface="Roboto Mono"/>
               </a:rPr>
-              <a:t>importálni a NumPy </a:t>
-            </a:r>
-            <a:r>
-              <a:rPr b="1" lang="hu">
-                <a:solidFill>
-                  <a:srgbClr val="FFFFFF"/>
-                </a:solidFill>
-                <a:latin typeface="Roboto Mono"/>
-                <a:ea typeface="Roboto Mono"/>
-                <a:cs typeface="Roboto Mono"/>
-                <a:sym typeface="Roboto Mono"/>
-              </a:rPr>
-              <a:t>könyvtárat</a:t>
+              <a:t>importálni a NumPy könyvtárat</a:t>
             </a:r>
             <a:endParaRPr b="1">
               <a:solidFill>
@@ -7317,7 +7410,7 @@
             </a:endParaRPr>
           </a:p>
           <a:p>
-            <a:pPr indent="-342900" lvl="0" marL="457200" rtl="0" algn="l">
+            <a:pPr marL="457200" lvl="0" indent="-342900" algn="l" rtl="0">
               <a:lnSpc>
                 <a:spcPct val="115000"/>
               </a:lnSpc>
@@ -7335,7 +7428,7 @@
               <a:buChar char="●"/>
             </a:pPr>
             <a:r>
-              <a:rPr b="1" lang="hu">
+              <a:rPr lang="hu" b="1">
                 <a:solidFill>
                   <a:srgbClr val="FFFFFF"/>
                 </a:solidFill>
@@ -7357,7 +7450,7 @@
             </a:endParaRPr>
           </a:p>
           <a:p>
-            <a:pPr indent="-342900" lvl="0" marL="457200" rtl="0" algn="l">
+            <a:pPr marL="457200" lvl="0" indent="-342900" algn="l" rtl="0">
               <a:lnSpc>
                 <a:spcPct val="115000"/>
               </a:lnSpc>
@@ -7375,7 +7468,7 @@
               <a:buChar char="●"/>
             </a:pPr>
             <a:r>
-              <a:rPr b="1" lang="hu">
+              <a:rPr lang="hu" b="1">
                 <a:solidFill>
                   <a:srgbClr val="FFFFFF"/>
                 </a:solidFill>
@@ -7397,7 +7490,7 @@
             </a:endParaRPr>
           </a:p>
           <a:p>
-            <a:pPr indent="-342900" lvl="0" marL="457200" rtl="0" algn="l">
+            <a:pPr marL="457200" lvl="0" indent="-342900" algn="l" rtl="0">
               <a:lnSpc>
                 <a:spcPct val="115000"/>
               </a:lnSpc>
@@ -7415,7 +7508,7 @@
               <a:buChar char="●"/>
             </a:pPr>
             <a:r>
-              <a:rPr b="1" lang="hu">
+              <a:rPr lang="hu" b="1">
                 <a:solidFill>
                   <a:srgbClr val="FFFFFF"/>
                 </a:solidFill>
@@ -7437,7 +7530,7 @@
             </a:endParaRPr>
           </a:p>
           <a:p>
-            <a:pPr indent="-342900" lvl="0" marL="457200" rtl="0" algn="l">
+            <a:pPr marL="457200" lvl="0" indent="-342900" algn="l" rtl="0">
               <a:lnSpc>
                 <a:spcPct val="115000"/>
               </a:lnSpc>
@@ -7455,7 +7548,7 @@
               <a:buChar char="●"/>
             </a:pPr>
             <a:r>
-              <a:rPr b="1" lang="hu">
+              <a:rPr lang="hu" b="1">
                 <a:solidFill>
                   <a:srgbClr val="FFFFFF"/>
                 </a:solidFill>
@@ -7467,7 +7560,7 @@
               <a:t>kivágni és elmenteni a</a:t>
             </a:r>
             <a:br>
-              <a:rPr b="1" lang="hu">
+              <a:rPr lang="hu" b="1">
                 <a:solidFill>
                   <a:srgbClr val="FFFFFF"/>
                 </a:solidFill>
@@ -7478,7 +7571,7 @@
               </a:rPr>
             </a:br>
             <a:r>
-              <a:rPr b="1" lang="hu">
+              <a:rPr lang="hu" b="1">
                 <a:solidFill>
                   <a:srgbClr val="FFFFFF"/>
                 </a:solidFill>
@@ -7538,18 +7631,19 @@
 </file>
 
 <file path=ppt/slides/slide6.xml><?xml version="1.0" encoding="utf-8"?>
-<p:sld xmlns:a="http://schemas.openxmlformats.org/drawingml/2006/main" xmlns:r="http://schemas.openxmlformats.org/officeDocument/2006/relationships" xmlns:mc="http://schemas.openxmlformats.org/markup-compatibility/2006" xmlns:mv="urn:schemas-microsoft-com:mac:vml" xmlns:p="http://schemas.openxmlformats.org/presentationml/2006/main" xmlns:c="http://schemas.openxmlformats.org/drawingml/2006/chart" xmlns:dgm="http://schemas.openxmlformats.org/drawingml/2006/diagram" xmlns:o="urn:schemas-microsoft-com:office:office" xmlns:v="urn:schemas-microsoft-com:vml" xmlns:pvml="urn:schemas-microsoft-com:office:powerpoint" xmlns:com="http://schemas.openxmlformats.org/drawingml/2006/compatibility" xmlns:p14="http://schemas.microsoft.com/office/powerpoint/2010/main" xmlns:p15="http://schemas.microsoft.com/office/powerpoint/2012/main" xmlns:ahyp="http://schemas.microsoft.com/office/drawing/2018/hyperlinkcolor">
+<p:sld xmlns:a="http://schemas.openxmlformats.org/drawingml/2006/main" xmlns:r="http://schemas.openxmlformats.org/officeDocument/2006/relationships" xmlns:p="http://schemas.openxmlformats.org/presentationml/2006/main">
   <p:cSld>
     <p:bg>
       <p:bgPr>
         <a:solidFill>
           <a:schemeClr val="dk2"/>
         </a:solidFill>
+        <a:effectLst/>
       </p:bgPr>
     </p:bg>
     <p:spTree>
       <p:nvGrpSpPr>
-        <p:cNvPr id="92" name="Shape 92"/>
+        <p:cNvPr id="1" name="Shape 92"/>
         <p:cNvGrpSpPr/>
         <p:nvPr/>
       </p:nvGrpSpPr>
@@ -7564,7 +7658,9 @@
       <p:sp>
         <p:nvSpPr>
           <p:cNvPr id="93" name="Google Shape;93;p18"/>
-          <p:cNvSpPr txBox="1"/>
+          <p:cNvSpPr txBox="1">
+            <a:spLocks noGrp="1"/>
+          </p:cNvSpPr>
           <p:nvPr>
             <p:ph type="title"/>
           </p:nvPr>
@@ -7579,12 +7675,12 @@
           </a:prstGeom>
         </p:spPr>
         <p:txBody>
-          <a:bodyPr anchorCtr="0" anchor="t" bIns="91425" lIns="91425" spcFirstLastPara="1" rIns="91425" wrap="square" tIns="91425">
+          <a:bodyPr spcFirstLastPara="1" wrap="square" lIns="91425" tIns="91425" rIns="91425" bIns="91425" anchor="t" anchorCtr="0">
             <a:normAutofit fontScale="90000"/>
           </a:bodyPr>
           <a:lstStyle/>
           <a:p>
-            <a:pPr indent="0" lvl="0" marL="0" rtl="0" algn="l">
+            <a:pPr marL="0" lvl="0" indent="0" algn="l" rtl="0">
               <a:spcBef>
                 <a:spcPts val="0"/>
               </a:spcBef>
@@ -7594,7 +7690,7 @@
               <a:buNone/>
             </a:pPr>
             <a:r>
-              <a:rPr b="1" lang="hu">
+              <a:rPr lang="hu" b="1">
                 <a:latin typeface="Roboto Mono"/>
                 <a:ea typeface="Roboto Mono"/>
                 <a:cs typeface="Roboto Mono"/>
@@ -7614,9 +7710,11 @@
       <p:sp>
         <p:nvSpPr>
           <p:cNvPr id="94" name="Google Shape;94;p18"/>
-          <p:cNvSpPr txBox="1"/>
+          <p:cNvSpPr txBox="1">
+            <a:spLocks noGrp="1"/>
+          </p:cNvSpPr>
           <p:nvPr>
-            <p:ph idx="1" type="body"/>
+            <p:ph type="body" idx="1"/>
           </p:nvPr>
         </p:nvSpPr>
         <p:spPr>
@@ -7629,12 +7727,12 @@
           </a:prstGeom>
         </p:spPr>
         <p:txBody>
-          <a:bodyPr anchorCtr="0" anchor="t" bIns="91425" lIns="91425" spcFirstLastPara="1" rIns="91425" wrap="square" tIns="91425">
+          <a:bodyPr spcFirstLastPara="1" wrap="square" lIns="91425" tIns="91425" rIns="91425" bIns="91425" anchor="t" anchorCtr="0">
             <a:normAutofit/>
           </a:bodyPr>
           <a:lstStyle/>
           <a:p>
-            <a:pPr indent="-342900" lvl="0" marL="457200" rtl="0" algn="l">
+            <a:pPr marL="457200" lvl="0" indent="-342900" algn="l" rtl="0">
               <a:spcBef>
                 <a:spcPts val="0"/>
               </a:spcBef>
@@ -7649,7 +7747,7 @@
               <a:buChar char="●"/>
             </a:pPr>
             <a:r>
-              <a:rPr b="1" lang="hu">
+              <a:rPr lang="hu" b="1" dirty="0">
                 <a:solidFill>
                   <a:srgbClr val="FFFFFF"/>
                 </a:solidFill>
@@ -7660,7 +7758,7 @@
               </a:rPr>
               <a:t>python értelmező</a:t>
             </a:r>
-            <a:endParaRPr b="1">
+            <a:endParaRPr b="1" dirty="0">
               <a:solidFill>
                 <a:srgbClr val="FFFFFF"/>
               </a:solidFill>
@@ -7671,7 +7769,7 @@
             </a:endParaRPr>
           </a:p>
           <a:p>
-            <a:pPr indent="-342900" lvl="0" marL="457200" rtl="0" algn="l">
+            <a:pPr marL="457200" lvl="0" indent="-342900" algn="l" rtl="0">
               <a:lnSpc>
                 <a:spcPct val="115000"/>
               </a:lnSpc>
@@ -7689,7 +7787,7 @@
               <a:buChar char="●"/>
             </a:pPr>
             <a:r>
-              <a:rPr b="1" lang="hu">
+              <a:rPr lang="hu" b="1" dirty="0">
                 <a:solidFill>
                   <a:schemeClr val="lt1"/>
                 </a:solidFill>
@@ -7700,7 +7798,7 @@
               </a:rPr>
               <a:t>importálni a gépi látás könyvtárat</a:t>
             </a:r>
-            <a:endParaRPr b="1">
+            <a:endParaRPr b="1" dirty="0">
               <a:solidFill>
                 <a:schemeClr val="lt1"/>
               </a:solidFill>
@@ -7711,7 +7809,7 @@
             </a:endParaRPr>
           </a:p>
           <a:p>
-            <a:pPr indent="-342900" lvl="0" marL="457200" rtl="0" algn="l">
+            <a:pPr marL="457200" lvl="0" indent="-342900" algn="l" rtl="0">
               <a:lnSpc>
                 <a:spcPct val="115000"/>
               </a:lnSpc>
@@ -7729,7 +7827,7 @@
               <a:buChar char="●"/>
             </a:pPr>
             <a:r>
-              <a:rPr b="1" lang="hu">
+              <a:rPr lang="hu" b="1" dirty="0">
                 <a:solidFill>
                   <a:schemeClr val="lt1"/>
                 </a:solidFill>
@@ -7740,7 +7838,7 @@
               </a:rPr>
               <a:t>importálni a NumPy könyvtárat</a:t>
             </a:r>
-            <a:endParaRPr b="1">
+            <a:endParaRPr b="1" dirty="0">
               <a:solidFill>
                 <a:srgbClr val="FFFFFF"/>
               </a:solidFill>
@@ -7751,7 +7849,7 @@
             </a:endParaRPr>
           </a:p>
           <a:p>
-            <a:pPr indent="-342900" lvl="0" marL="457200" rtl="0" algn="l">
+            <a:pPr marL="457200" lvl="0" indent="-342900" algn="l" rtl="0">
               <a:spcBef>
                 <a:spcPts val="0"/>
               </a:spcBef>
@@ -7766,7 +7864,7 @@
               <a:buChar char="●"/>
             </a:pPr>
             <a:r>
-              <a:rPr b="1" lang="hu">
+              <a:rPr lang="hu" b="1" dirty="0">
                 <a:solidFill>
                   <a:schemeClr val="lt1"/>
                 </a:solidFill>
@@ -7777,7 +7875,7 @@
               </a:rPr>
               <a:t>megjelenítő méretezés</a:t>
             </a:r>
-            <a:endParaRPr b="1">
+            <a:endParaRPr b="1" dirty="0">
               <a:solidFill>
                 <a:schemeClr val="lt1"/>
               </a:solidFill>
@@ -7788,7 +7886,7 @@
             </a:endParaRPr>
           </a:p>
           <a:p>
-            <a:pPr indent="-342900" lvl="0" marL="457200" rtl="0" algn="l">
+            <a:pPr marL="457200" lvl="0" indent="-342900" algn="l" rtl="0">
               <a:spcBef>
                 <a:spcPts val="0"/>
               </a:spcBef>
@@ -7803,7 +7901,7 @@
               <a:buChar char="●"/>
             </a:pPr>
             <a:r>
-              <a:rPr b="1" lang="hu">
+              <a:rPr lang="hu" b="1" dirty="0">
                 <a:solidFill>
                   <a:schemeClr val="lt1"/>
                 </a:solidFill>
@@ -7814,7 +7912,7 @@
               </a:rPr>
               <a:t>importálni a kamera képet</a:t>
             </a:r>
-            <a:endParaRPr b="1">
+            <a:endParaRPr b="1" dirty="0">
               <a:solidFill>
                 <a:srgbClr val="FFFFFF"/>
               </a:solidFill>
@@ -7825,7 +7923,7 @@
             </a:endParaRPr>
           </a:p>
           <a:p>
-            <a:pPr indent="-342900" lvl="0" marL="457200" rtl="0" algn="l">
+            <a:pPr marL="457200" lvl="0" indent="-342900" algn="l" rtl="0">
               <a:spcBef>
                 <a:spcPts val="0"/>
               </a:spcBef>
@@ -7840,7 +7938,7 @@
               <a:buChar char="●"/>
             </a:pPr>
             <a:r>
-              <a:rPr b="1" lang="hu">
+              <a:rPr lang="hu" b="1" dirty="0">
                 <a:solidFill>
                   <a:srgbClr val="FFFFFF"/>
                 </a:solidFill>
@@ -7851,7 +7949,47 @@
               </a:rPr>
               <a:t>felismerni és különíteni a megjelenő színeket</a:t>
             </a:r>
-            <a:endParaRPr b="1">
+          </a:p>
+          <a:p>
+            <a:pPr marL="457200" lvl="0" indent="-342900" algn="l" rtl="0">
+              <a:spcBef>
+                <a:spcPts val="0"/>
+              </a:spcBef>
+              <a:spcAft>
+                <a:spcPts val="0"/>
+              </a:spcAft>
+              <a:buClr>
+                <a:srgbClr val="FFFFFF"/>
+              </a:buClr>
+              <a:buSzPts val="1800"/>
+              <a:buFont typeface="Roboto Mono"/>
+              <a:buChar char="●"/>
+            </a:pPr>
+            <a:r>
+              <a:rPr lang="hu-HU" b="1" dirty="0">
+                <a:solidFill>
+                  <a:srgbClr val="FFFFFF"/>
+                </a:solidFill>
+                <a:latin typeface="Roboto Mono"/>
+                <a:ea typeface="Roboto Mono"/>
+                <a:cs typeface="Roboto Mono"/>
+                <a:sym typeface="Roboto Mono"/>
+              </a:rPr>
+              <a:t>A</a:t>
+            </a:r>
+            <a:r>
+              <a:rPr lang="hu" b="1" dirty="0">
+                <a:solidFill>
+                  <a:srgbClr val="FFFFFF"/>
+                </a:solidFill>
+                <a:latin typeface="Roboto Mono"/>
+                <a:ea typeface="Roboto Mono"/>
+                <a:cs typeface="Roboto Mono"/>
+                <a:sym typeface="Roboto Mono"/>
+              </a:rPr>
+              <a:t>hol látja a toll végén ott húz egy vonalat</a:t>
+            </a:r>
+            <a:endParaRPr b="1" dirty="0">
               <a:solidFill>
                 <a:srgbClr val="FFFFFF"/>
               </a:solidFill>
@@ -7862,7 +8000,7 @@
             </a:endParaRPr>
           </a:p>
           <a:p>
-            <a:pPr indent="-342900" lvl="0" marL="457200" rtl="0" algn="l">
+            <a:pPr marL="457200" lvl="0" indent="-342900" algn="l" rtl="0">
               <a:spcBef>
                 <a:spcPts val="0"/>
               </a:spcBef>
@@ -7876,10 +8014,7 @@
               <a:buFont typeface="Roboto Mono"/>
               <a:buChar char="●"/>
             </a:pPr>
-            <a:r>
-              <a:t/>
-            </a:r>
-            <a:endParaRPr b="1">
+            <a:endParaRPr b="1" dirty="0">
               <a:solidFill>
                 <a:srgbClr val="FFFFFF"/>
               </a:solidFill>
@@ -7928,18 +8063,19 @@
 </file>
 
 <file path=ppt/slides/slide7.xml><?xml version="1.0" encoding="utf-8"?>
-<p:sld xmlns:a="http://schemas.openxmlformats.org/drawingml/2006/main" xmlns:r="http://schemas.openxmlformats.org/officeDocument/2006/relationships" xmlns:mc="http://schemas.openxmlformats.org/markup-compatibility/2006" xmlns:mv="urn:schemas-microsoft-com:mac:vml" xmlns:p="http://schemas.openxmlformats.org/presentationml/2006/main" xmlns:c="http://schemas.openxmlformats.org/drawingml/2006/chart" xmlns:dgm="http://schemas.openxmlformats.org/drawingml/2006/diagram" xmlns:o="urn:schemas-microsoft-com:office:office" xmlns:v="urn:schemas-microsoft-com:vml" xmlns:pvml="urn:schemas-microsoft-com:office:powerpoint" xmlns:com="http://schemas.openxmlformats.org/drawingml/2006/compatibility" xmlns:p14="http://schemas.microsoft.com/office/powerpoint/2010/main" xmlns:p15="http://schemas.microsoft.com/office/powerpoint/2012/main" xmlns:ahyp="http://schemas.microsoft.com/office/drawing/2018/hyperlinkcolor">
+<p:sld xmlns:a="http://schemas.openxmlformats.org/drawingml/2006/main" xmlns:r="http://schemas.openxmlformats.org/officeDocument/2006/relationships" xmlns:p="http://schemas.openxmlformats.org/presentationml/2006/main">
   <p:cSld>
     <p:bg>
       <p:bgPr>
         <a:solidFill>
           <a:schemeClr val="dk2"/>
         </a:solidFill>
+        <a:effectLst/>
       </p:bgPr>
     </p:bg>
     <p:spTree>
       <p:nvGrpSpPr>
-        <p:cNvPr id="99" name="Shape 99"/>
+        <p:cNvPr id="1" name="Shape 99"/>
         <p:cNvGrpSpPr/>
         <p:nvPr/>
       </p:nvGrpSpPr>
@@ -7954,7 +8090,9 @@
       <p:sp>
         <p:nvSpPr>
           <p:cNvPr id="100" name="Google Shape;100;p19"/>
-          <p:cNvSpPr txBox="1"/>
+          <p:cNvSpPr txBox="1">
+            <a:spLocks noGrp="1"/>
+          </p:cNvSpPr>
           <p:nvPr>
             <p:ph type="title"/>
           </p:nvPr>
@@ -7969,12 +8107,12 @@
           </a:prstGeom>
         </p:spPr>
         <p:txBody>
-          <a:bodyPr anchorCtr="0" anchor="t" bIns="91425" lIns="91425" spcFirstLastPara="1" rIns="91425" wrap="square" tIns="91425">
+          <a:bodyPr spcFirstLastPara="1" wrap="square" lIns="91425" tIns="91425" rIns="91425" bIns="91425" anchor="t" anchorCtr="0">
             <a:normAutofit fontScale="90000"/>
           </a:bodyPr>
           <a:lstStyle/>
           <a:p>
-            <a:pPr indent="0" lvl="0" marL="0" rtl="0" algn="l">
+            <a:pPr marL="0" lvl="0" indent="0" algn="l" rtl="0">
               <a:spcBef>
                 <a:spcPts val="0"/>
               </a:spcBef>
@@ -7984,7 +8122,7 @@
               <a:buNone/>
             </a:pPr>
             <a:r>
-              <a:rPr b="1" lang="hu">
+              <a:rPr lang="hu" b="1">
                 <a:latin typeface="Roboto Mono"/>
                 <a:ea typeface="Roboto Mono"/>
                 <a:cs typeface="Roboto Mono"/>
@@ -8004,9 +8142,11 @@
       <p:sp>
         <p:nvSpPr>
           <p:cNvPr id="101" name="Google Shape;101;p19"/>
-          <p:cNvSpPr txBox="1"/>
+          <p:cNvSpPr txBox="1">
+            <a:spLocks noGrp="1"/>
+          </p:cNvSpPr>
           <p:nvPr>
-            <p:ph idx="1" type="body"/>
+            <p:ph type="body" idx="1"/>
           </p:nvPr>
         </p:nvSpPr>
         <p:spPr>
@@ -8019,27 +8159,20 @@
           </a:prstGeom>
         </p:spPr>
         <p:txBody>
-          <a:bodyPr anchorCtr="0" anchor="t" bIns="91425" lIns="91425" spcFirstLastPara="1" rIns="91425" wrap="square" tIns="91425">
+          <a:bodyPr spcFirstLastPara="1" wrap="square" lIns="91425" tIns="91425" rIns="91425" bIns="91425" anchor="t" anchorCtr="0">
             <a:normAutofit/>
           </a:bodyPr>
           <a:lstStyle/>
           <a:p>
-            <a:pPr indent="-342900" lvl="0" marL="457200" rtl="0" algn="l">
-              <a:spcBef>
-                <a:spcPts val="0"/>
-              </a:spcBef>
-              <a:spcAft>
-                <a:spcPts val="0"/>
-              </a:spcAft>
+            <a:pPr lvl="0">
               <a:buClr>
                 <a:srgbClr val="FFFFFF"/>
               </a:buClr>
-              <a:buSzPts val="1800"/>
               <a:buFont typeface="Roboto Mono"/>
               <a:buChar char="●"/>
             </a:pPr>
             <a:r>
-              <a:rPr b="1" lang="hu">
+              <a:rPr lang="hu-HU" b="1" dirty="0" err="1">
                 <a:solidFill>
                   <a:srgbClr val="FFFFFF"/>
                 </a:solidFill>
@@ -8048,9 +8181,87 @@
                 <a:cs typeface="Roboto Mono"/>
                 <a:sym typeface="Roboto Mono"/>
               </a:rPr>
-              <a:t>python interpreter</a:t>
+              <a:t>python</a:t>
             </a:r>
-            <a:endParaRPr b="1">
+            <a:r>
+              <a:rPr lang="hu-HU" b="1" dirty="0">
+                <a:solidFill>
+                  <a:srgbClr val="FFFFFF"/>
+                </a:solidFill>
+                <a:latin typeface="Roboto Mono"/>
+                <a:ea typeface="Roboto Mono"/>
+                <a:cs typeface="Roboto Mono"/>
+                <a:sym typeface="Roboto Mono"/>
+              </a:rPr>
+              <a:t> értelmező</a:t>
+            </a:r>
+          </a:p>
+          <a:p>
+            <a:pPr lvl="0">
+              <a:buClr>
+                <a:schemeClr val="lt1"/>
+              </a:buClr>
+              <a:buFont typeface="Roboto Mono"/>
+              <a:buChar char="●"/>
+            </a:pPr>
+            <a:r>
+              <a:rPr lang="hu-HU" b="1" dirty="0">
+                <a:solidFill>
+                  <a:schemeClr val="lt1"/>
+                </a:solidFill>
+                <a:latin typeface="Roboto Mono"/>
+                <a:ea typeface="Roboto Mono"/>
+                <a:cs typeface="Roboto Mono"/>
+                <a:sym typeface="Roboto Mono"/>
+              </a:rPr>
+              <a:t>importálni a gépi látás könyvtárat</a:t>
+            </a:r>
+          </a:p>
+          <a:p>
+            <a:pPr lvl="0">
+              <a:buClr>
+                <a:schemeClr val="lt1"/>
+              </a:buClr>
+              <a:buFont typeface="Roboto Mono"/>
+              <a:buChar char="●"/>
+            </a:pPr>
+            <a:r>
+              <a:rPr lang="hu-HU" b="1" dirty="0">
+                <a:solidFill>
+                  <a:schemeClr val="lt1"/>
+                </a:solidFill>
+                <a:latin typeface="Roboto Mono"/>
+                <a:ea typeface="Roboto Mono"/>
+                <a:cs typeface="Roboto Mono"/>
+                <a:sym typeface="Roboto Mono"/>
+              </a:rPr>
+              <a:t>importálni a </a:t>
+            </a:r>
+            <a:r>
+              <a:rPr lang="hu-HU" b="1" dirty="0" err="1">
+                <a:solidFill>
+                  <a:schemeClr val="lt1"/>
+                </a:solidFill>
+                <a:latin typeface="Roboto Mono"/>
+                <a:ea typeface="Roboto Mono"/>
+                <a:cs typeface="Roboto Mono"/>
+                <a:sym typeface="Roboto Mono"/>
+              </a:rPr>
+              <a:t>NumPy</a:t>
+            </a:r>
+            <a:r>
+              <a:rPr lang="hu-HU" b="1" dirty="0">
+                <a:solidFill>
+                  <a:schemeClr val="lt1"/>
+                </a:solidFill>
+                <a:latin typeface="Roboto Mono"/>
+                <a:ea typeface="Roboto Mono"/>
+                <a:cs typeface="Roboto Mono"/>
+                <a:sym typeface="Roboto Mono"/>
+              </a:rPr>
+              <a:t> könyvtárat</a:t>
+            </a:r>
+            <a:endParaRPr lang="hu-HU" b="1" dirty="0">
               <a:solidFill>
                 <a:srgbClr val="FFFFFF"/>
               </a:solidFill>
@@ -8061,7 +8272,7 @@
             </a:endParaRPr>
           </a:p>
           <a:p>
-            <a:pPr indent="-342900" lvl="0" marL="457200" rtl="0" algn="l">
+            <a:pPr marL="457200" lvl="0" indent="-342900" algn="l" rtl="0">
               <a:spcBef>
                 <a:spcPts val="0"/>
               </a:spcBef>
@@ -8076,7 +8287,7 @@
               <a:buChar char="●"/>
             </a:pPr>
             <a:r>
-              <a:rPr b="1" lang="hu">
+              <a:rPr lang="hu-HU" b="1" dirty="0">
                 <a:solidFill>
                   <a:srgbClr val="FFFFFF"/>
                 </a:solidFill>
@@ -8085,9 +8296,37 @@
                 <a:cs typeface="Roboto Mono"/>
                 <a:sym typeface="Roboto Mono"/>
               </a:rPr>
-              <a:t>import cv2</a:t>
+              <a:t>Kijelző két külön displayre osztva</a:t>
             </a:r>
-            <a:endParaRPr b="1">
+          </a:p>
+          <a:p>
+            <a:pPr marL="457200" lvl="0" indent="-342900" algn="l" rtl="0">
+              <a:spcBef>
+                <a:spcPts val="0"/>
+              </a:spcBef>
+              <a:spcAft>
+                <a:spcPts val="0"/>
+              </a:spcAft>
+              <a:buClr>
+                <a:srgbClr val="FFFFFF"/>
+              </a:buClr>
+              <a:buSzPts val="1800"/>
+              <a:buFont typeface="Roboto Mono"/>
+              <a:buChar char="●"/>
+            </a:pPr>
+            <a:r>
+              <a:rPr lang="hu-HU" b="1" dirty="0">
+                <a:solidFill>
+                  <a:srgbClr val="FFFFFF"/>
+                </a:solidFill>
+                <a:latin typeface="Roboto Mono"/>
+                <a:ea typeface="Roboto Mono"/>
+                <a:cs typeface="Roboto Mono"/>
+                <a:sym typeface="Roboto Mono"/>
+              </a:rPr>
+              <a:t>Különböző folyamatok</a:t>
+            </a:r>
+            <a:endParaRPr b="1" dirty="0">
               <a:solidFill>
                 <a:srgbClr val="FFFFFF"/>
               </a:solidFill>
@@ -8098,7 +8337,7 @@
             </a:endParaRPr>
           </a:p>
           <a:p>
-            <a:pPr indent="-342900" lvl="0" marL="457200" rtl="0" algn="l">
+            <a:pPr marL="914400" lvl="1" indent="-317500" algn="l" rtl="0">
               <a:spcBef>
                 <a:spcPts val="0"/>
               </a:spcBef>
@@ -8108,12 +8347,12 @@
               <a:buClr>
                 <a:srgbClr val="FFFFFF"/>
               </a:buClr>
-              <a:buSzPts val="1800"/>
+              <a:buSzPts val="1400"/>
               <a:buFont typeface="Roboto Mono"/>
-              <a:buChar char="●"/>
+              <a:buChar char="○"/>
             </a:pPr>
             <a:r>
-              <a:rPr b="1" lang="hu">
+              <a:rPr lang="hu-HU" b="1" dirty="0">
                 <a:solidFill>
                   <a:srgbClr val="FFFFFF"/>
                 </a:solidFill>
@@ -8122,9 +8361,9 @@
                 <a:cs typeface="Roboto Mono"/>
                 <a:sym typeface="Roboto Mono"/>
               </a:rPr>
-              <a:t>import numpy</a:t>
+              <a:t>Sarkok megkeresése</a:t>
             </a:r>
-            <a:endParaRPr b="1">
+            <a:endParaRPr b="1" dirty="0">
               <a:solidFill>
                 <a:srgbClr val="FFFFFF"/>
               </a:solidFill>
@@ -8135,7 +8374,75 @@
             </a:endParaRPr>
           </a:p>
           <a:p>
-            <a:pPr indent="-342900" lvl="0" marL="457200" rtl="0" algn="l">
+            <a:pPr marL="914400" lvl="1" indent="-317500" algn="l" rtl="0">
+              <a:spcBef>
+                <a:spcPts val="0"/>
+              </a:spcBef>
+              <a:spcAft>
+                <a:spcPts val="0"/>
+              </a:spcAft>
+              <a:buClr>
+                <a:srgbClr val="FFFFFF"/>
+              </a:buClr>
+              <a:buSzPts val="1400"/>
+              <a:buFont typeface="Roboto Mono"/>
+              <a:buChar char="○"/>
+            </a:pPr>
+            <a:r>
+              <a:rPr lang="hu-HU" b="1" dirty="0" err="1">
+                <a:solidFill>
+                  <a:srgbClr val="FFFFFF"/>
+                </a:solidFill>
+                <a:latin typeface="Roboto Mono"/>
+                <a:ea typeface="Roboto Mono"/>
+                <a:cs typeface="Roboto Mono"/>
+                <a:sym typeface="Roboto Mono"/>
+              </a:rPr>
+              <a:t>Kihomályítani</a:t>
+            </a:r>
+            <a:r>
+              <a:rPr lang="hu-HU" b="1" dirty="0">
+                <a:solidFill>
+                  <a:srgbClr val="FFFFFF"/>
+                </a:solidFill>
+                <a:latin typeface="Roboto Mono"/>
+                <a:ea typeface="Roboto Mono"/>
+                <a:cs typeface="Roboto Mono"/>
+                <a:sym typeface="Roboto Mono"/>
+              </a:rPr>
+              <a:t> a képet</a:t>
+            </a:r>
+          </a:p>
+          <a:p>
+            <a:pPr marL="914400" lvl="1" indent="-317500" algn="l" rtl="0">
+              <a:spcBef>
+                <a:spcPts val="0"/>
+              </a:spcBef>
+              <a:spcAft>
+                <a:spcPts val="0"/>
+              </a:spcAft>
+              <a:buClr>
+                <a:srgbClr val="FFFFFF"/>
+              </a:buClr>
+              <a:buSzPts val="1400"/>
+              <a:buFont typeface="Roboto Mono"/>
+              <a:buChar char="○"/>
+            </a:pPr>
+            <a:r>
+              <a:rPr lang="hu-HU" b="1" dirty="0">
+                <a:solidFill>
+                  <a:srgbClr val="FFFFFF"/>
+                </a:solidFill>
+                <a:latin typeface="Roboto Mono"/>
+                <a:ea typeface="Roboto Mono"/>
+                <a:cs typeface="Roboto Mono"/>
+                <a:sym typeface="Roboto Mono"/>
+              </a:rPr>
+              <a:t>Kivágja a dokumentációt és kimutatja a másik displayen		</a:t>
+            </a:r>
+          </a:p>
+          <a:p>
+            <a:pPr marL="457200" lvl="0" indent="-342900" algn="l" rtl="0">
               <a:spcBef>
                 <a:spcPts val="0"/>
               </a:spcBef>
@@ -8150,7 +8457,7 @@
               <a:buChar char="●"/>
             </a:pPr>
             <a:r>
-              <a:rPr b="1" lang="hu">
+              <a:rPr lang="hu-HU" b="1" dirty="0">
                 <a:solidFill>
                   <a:srgbClr val="FFFFFF"/>
                 </a:solidFill>
@@ -8159,218 +8466,9 @@
                 <a:cs typeface="Roboto Mono"/>
                 <a:sym typeface="Roboto Mono"/>
               </a:rPr>
-              <a:t>sizing display into 2</a:t>
+              <a:t>Kimutatni a végeredményt</a:t>
             </a:r>
-            <a:r>
-              <a:rPr b="1" lang="hu">
-                <a:solidFill>
-                  <a:srgbClr val="FFFFFF"/>
-                </a:solidFill>
-                <a:latin typeface="Roboto Mono"/>
-                <a:ea typeface="Roboto Mono"/>
-                <a:cs typeface="Roboto Mono"/>
-                <a:sym typeface="Roboto Mono"/>
-              </a:rPr>
-              <a:t> section</a:t>
-            </a:r>
-            <a:endParaRPr b="1">
-              <a:solidFill>
-                <a:srgbClr val="FFFFFF"/>
-              </a:solidFill>
-              <a:latin typeface="Roboto Mono"/>
-              <a:ea typeface="Roboto Mono"/>
-              <a:cs typeface="Roboto Mono"/>
-              <a:sym typeface="Roboto Mono"/>
-            </a:endParaRPr>
-          </a:p>
-          <a:p>
-            <a:pPr indent="-342900" lvl="0" marL="457200" rtl="0" algn="l">
-              <a:spcBef>
-                <a:spcPts val="0"/>
-              </a:spcBef>
-              <a:spcAft>
-                <a:spcPts val="0"/>
-              </a:spcAft>
-              <a:buClr>
-                <a:srgbClr val="FFFFFF"/>
-              </a:buClr>
-              <a:buSzPts val="1800"/>
-              <a:buFont typeface="Roboto Mono"/>
-              <a:buChar char="●"/>
-            </a:pPr>
-            <a:r>
-              <a:rPr b="1" lang="hu">
-                <a:solidFill>
-                  <a:srgbClr val="FFFFFF"/>
-                </a:solidFill>
-                <a:latin typeface="Roboto Mono"/>
-                <a:ea typeface="Roboto Mono"/>
-                <a:cs typeface="Roboto Mono"/>
-                <a:sym typeface="Roboto Mono"/>
-              </a:rPr>
-              <a:t>separate document</a:t>
-            </a:r>
-            <a:endParaRPr b="1">
-              <a:solidFill>
-                <a:srgbClr val="FFFFFF"/>
-              </a:solidFill>
-              <a:latin typeface="Roboto Mono"/>
-              <a:ea typeface="Roboto Mono"/>
-              <a:cs typeface="Roboto Mono"/>
-              <a:sym typeface="Roboto Mono"/>
-            </a:endParaRPr>
-          </a:p>
-          <a:p>
-            <a:pPr indent="-317500" lvl="1" marL="914400" rtl="0" algn="l">
-              <a:spcBef>
-                <a:spcPts val="0"/>
-              </a:spcBef>
-              <a:spcAft>
-                <a:spcPts val="0"/>
-              </a:spcAft>
-              <a:buClr>
-                <a:srgbClr val="FFFFFF"/>
-              </a:buClr>
-              <a:buSzPts val="1400"/>
-              <a:buFont typeface="Roboto Mono"/>
-              <a:buChar char="○"/>
-            </a:pPr>
-            <a:r>
-              <a:rPr b="1" lang="hu">
-                <a:solidFill>
-                  <a:srgbClr val="FFFFFF"/>
-                </a:solidFill>
-                <a:latin typeface="Roboto Mono"/>
-                <a:ea typeface="Roboto Mono"/>
-                <a:cs typeface="Roboto Mono"/>
-                <a:sym typeface="Roboto Mono"/>
-              </a:rPr>
-              <a:t>finding the corners</a:t>
-            </a:r>
-            <a:endParaRPr b="1">
-              <a:solidFill>
-                <a:srgbClr val="FFFFFF"/>
-              </a:solidFill>
-              <a:latin typeface="Roboto Mono"/>
-              <a:ea typeface="Roboto Mono"/>
-              <a:cs typeface="Roboto Mono"/>
-              <a:sym typeface="Roboto Mono"/>
-            </a:endParaRPr>
-          </a:p>
-          <a:p>
-            <a:pPr indent="-317500" lvl="1" marL="914400" rtl="0" algn="l">
-              <a:spcBef>
-                <a:spcPts val="0"/>
-              </a:spcBef>
-              <a:spcAft>
-                <a:spcPts val="0"/>
-              </a:spcAft>
-              <a:buClr>
-                <a:srgbClr val="FFFFFF"/>
-              </a:buClr>
-              <a:buSzPts val="1400"/>
-              <a:buFont typeface="Roboto Mono"/>
-              <a:buChar char="○"/>
-            </a:pPr>
-            <a:r>
-              <a:rPr b="1" lang="hu">
-                <a:solidFill>
-                  <a:srgbClr val="FFFFFF"/>
-                </a:solidFill>
-                <a:latin typeface="Roboto Mono"/>
-                <a:ea typeface="Roboto Mono"/>
-                <a:cs typeface="Roboto Mono"/>
-                <a:sym typeface="Roboto Mono"/>
-              </a:rPr>
-              <a:t>blurring</a:t>
-            </a:r>
-            <a:r>
-              <a:rPr b="1" lang="hu">
-                <a:solidFill>
-                  <a:srgbClr val="FFFFFF"/>
-                </a:solidFill>
-                <a:latin typeface="Roboto Mono"/>
-                <a:ea typeface="Roboto Mono"/>
-                <a:cs typeface="Roboto Mono"/>
-                <a:sym typeface="Roboto Mono"/>
-              </a:rPr>
-              <a:t> the picture</a:t>
-            </a:r>
-            <a:endParaRPr b="1">
-              <a:solidFill>
-                <a:srgbClr val="FFFFFF"/>
-              </a:solidFill>
-              <a:latin typeface="Roboto Mono"/>
-              <a:ea typeface="Roboto Mono"/>
-              <a:cs typeface="Roboto Mono"/>
-              <a:sym typeface="Roboto Mono"/>
-            </a:endParaRPr>
-          </a:p>
-          <a:p>
-            <a:pPr indent="-317500" lvl="1" marL="914400" rtl="0" algn="l">
-              <a:spcBef>
-                <a:spcPts val="0"/>
-              </a:spcBef>
-              <a:spcAft>
-                <a:spcPts val="0"/>
-              </a:spcAft>
-              <a:buClr>
-                <a:srgbClr val="FFFFFF"/>
-              </a:buClr>
-              <a:buSzPts val="1400"/>
-              <a:buFont typeface="Roboto Mono"/>
-              <a:buChar char="○"/>
-            </a:pPr>
-            <a:r>
-              <a:rPr b="1" lang="hu">
-                <a:solidFill>
-                  <a:srgbClr val="FFFFFF"/>
-                </a:solidFill>
-                <a:latin typeface="Roboto Mono"/>
-                <a:ea typeface="Roboto Mono"/>
-                <a:cs typeface="Roboto Mono"/>
-                <a:sym typeface="Roboto Mono"/>
-              </a:rPr>
-              <a:t>cropping out the document and rotate</a:t>
-            </a:r>
-            <a:endParaRPr b="1">
-              <a:solidFill>
-                <a:srgbClr val="FFFFFF"/>
-              </a:solidFill>
-              <a:latin typeface="Roboto Mono"/>
-              <a:ea typeface="Roboto Mono"/>
-              <a:cs typeface="Roboto Mono"/>
-              <a:sym typeface="Roboto Mono"/>
-            </a:endParaRPr>
-          </a:p>
-          <a:p>
-            <a:pPr indent="-342900" lvl="0" marL="457200" rtl="0" algn="l">
-              <a:spcBef>
-                <a:spcPts val="0"/>
-              </a:spcBef>
-              <a:spcAft>
-                <a:spcPts val="0"/>
-              </a:spcAft>
-              <a:buClr>
-                <a:srgbClr val="FFFFFF"/>
-              </a:buClr>
-              <a:buSzPts val="1800"/>
-              <a:buFont typeface="Roboto Mono"/>
-              <a:buChar char="●"/>
-            </a:pPr>
-            <a:r>
-              <a:rPr b="1" lang="hu">
-                <a:solidFill>
-                  <a:srgbClr val="FFFFFF"/>
-                </a:solidFill>
-                <a:latin typeface="Roboto Mono"/>
-                <a:ea typeface="Roboto Mono"/>
-                <a:cs typeface="Roboto Mono"/>
-                <a:sym typeface="Roboto Mono"/>
-              </a:rPr>
-              <a:t>displaying the final crop</a:t>
-            </a:r>
-            <a:endParaRPr b="1">
+            <a:endParaRPr b="1" dirty="0">
               <a:solidFill>
                 <a:srgbClr val="FFFFFF"/>
               </a:solidFill>
@@ -8419,7 +8517,7 @@
 </file>
 
 <file path=ppt/theme/theme1.xml><?xml version="1.0" encoding="utf-8"?>
-<a:theme xmlns:a="http://schemas.openxmlformats.org/drawingml/2006/main" xmlns:r="http://schemas.openxmlformats.org/officeDocument/2006/relationships" name="Simple Light">
+<a:theme xmlns:a="http://schemas.openxmlformats.org/drawingml/2006/main" name="Simple Light">
   <a:themeElements>
     <a:clrScheme name="Simple Light">
       <a:dk1>
@@ -8694,11 +8792,13 @@
       </a:bgFillStyleLst>
     </a:fmtScheme>
   </a:themeElements>
+  <a:objectDefaults/>
+  <a:extraClrSchemeLst/>
 </a:theme>
 </file>
 
 <file path=ppt/theme/theme2.xml><?xml version="1.0" encoding="utf-8"?>
-<a:theme xmlns:a="http://schemas.openxmlformats.org/drawingml/2006/main" xmlns:r="http://schemas.openxmlformats.org/officeDocument/2006/relationships">
+<a:theme xmlns:a="http://schemas.openxmlformats.org/drawingml/2006/main">
   <a:themeElements>
     <a:clrScheme name="Default">
       <a:dk1>
@@ -8973,5 +9073,7 @@
       </a:bgFillStyleLst>
     </a:fmtScheme>
   </a:themeElements>
+  <a:objectDefaults/>
+  <a:extraClrSchemeLst/>
 </a:theme>
 </file>